--- a/FutureApps/Your Data Science Future.pptx
+++ b/FutureApps/Your Data Science Future.pptx
@@ -31,21 +31,22 @@
     <p:sldId id="276" r:id="rId26"/>
     <p:sldId id="277" r:id="rId27"/>
     <p:sldId id="278" r:id="rId28"/>
+    <p:sldId id="279" r:id="rId29"/>
   </p:sldIdLst>
   <p:sldSz cy="5143500" cx="9144000"/>
   <p:notesSz cx="6858000" cy="9144000"/>
   <p:embeddedFontLst>
     <p:embeddedFont>
       <p:font typeface="Nunito"/>
-      <p:regular r:id="rId29"/>
-      <p:bold r:id="rId30"/>
-      <p:italic r:id="rId31"/>
-      <p:boldItalic r:id="rId32"/>
+      <p:regular r:id="rId30"/>
+      <p:bold r:id="rId31"/>
+      <p:italic r:id="rId32"/>
+      <p:boldItalic r:id="rId33"/>
     </p:embeddedFont>
     <p:embeddedFont>
       <p:font typeface="Maven Pro"/>
-      <p:regular r:id="rId33"/>
-      <p:bold r:id="rId34"/>
+      <p:regular r:id="rId34"/>
+      <p:bold r:id="rId35"/>
     </p:embeddedFont>
   </p:embeddedFontLst>
   <p:defaultTextStyle>
@@ -840,7 +841,7 @@
       </p:grpSpPr>
       <p:sp>
         <p:nvSpPr>
-          <p:cNvPr id="330" name="Google Shape;330;g10043abaf29_0_359:notes"/>
+          <p:cNvPr id="330" name="Google Shape;330;g10043abaf29_0_454:notes"/>
           <p:cNvSpPr/>
           <p:nvPr>
             <p:ph idx="2" type="sldImg"/>
@@ -875,7 +876,7 @@
       </p:sp>
       <p:sp>
         <p:nvSpPr>
-          <p:cNvPr id="331" name="Google Shape;331;g10043abaf29_0_359:notes"/>
+          <p:cNvPr id="331" name="Google Shape;331;g10043abaf29_0_454:notes"/>
           <p:cNvSpPr txBox="1"/>
           <p:nvPr>
             <p:ph idx="1" type="body"/>
@@ -939,7 +940,7 @@
       </p:grpSpPr>
       <p:sp>
         <p:nvSpPr>
-          <p:cNvPr id="336" name="Google Shape;336;g10043abaf29_0_364:notes"/>
+          <p:cNvPr id="336" name="Google Shape;336;g10043abaf29_0_354:notes"/>
           <p:cNvSpPr/>
           <p:nvPr>
             <p:ph idx="2" type="sldImg"/>
@@ -974,7 +975,7 @@
       </p:sp>
       <p:sp>
         <p:nvSpPr>
-          <p:cNvPr id="337" name="Google Shape;337;g10043abaf29_0_364:notes"/>
+          <p:cNvPr id="337" name="Google Shape;337;g10043abaf29_0_354:notes"/>
           <p:cNvSpPr txBox="1"/>
           <p:nvPr>
             <p:ph idx="1" type="body"/>
@@ -1024,7 +1025,7 @@
   <p:cSld>
     <p:spTree>
       <p:nvGrpSpPr>
-        <p:cNvPr id="344" name="Shape 344"/>
+        <p:cNvPr id="341" name="Shape 341"/>
         <p:cNvGrpSpPr/>
         <p:nvPr/>
       </p:nvGrpSpPr>
@@ -1038,7 +1039,7 @@
       </p:grpSpPr>
       <p:sp>
         <p:nvSpPr>
-          <p:cNvPr id="345" name="Google Shape;345;g10043abaf29_0_376:notes"/>
+          <p:cNvPr id="342" name="Google Shape;342;g10043abaf29_0_359:notes"/>
           <p:cNvSpPr/>
           <p:nvPr>
             <p:ph idx="2" type="sldImg"/>
@@ -1073,7 +1074,7 @@
       </p:sp>
       <p:sp>
         <p:nvSpPr>
-          <p:cNvPr id="346" name="Google Shape;346;g10043abaf29_0_376:notes"/>
+          <p:cNvPr id="343" name="Google Shape;343;g10043abaf29_0_359:notes"/>
           <p:cNvSpPr txBox="1"/>
           <p:nvPr>
             <p:ph idx="1" type="body"/>
@@ -1123,7 +1124,7 @@
   <p:cSld>
     <p:spTree>
       <p:nvGrpSpPr>
-        <p:cNvPr id="353" name="Shape 353"/>
+        <p:cNvPr id="347" name="Shape 347"/>
         <p:cNvGrpSpPr/>
         <p:nvPr/>
       </p:nvGrpSpPr>
@@ -1137,7 +1138,7 @@
       </p:grpSpPr>
       <p:sp>
         <p:nvSpPr>
-          <p:cNvPr id="354" name="Google Shape;354;g10043abaf29_0_384:notes"/>
+          <p:cNvPr id="348" name="Google Shape;348;g10043abaf29_0_364:notes"/>
           <p:cNvSpPr/>
           <p:nvPr>
             <p:ph idx="2" type="sldImg"/>
@@ -1172,7 +1173,7 @@
       </p:sp>
       <p:sp>
         <p:nvSpPr>
-          <p:cNvPr id="355" name="Google Shape;355;g10043abaf29_0_384:notes"/>
+          <p:cNvPr id="349" name="Google Shape;349;g10043abaf29_0_364:notes"/>
           <p:cNvSpPr txBox="1"/>
           <p:nvPr>
             <p:ph idx="1" type="body"/>
@@ -1222,7 +1223,7 @@
   <p:cSld>
     <p:spTree>
       <p:nvGrpSpPr>
-        <p:cNvPr id="362" name="Shape 362"/>
+        <p:cNvPr id="356" name="Shape 356"/>
         <p:cNvGrpSpPr/>
         <p:nvPr/>
       </p:nvGrpSpPr>
@@ -1236,7 +1237,7 @@
       </p:grpSpPr>
       <p:sp>
         <p:nvSpPr>
-          <p:cNvPr id="363" name="Google Shape;363;g10043abaf29_0_392:notes"/>
+          <p:cNvPr id="357" name="Google Shape;357;g10043abaf29_0_376:notes"/>
           <p:cNvSpPr/>
           <p:nvPr>
             <p:ph idx="2" type="sldImg"/>
@@ -1271,7 +1272,7 @@
       </p:sp>
       <p:sp>
         <p:nvSpPr>
-          <p:cNvPr id="364" name="Google Shape;364;g10043abaf29_0_392:notes"/>
+          <p:cNvPr id="358" name="Google Shape;358;g10043abaf29_0_376:notes"/>
           <p:cNvSpPr txBox="1"/>
           <p:nvPr>
             <p:ph idx="1" type="body"/>
@@ -1321,7 +1322,7 @@
   <p:cSld>
     <p:spTree>
       <p:nvGrpSpPr>
-        <p:cNvPr id="371" name="Shape 371"/>
+        <p:cNvPr id="365" name="Shape 365"/>
         <p:cNvGrpSpPr/>
         <p:nvPr/>
       </p:nvGrpSpPr>
@@ -1335,7 +1336,7 @@
       </p:grpSpPr>
       <p:sp>
         <p:nvSpPr>
-          <p:cNvPr id="372" name="Google Shape;372;g10043abaf29_0_408:notes"/>
+          <p:cNvPr id="366" name="Google Shape;366;g10043abaf29_0_384:notes"/>
           <p:cNvSpPr/>
           <p:nvPr>
             <p:ph idx="2" type="sldImg"/>
@@ -1370,7 +1371,7 @@
       </p:sp>
       <p:sp>
         <p:nvSpPr>
-          <p:cNvPr id="373" name="Google Shape;373;g10043abaf29_0_408:notes"/>
+          <p:cNvPr id="367" name="Google Shape;367;g10043abaf29_0_384:notes"/>
           <p:cNvSpPr txBox="1"/>
           <p:nvPr>
             <p:ph idx="1" type="body"/>
@@ -1420,7 +1421,7 @@
   <p:cSld>
     <p:spTree>
       <p:nvGrpSpPr>
-        <p:cNvPr id="380" name="Shape 380"/>
+        <p:cNvPr id="374" name="Shape 374"/>
         <p:cNvGrpSpPr/>
         <p:nvPr/>
       </p:nvGrpSpPr>
@@ -1434,7 +1435,7 @@
       </p:grpSpPr>
       <p:sp>
         <p:nvSpPr>
-          <p:cNvPr id="381" name="Google Shape;381;g10043abaf29_0_400:notes"/>
+          <p:cNvPr id="375" name="Google Shape;375;g10043abaf29_0_392:notes"/>
           <p:cNvSpPr/>
           <p:nvPr>
             <p:ph idx="2" type="sldImg"/>
@@ -1469,7 +1470,7 @@
       </p:sp>
       <p:sp>
         <p:nvSpPr>
-          <p:cNvPr id="382" name="Google Shape;382;g10043abaf29_0_400:notes"/>
+          <p:cNvPr id="376" name="Google Shape;376;g10043abaf29_0_392:notes"/>
           <p:cNvSpPr txBox="1"/>
           <p:nvPr>
             <p:ph idx="1" type="body"/>
@@ -1519,7 +1520,7 @@
   <p:cSld>
     <p:spTree>
       <p:nvGrpSpPr>
-        <p:cNvPr id="389" name="Shape 389"/>
+        <p:cNvPr id="383" name="Shape 383"/>
         <p:cNvGrpSpPr/>
         <p:nvPr/>
       </p:nvGrpSpPr>
@@ -1533,7 +1534,7 @@
       </p:grpSpPr>
       <p:sp>
         <p:nvSpPr>
-          <p:cNvPr id="390" name="Google Shape;390;g10043abaf29_0_416:notes"/>
+          <p:cNvPr id="384" name="Google Shape;384;g10043abaf29_0_408:notes"/>
           <p:cNvSpPr/>
           <p:nvPr>
             <p:ph idx="2" type="sldImg"/>
@@ -1568,7 +1569,7 @@
       </p:sp>
       <p:sp>
         <p:nvSpPr>
-          <p:cNvPr id="391" name="Google Shape;391;g10043abaf29_0_416:notes"/>
+          <p:cNvPr id="385" name="Google Shape;385;g10043abaf29_0_408:notes"/>
           <p:cNvSpPr txBox="1"/>
           <p:nvPr>
             <p:ph idx="1" type="body"/>
@@ -1618,7 +1619,7 @@
   <p:cSld>
     <p:spTree>
       <p:nvGrpSpPr>
-        <p:cNvPr id="398" name="Shape 398"/>
+        <p:cNvPr id="392" name="Shape 392"/>
         <p:cNvGrpSpPr/>
         <p:nvPr/>
       </p:nvGrpSpPr>
@@ -1632,7 +1633,7 @@
       </p:grpSpPr>
       <p:sp>
         <p:nvSpPr>
-          <p:cNvPr id="399" name="Google Shape;399;g10043abaf29_0_440:notes"/>
+          <p:cNvPr id="393" name="Google Shape;393;g10043abaf29_0_416:notes"/>
           <p:cNvSpPr/>
           <p:nvPr>
             <p:ph idx="2" type="sldImg"/>
@@ -1667,7 +1668,7 @@
       </p:sp>
       <p:sp>
         <p:nvSpPr>
-          <p:cNvPr id="400" name="Google Shape;400;g10043abaf29_0_440:notes"/>
+          <p:cNvPr id="394" name="Google Shape;394;g10043abaf29_0_416:notes"/>
           <p:cNvSpPr txBox="1"/>
           <p:nvPr>
             <p:ph idx="1" type="body"/>
@@ -1717,7 +1718,7 @@
   <p:cSld>
     <p:spTree>
       <p:nvGrpSpPr>
-        <p:cNvPr id="407" name="Shape 407"/>
+        <p:cNvPr id="401" name="Shape 401"/>
         <p:cNvGrpSpPr/>
         <p:nvPr/>
       </p:nvGrpSpPr>
@@ -1731,7 +1732,7 @@
       </p:grpSpPr>
       <p:sp>
         <p:nvSpPr>
-          <p:cNvPr id="408" name="Google Shape;408;g10043abaf29_0_432:notes"/>
+          <p:cNvPr id="402" name="Google Shape;402;g10043abaf29_0_440:notes"/>
           <p:cNvSpPr/>
           <p:nvPr>
             <p:ph idx="2" type="sldImg"/>
@@ -1766,7 +1767,7 @@
       </p:sp>
       <p:sp>
         <p:nvSpPr>
-          <p:cNvPr id="409" name="Google Shape;409;g10043abaf29_0_432:notes"/>
+          <p:cNvPr id="403" name="Google Shape;403;g10043abaf29_0_440:notes"/>
           <p:cNvSpPr txBox="1"/>
           <p:nvPr>
             <p:ph idx="1" type="body"/>
@@ -1915,6 +1916,105 @@
   <p:cSld>
     <p:spTree>
       <p:nvGrpSpPr>
+        <p:cNvPr id="410" name="Shape 410"/>
+        <p:cNvGrpSpPr/>
+        <p:nvPr/>
+      </p:nvGrpSpPr>
+      <p:grpSpPr>
+        <a:xfrm>
+          <a:off x="0" y="0"/>
+          <a:ext cx="0" cy="0"/>
+          <a:chOff x="0" y="0"/>
+          <a:chExt cx="0" cy="0"/>
+        </a:xfrm>
+      </p:grpSpPr>
+      <p:sp>
+        <p:nvSpPr>
+          <p:cNvPr id="411" name="Google Shape;411;g10043abaf29_0_432:notes"/>
+          <p:cNvSpPr/>
+          <p:nvPr>
+            <p:ph idx="2" type="sldImg"/>
+          </p:nvPr>
+        </p:nvSpPr>
+        <p:spPr>
+          <a:xfrm>
+            <a:off x="381300" y="685800"/>
+            <a:ext cx="6096000" cy="3429000"/>
+          </a:xfrm>
+          <a:custGeom>
+            <a:rect b="b" l="l" r="r" t="t"/>
+            <a:pathLst>
+              <a:path extrusionOk="0" h="120000" w="120000">
+                <a:moveTo>
+                  <a:pt x="0" y="0"/>
+                </a:moveTo>
+                <a:lnTo>
+                  <a:pt x="120000" y="0"/>
+                </a:lnTo>
+                <a:lnTo>
+                  <a:pt x="120000" y="120000"/>
+                </a:lnTo>
+                <a:lnTo>
+                  <a:pt x="0" y="120000"/>
+                </a:lnTo>
+                <a:close/>
+              </a:path>
+            </a:pathLst>
+          </a:custGeom>
+        </p:spPr>
+      </p:sp>
+      <p:sp>
+        <p:nvSpPr>
+          <p:cNvPr id="412" name="Google Shape;412;g10043abaf29_0_432:notes"/>
+          <p:cNvSpPr txBox="1"/>
+          <p:nvPr>
+            <p:ph idx="1" type="body"/>
+          </p:nvPr>
+        </p:nvSpPr>
+        <p:spPr>
+          <a:xfrm>
+            <a:off x="685800" y="4343400"/>
+            <a:ext cx="5486400" cy="4114800"/>
+          </a:xfrm>
+          <a:prstGeom prst="rect">
+            <a:avLst/>
+          </a:prstGeom>
+        </p:spPr>
+        <p:txBody>
+          <a:bodyPr anchorCtr="0" anchor="t" bIns="91425" lIns="91425" spcFirstLastPara="1" rIns="91425" wrap="square" tIns="91425">
+            <a:noAutofit/>
+          </a:bodyPr>
+          <a:lstStyle/>
+          <a:p>
+            <a:pPr indent="0" lvl="0" marL="0" rtl="0" algn="l">
+              <a:spcBef>
+                <a:spcPts val="0"/>
+              </a:spcBef>
+              <a:spcAft>
+                <a:spcPts val="0"/>
+              </a:spcAft>
+              <a:buNone/>
+            </a:pPr>
+            <a:r>
+              <a:t/>
+            </a:r>
+            <a:endParaRPr/>
+          </a:p>
+        </p:txBody>
+      </p:sp>
+    </p:spTree>
+  </p:cSld>
+  <p:clrMapOvr>
+    <a:masterClrMapping/>
+  </p:clrMapOvr>
+</p:notes>
+</file>
+
+<file path=ppt/notesSlides/notesSlide21.xml><?xml version="1.0" encoding="utf-8"?>
+<p:notes xmlns:a="http://schemas.openxmlformats.org/drawingml/2006/main" xmlns:r="http://schemas.openxmlformats.org/officeDocument/2006/relationships" xmlns:mc="http://schemas.openxmlformats.org/markup-compatibility/2006" xmlns:mv="urn:schemas-microsoft-com:mac:vml" xmlns:p="http://schemas.openxmlformats.org/presentationml/2006/main" xmlns:c="http://schemas.openxmlformats.org/drawingml/2006/chart" xmlns:dgm="http://schemas.openxmlformats.org/drawingml/2006/diagram" xmlns:o="urn:schemas-microsoft-com:office:office" xmlns:v="urn:schemas-microsoft-com:vml" xmlns:pvml="urn:schemas-microsoft-com:office:powerpoint" xmlns:com="http://schemas.openxmlformats.org/drawingml/2006/compatibility" xmlns:p14="http://schemas.microsoft.com/office/powerpoint/2010/main" xmlns:p15="http://schemas.microsoft.com/office/powerpoint/2012/main" xmlns:ahyp="http://schemas.microsoft.com/office/drawing/2018/hyperlinkcolor" showMasterPhAnim="0" showMasterSp="0">
+  <p:cSld>
+    <p:spTree>
+      <p:nvGrpSpPr>
         <p:cNvPr id="416" name="Shape 416"/>
         <p:cNvGrpSpPr/>
         <p:nvPr/>
@@ -2009,7 +2109,7 @@
 </p:notes>
 </file>
 
-<file path=ppt/notesSlides/notesSlide21.xml><?xml version="1.0" encoding="utf-8"?>
+<file path=ppt/notesSlides/notesSlide22.xml><?xml version="1.0" encoding="utf-8"?>
 <p:notes xmlns:a="http://schemas.openxmlformats.org/drawingml/2006/main" xmlns:r="http://schemas.openxmlformats.org/officeDocument/2006/relationships" xmlns:mc="http://schemas.openxmlformats.org/markup-compatibility/2006" xmlns:mv="urn:schemas-microsoft-com:mac:vml" xmlns:p="http://schemas.openxmlformats.org/presentationml/2006/main" xmlns:c="http://schemas.openxmlformats.org/drawingml/2006/chart" xmlns:dgm="http://schemas.openxmlformats.org/drawingml/2006/diagram" xmlns:o="urn:schemas-microsoft-com:office:office" xmlns:v="urn:schemas-microsoft-com:vml" xmlns:pvml="urn:schemas-microsoft-com:office:powerpoint" xmlns:com="http://schemas.openxmlformats.org/drawingml/2006/compatibility" xmlns:p14="http://schemas.microsoft.com/office/powerpoint/2010/main" xmlns:p15="http://schemas.microsoft.com/office/powerpoint/2012/main" xmlns:ahyp="http://schemas.microsoft.com/office/drawing/2018/hyperlinkcolor" showMasterPhAnim="0" showMasterSp="0">
   <p:cSld>
     <p:spTree>
@@ -2108,7 +2208,7 @@
 </p:notes>
 </file>
 
-<file path=ppt/notesSlides/notesSlide22.xml><?xml version="1.0" encoding="utf-8"?>
+<file path=ppt/notesSlides/notesSlide23.xml><?xml version="1.0" encoding="utf-8"?>
 <p:notes xmlns:a="http://schemas.openxmlformats.org/drawingml/2006/main" xmlns:r="http://schemas.openxmlformats.org/officeDocument/2006/relationships" xmlns:mc="http://schemas.openxmlformats.org/markup-compatibility/2006" xmlns:mv="urn:schemas-microsoft-com:mac:vml" xmlns:p="http://schemas.openxmlformats.org/presentationml/2006/main" xmlns:c="http://schemas.openxmlformats.org/drawingml/2006/chart" xmlns:dgm="http://schemas.openxmlformats.org/drawingml/2006/diagram" xmlns:o="urn:schemas-microsoft-com:office:office" xmlns:v="urn:schemas-microsoft-com:vml" xmlns:pvml="urn:schemas-microsoft-com:office:powerpoint" xmlns:com="http://schemas.openxmlformats.org/drawingml/2006/compatibility" xmlns:p14="http://schemas.microsoft.com/office/powerpoint/2010/main" xmlns:p15="http://schemas.microsoft.com/office/powerpoint/2012/main" xmlns:ahyp="http://schemas.microsoft.com/office/drawing/2018/hyperlinkcolor" showMasterPhAnim="0" showMasterSp="0">
   <p:cSld>
     <p:spTree>
@@ -2207,7 +2307,7 @@
 </p:notes>
 </file>
 
-<file path=ppt/notesSlides/notesSlide23.xml><?xml version="1.0" encoding="utf-8"?>
+<file path=ppt/notesSlides/notesSlide24.xml><?xml version="1.0" encoding="utf-8"?>
 <p:notes xmlns:a="http://schemas.openxmlformats.org/drawingml/2006/main" xmlns:r="http://schemas.openxmlformats.org/officeDocument/2006/relationships" xmlns:mc="http://schemas.openxmlformats.org/markup-compatibility/2006" xmlns:mv="urn:schemas-microsoft-com:mac:vml" xmlns:p="http://schemas.openxmlformats.org/presentationml/2006/main" xmlns:c="http://schemas.openxmlformats.org/drawingml/2006/chart" xmlns:dgm="http://schemas.openxmlformats.org/drawingml/2006/diagram" xmlns:o="urn:schemas-microsoft-com:office:office" xmlns:v="urn:schemas-microsoft-com:vml" xmlns:pvml="urn:schemas-microsoft-com:office:powerpoint" xmlns:com="http://schemas.openxmlformats.org/drawingml/2006/compatibility" xmlns:p14="http://schemas.microsoft.com/office/powerpoint/2010/main" xmlns:p15="http://schemas.microsoft.com/office/powerpoint/2012/main" xmlns:ahyp="http://schemas.microsoft.com/office/drawing/2018/hyperlinkcolor" showMasterPhAnim="0" showMasterSp="0">
   <p:cSld>
     <p:spTree>
@@ -2622,7 +2722,7 @@
       </p:grpSpPr>
       <p:sp>
         <p:nvSpPr>
-          <p:cNvPr id="306" name="Google Shape;306;g10043abaf29_0_333:notes"/>
+          <p:cNvPr id="306" name="Google Shape;306;g10043abaf29_0_449:notes"/>
           <p:cNvSpPr/>
           <p:nvPr>
             <p:ph idx="2" type="sldImg"/>
@@ -2657,7 +2757,7 @@
       </p:sp>
       <p:sp>
         <p:nvSpPr>
-          <p:cNvPr id="307" name="Google Shape;307;g10043abaf29_0_333:notes"/>
+          <p:cNvPr id="307" name="Google Shape;307;g10043abaf29_0_449:notes"/>
           <p:cNvSpPr txBox="1"/>
           <p:nvPr>
             <p:ph idx="1" type="body"/>
@@ -2721,7 +2821,7 @@
       </p:grpSpPr>
       <p:sp>
         <p:nvSpPr>
-          <p:cNvPr id="312" name="Google Shape;312;g10043abaf29_0_344:notes"/>
+          <p:cNvPr id="312" name="Google Shape;312;g10043abaf29_0_333:notes"/>
           <p:cNvSpPr/>
           <p:nvPr>
             <p:ph idx="2" type="sldImg"/>
@@ -2756,7 +2856,7 @@
       </p:sp>
       <p:sp>
         <p:nvSpPr>
-          <p:cNvPr id="313" name="Google Shape;313;g10043abaf29_0_344:notes"/>
+          <p:cNvPr id="313" name="Google Shape;313;g10043abaf29_0_333:notes"/>
           <p:cNvSpPr txBox="1"/>
           <p:nvPr>
             <p:ph idx="1" type="body"/>
@@ -2820,7 +2920,7 @@
       </p:grpSpPr>
       <p:sp>
         <p:nvSpPr>
-          <p:cNvPr id="318" name="Google Shape;318;g10043abaf29_0_338:notes"/>
+          <p:cNvPr id="318" name="Google Shape;318;g10043abaf29_0_344:notes"/>
           <p:cNvSpPr/>
           <p:nvPr>
             <p:ph idx="2" type="sldImg"/>
@@ -2855,7 +2955,7 @@
       </p:sp>
       <p:sp>
         <p:nvSpPr>
-          <p:cNvPr id="319" name="Google Shape;319;g10043abaf29_0_338:notes"/>
+          <p:cNvPr id="319" name="Google Shape;319;g10043abaf29_0_344:notes"/>
           <p:cNvSpPr txBox="1"/>
           <p:nvPr>
             <p:ph idx="1" type="body"/>
@@ -2919,7 +3019,7 @@
       </p:grpSpPr>
       <p:sp>
         <p:nvSpPr>
-          <p:cNvPr id="324" name="Google Shape;324;g10043abaf29_0_354:notes"/>
+          <p:cNvPr id="324" name="Google Shape;324;g10043abaf29_0_338:notes"/>
           <p:cNvSpPr/>
           <p:nvPr>
             <p:ph idx="2" type="sldImg"/>
@@ -2954,7 +3054,7 @@
       </p:sp>
       <p:sp>
         <p:nvSpPr>
-          <p:cNvPr id="325" name="Google Shape;325;g10043abaf29_0_354:notes"/>
+          <p:cNvPr id="325" name="Google Shape;325;g10043abaf29_0_338:notes"/>
           <p:cNvSpPr txBox="1"/>
           <p:nvPr>
             <p:ph idx="1" type="body"/>
@@ -17361,7 +17461,11 @@
             </a:pPr>
             <a:r>
               <a:rPr lang="en"/>
-              <a:t>Programming Languages, Courses, Statistics, Future Developments in Tech</a:t>
+              <a:t>Statistics, Courses, </a:t>
+            </a:r>
+            <a:r>
+              <a:rPr lang="en"/>
+              <a:t>Programming Languages, and Future Developments in Tech</a:t>
             </a:r>
             <a:endParaRPr/>
           </a:p>
@@ -17426,7 +17530,7 @@
             </a:pPr>
             <a:r>
               <a:rPr lang="en"/>
-              <a:t>Programming Languages</a:t>
+              <a:t>Mathematics/Statistics Upper Levels</a:t>
             </a:r>
             <a:endParaRPr/>
           </a:p>
@@ -17451,126 +17555,142 @@
         </p:spPr>
         <p:txBody>
           <a:bodyPr anchorCtr="0" anchor="t" bIns="91425" lIns="91425" spcFirstLastPara="1" rIns="91425" wrap="square" tIns="91425">
-            <a:normAutofit fontScale="92500" lnSpcReduction="20000"/>
+            <a:normAutofit/>
           </a:bodyPr>
           <a:lstStyle/>
           <a:p>
-            <a:pPr indent="0" lvl="0" marL="0" rtl="0" algn="l">
-              <a:spcBef>
-                <a:spcPts val="0"/>
-              </a:spcBef>
-              <a:spcAft>
-                <a:spcPts val="0"/>
-              </a:spcAft>
-              <a:buNone/>
+            <a:pPr indent="-311150" lvl="0" marL="457200" rtl="0" algn="l">
+              <a:spcBef>
+                <a:spcPts val="0"/>
+              </a:spcBef>
+              <a:spcAft>
+                <a:spcPts val="0"/>
+              </a:spcAft>
+              <a:buSzPts val="1300"/>
+              <a:buChar char="●"/>
             </a:pPr>
             <a:r>
               <a:rPr lang="en"/>
-              <a:t>Computer languages are structured from high to low…</a:t>
+              <a:t>?? Operations Research (B+)</a:t>
             </a:r>
             <a:endParaRPr/>
           </a:p>
           <a:p>
-            <a:pPr indent="0" lvl="0" marL="0" rtl="0" algn="l">
-              <a:spcBef>
-                <a:spcPts val="1200"/>
-              </a:spcBef>
-              <a:spcAft>
-                <a:spcPts val="0"/>
-              </a:spcAft>
-              <a:buNone/>
+            <a:pPr indent="-298450" lvl="1" marL="914400" rtl="0" algn="l">
+              <a:spcBef>
+                <a:spcPts val="0"/>
+              </a:spcBef>
+              <a:spcAft>
+                <a:spcPts val="0"/>
+              </a:spcAft>
+              <a:buSzPts val="1100"/>
+              <a:buChar char="○"/>
             </a:pPr>
             <a:r>
               <a:rPr lang="en"/>
-              <a:t>A good place to check the pros and cons of a computer language can be found at </a:t>
-            </a:r>
-            <a:r>
-              <a:rPr lang="en" u="sng">
-                <a:solidFill>
-                  <a:schemeClr val="hlink"/>
-                </a:solidFill>
-                <a:hlinkClick r:id="rId3"/>
-              </a:rPr>
-              <a:t>https://www.slant.co/topics/25/~best-programming-language-to-learn-first</a:t>
+              <a:t>Optimizing, linear programming and making decisions under uncertainty</a:t>
             </a:r>
             <a:endParaRPr/>
           </a:p>
           <a:p>
-            <a:pPr indent="0" lvl="0" marL="0" rtl="0" algn="l">
-              <a:spcBef>
-                <a:spcPts val="1200"/>
-              </a:spcBef>
-              <a:spcAft>
-                <a:spcPts val="0"/>
-              </a:spcAft>
-              <a:buNone/>
+            <a:pPr indent="-311150" lvl="0" marL="457200" rtl="0" algn="l">
+              <a:spcBef>
+                <a:spcPts val="0"/>
+              </a:spcBef>
+              <a:spcAft>
+                <a:spcPts val="0"/>
+              </a:spcAft>
+              <a:buSzPts val="1300"/>
+              <a:buChar char="●"/>
             </a:pPr>
             <a:r>
               <a:rPr lang="en"/>
-              <a:t>Object oriented vs. …</a:t>
+              <a:t>?? Statistical Inference (C)</a:t>
             </a:r>
             <a:endParaRPr/>
           </a:p>
           <a:p>
-            <a:pPr indent="0" lvl="0" marL="0" rtl="0" algn="l">
-              <a:spcBef>
-                <a:spcPts val="1200"/>
-              </a:spcBef>
-              <a:spcAft>
-                <a:spcPts val="0"/>
-              </a:spcAft>
-              <a:buNone/>
+            <a:pPr indent="-298450" lvl="1" marL="914400" rtl="0" algn="l">
+              <a:spcBef>
+                <a:spcPts val="0"/>
+              </a:spcBef>
+              <a:spcAft>
+                <a:spcPts val="0"/>
+              </a:spcAft>
+              <a:buSzPts val="1100"/>
+              <a:buChar char="○"/>
             </a:pPr>
             <a:r>
               <a:rPr lang="en"/>
-              <a:t>Static vs non static …</a:t>
+              <a:t>Mathematics behind sampling distributions, hypothesis testing, regression, inferential methods, etc.</a:t>
             </a:r>
             <a:endParaRPr/>
           </a:p>
           <a:p>
-            <a:pPr indent="0" lvl="0" marL="0" rtl="0" algn="l">
-              <a:spcBef>
-                <a:spcPts val="1200"/>
-              </a:spcBef>
-              <a:spcAft>
-                <a:spcPts val="0"/>
-              </a:spcAft>
-              <a:buNone/>
+            <a:pPr indent="-311150" lvl="0" marL="457200" rtl="0" algn="l">
+              <a:spcBef>
+                <a:spcPts val="0"/>
+              </a:spcBef>
+              <a:spcAft>
+                <a:spcPts val="0"/>
+              </a:spcAft>
+              <a:buSzPts val="1300"/>
+              <a:buChar char="●"/>
             </a:pPr>
             <a:r>
               <a:rPr lang="en"/>
-              <a:t>Compilation …</a:t>
+              <a:t>?? Advanced Linear Algebra (D-)</a:t>
             </a:r>
             <a:endParaRPr/>
           </a:p>
           <a:p>
-            <a:pPr indent="0" lvl="0" marL="0" rtl="0" algn="l">
-              <a:spcBef>
-                <a:spcPts val="1200"/>
-              </a:spcBef>
-              <a:spcAft>
-                <a:spcPts val="0"/>
-              </a:spcAft>
-              <a:buNone/>
+            <a:pPr indent="-298450" lvl="1" marL="914400" rtl="0" algn="l">
+              <a:spcBef>
+                <a:spcPts val="0"/>
+              </a:spcBef>
+              <a:spcAft>
+                <a:spcPts val="0"/>
+              </a:spcAft>
+              <a:buSzPts val="1100"/>
+              <a:buChar char="○"/>
             </a:pPr>
             <a:r>
               <a:rPr lang="en"/>
-              <a:t>Running time vs memory vs understandability vs functionality …</a:t>
+              <a:t>Rigorous proof based analysis of Basic Linear Algebra</a:t>
             </a:r>
             <a:endParaRPr/>
           </a:p>
           <a:p>
-            <a:pPr indent="0" lvl="0" marL="0" rtl="0" algn="l">
-              <a:spcBef>
-                <a:spcPts val="1200"/>
-              </a:spcBef>
-              <a:spcAft>
-                <a:spcPts val="1200"/>
-              </a:spcAft>
-              <a:buNone/>
+            <a:pPr indent="-311150" lvl="0" marL="457200" rtl="0" algn="l">
+              <a:spcBef>
+                <a:spcPts val="0"/>
+              </a:spcBef>
+              <a:spcAft>
+                <a:spcPts val="0"/>
+              </a:spcAft>
+              <a:buSzPts val="1300"/>
+              <a:buChar char="●"/>
             </a:pPr>
             <a:r>
-              <a:t/>
+              <a:rPr lang="en"/>
+              <a:t>?? Time Series Analysis (D)</a:t>
+            </a:r>
+            <a:endParaRPr/>
+          </a:p>
+          <a:p>
+            <a:pPr indent="-298450" lvl="1" marL="914400" rtl="0" algn="l">
+              <a:spcBef>
+                <a:spcPts val="0"/>
+              </a:spcBef>
+              <a:spcAft>
+                <a:spcPts val="0"/>
+              </a:spcAft>
+              <a:buSzPts val="1100"/>
+              <a:buChar char="○"/>
+            </a:pPr>
+            <a:r>
+              <a:rPr lang="en"/>
+              <a:t>How to mathematically analyze a sequence of data points collected over time</a:t>
             </a:r>
             <a:endParaRPr/>
           </a:p>
@@ -17635,7 +17755,7 @@
             </a:pPr>
             <a:r>
               <a:rPr lang="en"/>
-              <a:t>Python</a:t>
+              <a:t>Economics/Finance/Other</a:t>
             </a:r>
             <a:endParaRPr/>
           </a:p>
@@ -17644,6 +17764,519 @@
       <p:sp>
         <p:nvSpPr>
           <p:cNvPr id="340" name="Google Shape;340;p23"/>
+          <p:cNvSpPr txBox="1"/>
+          <p:nvPr>
+            <p:ph idx="1" type="body"/>
+          </p:nvPr>
+        </p:nvSpPr>
+        <p:spPr>
+          <a:xfrm>
+            <a:off x="1303800" y="1990050"/>
+            <a:ext cx="7030500" cy="2541600"/>
+          </a:xfrm>
+          <a:prstGeom prst="rect">
+            <a:avLst/>
+          </a:prstGeom>
+        </p:spPr>
+        <p:txBody>
+          <a:bodyPr anchorCtr="0" anchor="t" bIns="91425" lIns="91425" spcFirstLastPara="1" rIns="91425" wrap="square" tIns="91425">
+            <a:normAutofit fontScale="92500" lnSpcReduction="20000"/>
+          </a:bodyPr>
+          <a:lstStyle/>
+          <a:p>
+            <a:pPr indent="-304958" lvl="0" marL="457200" rtl="0" algn="l">
+              <a:spcBef>
+                <a:spcPts val="0"/>
+              </a:spcBef>
+              <a:spcAft>
+                <a:spcPts val="0"/>
+              </a:spcAft>
+              <a:buSzPct val="100000"/>
+              <a:buChar char="●"/>
+            </a:pPr>
+            <a:r>
+              <a:rPr lang="en"/>
+              <a:t>1st - Introductory/Applications of Data Science (A+)</a:t>
+            </a:r>
+            <a:endParaRPr/>
+          </a:p>
+          <a:p>
+            <a:pPr indent="-293211" lvl="1" marL="914400" rtl="0" algn="l">
+              <a:spcBef>
+                <a:spcPts val="0"/>
+              </a:spcBef>
+              <a:spcAft>
+                <a:spcPts val="0"/>
+              </a:spcAft>
+              <a:buSzPct val="100000"/>
+              <a:buChar char="○"/>
+            </a:pPr>
+            <a:r>
+              <a:rPr lang="en"/>
+              <a:t>You are Here!</a:t>
+            </a:r>
+            <a:endParaRPr/>
+          </a:p>
+          <a:p>
+            <a:pPr indent="-304958" lvl="0" marL="457200" rtl="0" algn="l">
+              <a:spcBef>
+                <a:spcPts val="0"/>
+              </a:spcBef>
+              <a:spcAft>
+                <a:spcPts val="0"/>
+              </a:spcAft>
+              <a:buSzPct val="100000"/>
+              <a:buChar char="●"/>
+            </a:pPr>
+            <a:r>
+              <a:rPr lang="en"/>
+              <a:t>1st - Introductory Microeconomic Theory </a:t>
+            </a:r>
+            <a:r>
+              <a:rPr lang="en"/>
+              <a:t>(B+)</a:t>
+            </a:r>
+            <a:endParaRPr/>
+          </a:p>
+          <a:p>
+            <a:pPr indent="-293211" lvl="1" marL="914400" rtl="0" algn="l">
+              <a:spcBef>
+                <a:spcPts val="0"/>
+              </a:spcBef>
+              <a:spcAft>
+                <a:spcPts val="0"/>
+              </a:spcAft>
+              <a:buSzPct val="100000"/>
+              <a:buChar char="○"/>
+            </a:pPr>
+            <a:r>
+              <a:rPr lang="en"/>
+              <a:t>The study of the allocation of resources from an individual level</a:t>
+            </a:r>
+            <a:endParaRPr/>
+          </a:p>
+          <a:p>
+            <a:pPr indent="-304958" lvl="0" marL="457200" rtl="0" algn="l">
+              <a:spcBef>
+                <a:spcPts val="0"/>
+              </a:spcBef>
+              <a:spcAft>
+                <a:spcPts val="0"/>
+              </a:spcAft>
+              <a:buSzPct val="100000"/>
+              <a:buChar char="●"/>
+            </a:pPr>
+            <a:r>
+              <a:rPr lang="en"/>
+              <a:t>1st - Introduction to Finance </a:t>
+            </a:r>
+            <a:r>
+              <a:rPr lang="en"/>
+              <a:t>(C)</a:t>
+            </a:r>
+            <a:endParaRPr/>
+          </a:p>
+          <a:p>
+            <a:pPr indent="-304958" lvl="0" marL="457200" rtl="0" algn="l">
+              <a:spcBef>
+                <a:spcPts val="0"/>
+              </a:spcBef>
+              <a:spcAft>
+                <a:spcPts val="0"/>
+              </a:spcAft>
+              <a:buSzPct val="100000"/>
+              <a:buChar char="●"/>
+            </a:pPr>
+            <a:r>
+              <a:rPr lang="en"/>
+              <a:t>? - Introductory Macroeconomic Theory (E)</a:t>
+            </a:r>
+            <a:endParaRPr/>
+          </a:p>
+          <a:p>
+            <a:pPr indent="-293211" lvl="1" marL="914400" rtl="0" algn="l">
+              <a:spcBef>
+                <a:spcPts val="0"/>
+              </a:spcBef>
+              <a:spcAft>
+                <a:spcPts val="0"/>
+              </a:spcAft>
+              <a:buSzPct val="100000"/>
+              <a:buChar char="○"/>
+            </a:pPr>
+            <a:r>
+              <a:rPr lang="en"/>
+              <a:t>How society makes due with limited resource availability</a:t>
+            </a:r>
+            <a:endParaRPr/>
+          </a:p>
+          <a:p>
+            <a:pPr indent="-293211" lvl="1" marL="914400" rtl="0" algn="l">
+              <a:spcBef>
+                <a:spcPts val="0"/>
+              </a:spcBef>
+              <a:spcAft>
+                <a:spcPts val="0"/>
+              </a:spcAft>
+              <a:buSzPct val="100000"/>
+              <a:buChar char="○"/>
+            </a:pPr>
+            <a:r>
+              <a:rPr lang="en"/>
+              <a:t>Often a </a:t>
+            </a:r>
+            <a:r>
+              <a:rPr lang="en"/>
+              <a:t>prerequisite</a:t>
+            </a:r>
+            <a:r>
+              <a:rPr lang="en"/>
+              <a:t> for other Economics/Finance/Business courses</a:t>
+            </a:r>
+            <a:endParaRPr/>
+          </a:p>
+          <a:p>
+            <a:pPr indent="-304958" lvl="0" marL="457200" rtl="0" algn="l">
+              <a:spcBef>
+                <a:spcPts val="0"/>
+              </a:spcBef>
+              <a:spcAft>
+                <a:spcPts val="0"/>
+              </a:spcAft>
+              <a:buSzPct val="100000"/>
+              <a:buChar char="●"/>
+            </a:pPr>
+            <a:r>
+              <a:rPr lang="en"/>
+              <a:t>? - Game Theory (D+)</a:t>
+            </a:r>
+            <a:endParaRPr/>
+          </a:p>
+          <a:p>
+            <a:pPr indent="-293211" lvl="1" marL="914400" rtl="0" algn="l">
+              <a:spcBef>
+                <a:spcPts val="0"/>
+              </a:spcBef>
+              <a:spcAft>
+                <a:spcPts val="0"/>
+              </a:spcAft>
+              <a:buSzPct val="100000"/>
+              <a:buChar char="○"/>
+            </a:pPr>
+            <a:r>
+              <a:rPr lang="en"/>
+              <a:t>Mathematical view on strategic decision making</a:t>
+            </a:r>
+            <a:endParaRPr/>
+          </a:p>
+          <a:p>
+            <a:pPr indent="-304958" lvl="0" marL="457200" rtl="0" algn="l">
+              <a:spcBef>
+                <a:spcPts val="0"/>
+              </a:spcBef>
+              <a:spcAft>
+                <a:spcPts val="0"/>
+              </a:spcAft>
+              <a:buSzPct val="100000"/>
+              <a:buChar char="●"/>
+            </a:pPr>
+            <a:r>
+              <a:rPr lang="en"/>
+              <a:t>? -  Econometrics (B+)</a:t>
+            </a:r>
+            <a:endParaRPr/>
+          </a:p>
+          <a:p>
+            <a:pPr indent="-293211" lvl="1" marL="914400" rtl="0" algn="l">
+              <a:spcBef>
+                <a:spcPts val="0"/>
+              </a:spcBef>
+              <a:spcAft>
+                <a:spcPts val="0"/>
+              </a:spcAft>
+              <a:buSzPct val="100000"/>
+              <a:buChar char="○"/>
+            </a:pPr>
+            <a:r>
+              <a:rPr lang="en"/>
+              <a:t>Often in Stata</a:t>
+            </a:r>
+            <a:endParaRPr/>
+          </a:p>
+          <a:p>
+            <a:pPr indent="-293211" lvl="1" marL="914400" rtl="0" algn="l">
+              <a:spcBef>
+                <a:spcPts val="0"/>
+              </a:spcBef>
+              <a:spcAft>
+                <a:spcPts val="0"/>
+              </a:spcAft>
+              <a:buSzPct val="100000"/>
+              <a:buChar char="○"/>
+            </a:pPr>
+            <a:r>
+              <a:rPr lang="en"/>
+              <a:t>The design and estimation of economic models</a:t>
+            </a:r>
+            <a:endParaRPr/>
+          </a:p>
+          <a:p>
+            <a:pPr indent="-293211" lvl="1" marL="914400" rtl="0" algn="l">
+              <a:spcBef>
+                <a:spcPts val="0"/>
+              </a:spcBef>
+              <a:spcAft>
+                <a:spcPts val="0"/>
+              </a:spcAft>
+              <a:buSzPct val="100000"/>
+              <a:buChar char="○"/>
+            </a:pPr>
+            <a:r>
+              <a:rPr lang="en"/>
+              <a:t>A cross between statistics and economics</a:t>
+            </a:r>
+            <a:endParaRPr/>
+          </a:p>
+        </p:txBody>
+      </p:sp>
+    </p:spTree>
+  </p:cSld>
+  <p:clrMapOvr>
+    <a:masterClrMapping/>
+  </p:clrMapOvr>
+</p:sld>
+</file>
+
+<file path=ppt/slides/slide12.xml><?xml version="1.0" encoding="utf-8"?>
+<p:sld xmlns:a="http://schemas.openxmlformats.org/drawingml/2006/main" xmlns:r="http://schemas.openxmlformats.org/officeDocument/2006/relationships" xmlns:mc="http://schemas.openxmlformats.org/markup-compatibility/2006" xmlns:mv="urn:schemas-microsoft-com:mac:vml" xmlns:p="http://schemas.openxmlformats.org/presentationml/2006/main" xmlns:c="http://schemas.openxmlformats.org/drawingml/2006/chart" xmlns:dgm="http://schemas.openxmlformats.org/drawingml/2006/diagram" xmlns:o="urn:schemas-microsoft-com:office:office" xmlns:v="urn:schemas-microsoft-com:vml" xmlns:pvml="urn:schemas-microsoft-com:office:powerpoint" xmlns:com="http://schemas.openxmlformats.org/drawingml/2006/compatibility" xmlns:p14="http://schemas.microsoft.com/office/powerpoint/2010/main" xmlns:p15="http://schemas.microsoft.com/office/powerpoint/2012/main" xmlns:ahyp="http://schemas.microsoft.com/office/drawing/2018/hyperlinkcolor">
+  <p:cSld>
+    <p:spTree>
+      <p:nvGrpSpPr>
+        <p:cNvPr id="344" name="Shape 344"/>
+        <p:cNvGrpSpPr/>
+        <p:nvPr/>
+      </p:nvGrpSpPr>
+      <p:grpSpPr>
+        <a:xfrm>
+          <a:off x="0" y="0"/>
+          <a:ext cx="0" cy="0"/>
+          <a:chOff x="0" y="0"/>
+          <a:chExt cx="0" cy="0"/>
+        </a:xfrm>
+      </p:grpSpPr>
+      <p:sp>
+        <p:nvSpPr>
+          <p:cNvPr id="345" name="Google Shape;345;p24"/>
+          <p:cNvSpPr txBox="1"/>
+          <p:nvPr>
+            <p:ph type="title"/>
+          </p:nvPr>
+        </p:nvSpPr>
+        <p:spPr>
+          <a:xfrm>
+            <a:off x="1303800" y="598575"/>
+            <a:ext cx="7030500" cy="999300"/>
+          </a:xfrm>
+          <a:prstGeom prst="rect">
+            <a:avLst/>
+          </a:prstGeom>
+        </p:spPr>
+        <p:txBody>
+          <a:bodyPr anchorCtr="0" anchor="t" bIns="91425" lIns="91425" spcFirstLastPara="1" rIns="91425" wrap="square" tIns="91425">
+            <a:normAutofit/>
+          </a:bodyPr>
+          <a:lstStyle/>
+          <a:p>
+            <a:pPr indent="0" lvl="0" marL="0" rtl="0" algn="l">
+              <a:spcBef>
+                <a:spcPts val="0"/>
+              </a:spcBef>
+              <a:spcAft>
+                <a:spcPts val="0"/>
+              </a:spcAft>
+              <a:buNone/>
+            </a:pPr>
+            <a:r>
+              <a:rPr lang="en"/>
+              <a:t>Computer Languages</a:t>
+            </a:r>
+            <a:endParaRPr/>
+          </a:p>
+        </p:txBody>
+      </p:sp>
+      <p:sp>
+        <p:nvSpPr>
+          <p:cNvPr id="346" name="Google Shape;346;p24"/>
+          <p:cNvSpPr txBox="1"/>
+          <p:nvPr>
+            <p:ph idx="1" type="body"/>
+          </p:nvPr>
+        </p:nvSpPr>
+        <p:spPr>
+          <a:xfrm>
+            <a:off x="1303800" y="1909675"/>
+            <a:ext cx="7030500" cy="2622000"/>
+          </a:xfrm>
+          <a:prstGeom prst="rect">
+            <a:avLst/>
+          </a:prstGeom>
+        </p:spPr>
+        <p:txBody>
+          <a:bodyPr anchorCtr="0" anchor="t" bIns="91425" lIns="91425" spcFirstLastPara="1" rIns="91425" wrap="square" tIns="91425">
+            <a:normAutofit/>
+          </a:bodyPr>
+          <a:lstStyle/>
+          <a:p>
+            <a:pPr indent="0" lvl="0" marL="0" rtl="0" algn="l">
+              <a:spcBef>
+                <a:spcPts val="0"/>
+              </a:spcBef>
+              <a:spcAft>
+                <a:spcPts val="0"/>
+              </a:spcAft>
+              <a:buNone/>
+            </a:pPr>
+            <a:r>
+              <a:rPr lang="en"/>
+              <a:t>Computer languages are structured from high (user-oriented) to low (machine-oriented).  The lowest level of language is assembly, the machine’s native language.  Python is a high level language while Java and C++ are relatively lower languages.  Some “languages” like HTML aren’t actually </a:t>
+            </a:r>
+            <a:r>
+              <a:rPr lang="en"/>
+              <a:t>languages</a:t>
+            </a:r>
+            <a:r>
+              <a:rPr lang="en"/>
+              <a:t> but are actually markup, text formatting that structure web content.  </a:t>
+            </a:r>
+            <a:r>
+              <a:rPr lang="en"/>
+              <a:t>Clothes</a:t>
+            </a:r>
+            <a:r>
+              <a:rPr lang="en"/>
+              <a:t> such as SQL are used to work with databases.</a:t>
+            </a:r>
+            <a:endParaRPr/>
+          </a:p>
+          <a:p>
+            <a:pPr indent="0" lvl="0" marL="0" rtl="0" algn="l">
+              <a:spcBef>
+                <a:spcPts val="1200"/>
+              </a:spcBef>
+              <a:spcAft>
+                <a:spcPts val="0"/>
+              </a:spcAft>
+              <a:buNone/>
+            </a:pPr>
+            <a:r>
+              <a:rPr lang="en"/>
+              <a:t>A good place to check the pros and cons of a computer language can be found at </a:t>
+            </a:r>
+            <a:r>
+              <a:rPr lang="en" u="sng">
+                <a:solidFill>
+                  <a:schemeClr val="hlink"/>
+                </a:solidFill>
+                <a:hlinkClick r:id="rId3"/>
+              </a:rPr>
+              <a:t>https://www.slant.co/topics/25/~best-programming-language-to-learn-first</a:t>
+            </a:r>
+            <a:endParaRPr/>
+          </a:p>
+          <a:p>
+            <a:pPr indent="0" lvl="0" marL="0" rtl="0" algn="l">
+              <a:spcBef>
+                <a:spcPts val="1200"/>
+              </a:spcBef>
+              <a:spcAft>
+                <a:spcPts val="1200"/>
+              </a:spcAft>
+              <a:buNone/>
+            </a:pPr>
+            <a:r>
+              <a:rPr lang="en"/>
+              <a:t>Run time vs memory vs understandability vs functionality are important features that differ  which make some </a:t>
+            </a:r>
+            <a:r>
+              <a:rPr lang="en"/>
+              <a:t>languages</a:t>
+            </a:r>
+            <a:r>
+              <a:rPr lang="en"/>
+              <a:t> more useful than others for different tasks.</a:t>
+            </a:r>
+            <a:endParaRPr/>
+          </a:p>
+        </p:txBody>
+      </p:sp>
+    </p:spTree>
+  </p:cSld>
+  <p:clrMapOvr>
+    <a:masterClrMapping/>
+  </p:clrMapOvr>
+</p:sld>
+</file>
+
+<file path=ppt/slides/slide13.xml><?xml version="1.0" encoding="utf-8"?>
+<p:sld xmlns:a="http://schemas.openxmlformats.org/drawingml/2006/main" xmlns:r="http://schemas.openxmlformats.org/officeDocument/2006/relationships" xmlns:mc="http://schemas.openxmlformats.org/markup-compatibility/2006" xmlns:mv="urn:schemas-microsoft-com:mac:vml" xmlns:p="http://schemas.openxmlformats.org/presentationml/2006/main" xmlns:c="http://schemas.openxmlformats.org/drawingml/2006/chart" xmlns:dgm="http://schemas.openxmlformats.org/drawingml/2006/diagram" xmlns:o="urn:schemas-microsoft-com:office:office" xmlns:v="urn:schemas-microsoft-com:vml" xmlns:pvml="urn:schemas-microsoft-com:office:powerpoint" xmlns:com="http://schemas.openxmlformats.org/drawingml/2006/compatibility" xmlns:p14="http://schemas.microsoft.com/office/powerpoint/2010/main" xmlns:p15="http://schemas.microsoft.com/office/powerpoint/2012/main" xmlns:ahyp="http://schemas.microsoft.com/office/drawing/2018/hyperlinkcolor">
+  <p:cSld>
+    <p:spTree>
+      <p:nvGrpSpPr>
+        <p:cNvPr id="350" name="Shape 350"/>
+        <p:cNvGrpSpPr/>
+        <p:nvPr/>
+      </p:nvGrpSpPr>
+      <p:grpSpPr>
+        <a:xfrm>
+          <a:off x="0" y="0"/>
+          <a:ext cx="0" cy="0"/>
+          <a:chOff x="0" y="0"/>
+          <a:chExt cx="0" cy="0"/>
+        </a:xfrm>
+      </p:grpSpPr>
+      <p:sp>
+        <p:nvSpPr>
+          <p:cNvPr id="351" name="Google Shape;351;p25"/>
+          <p:cNvSpPr txBox="1"/>
+          <p:nvPr>
+            <p:ph type="title"/>
+          </p:nvPr>
+        </p:nvSpPr>
+        <p:spPr>
+          <a:xfrm>
+            <a:off x="1303800" y="598575"/>
+            <a:ext cx="7030500" cy="999300"/>
+          </a:xfrm>
+          <a:prstGeom prst="rect">
+            <a:avLst/>
+          </a:prstGeom>
+        </p:spPr>
+        <p:txBody>
+          <a:bodyPr anchorCtr="0" anchor="t" bIns="91425" lIns="91425" spcFirstLastPara="1" rIns="91425" wrap="square" tIns="91425">
+            <a:normAutofit/>
+          </a:bodyPr>
+          <a:lstStyle/>
+          <a:p>
+            <a:pPr indent="0" lvl="0" marL="0" rtl="0" algn="l">
+              <a:spcBef>
+                <a:spcPts val="0"/>
+              </a:spcBef>
+              <a:spcAft>
+                <a:spcPts val="0"/>
+              </a:spcAft>
+              <a:buNone/>
+            </a:pPr>
+            <a:r>
+              <a:rPr lang="en"/>
+              <a:t>Python (Development Language)</a:t>
+            </a:r>
+            <a:endParaRPr/>
+          </a:p>
+        </p:txBody>
+      </p:sp>
+      <p:sp>
+        <p:nvSpPr>
+          <p:cNvPr id="352" name="Google Shape;352;p25"/>
           <p:cNvSpPr txBox="1"/>
           <p:nvPr>
             <p:ph idx="1" type="body"/>
@@ -17660,7 +18293,7 @@
         </p:spPr>
         <p:txBody>
           <a:bodyPr anchorCtr="0" anchor="t" bIns="91425" lIns="91425" spcFirstLastPara="1" rIns="91425" wrap="square" tIns="91425">
-            <a:normAutofit lnSpcReduction="10000"/>
+            <a:normAutofit lnSpcReduction="20000"/>
           </a:bodyPr>
           <a:lstStyle/>
           <a:p>
@@ -17676,7 +18309,7 @@
             </a:pPr>
             <a:r>
               <a:rPr lang="en"/>
-              <a:t>Easy to get started</a:t>
+              <a:t>Easy to get started, high level language</a:t>
             </a:r>
             <a:endParaRPr/>
           </a:p>
@@ -17817,7 +18450,7 @@
       </p:sp>
       <p:sp>
         <p:nvSpPr>
-          <p:cNvPr id="341" name="Google Shape;341;p23"/>
+          <p:cNvPr id="353" name="Google Shape;353;p25"/>
           <p:cNvSpPr txBox="1"/>
           <p:nvPr>
             <p:ph idx="2" type="body"/>
@@ -17909,7 +18542,7 @@
       </p:sp>
       <p:sp>
         <p:nvSpPr>
-          <p:cNvPr id="342" name="Google Shape;342;p23"/>
+          <p:cNvPr id="354" name="Google Shape;354;p25"/>
           <p:cNvSpPr txBox="1"/>
           <p:nvPr/>
         </p:nvSpPr>
@@ -17951,7 +18584,7 @@
       </p:sp>
       <p:sp>
         <p:nvSpPr>
-          <p:cNvPr id="343" name="Google Shape;343;p23"/>
+          <p:cNvPr id="355" name="Google Shape;355;p25"/>
           <p:cNvSpPr txBox="1"/>
           <p:nvPr/>
         </p:nvSpPr>
@@ -17999,12 +18632,12 @@
 </p:sld>
 </file>
 
-<file path=ppt/slides/slide12.xml><?xml version="1.0" encoding="utf-8"?>
+<file path=ppt/slides/slide14.xml><?xml version="1.0" encoding="utf-8"?>
 <p:sld xmlns:a="http://schemas.openxmlformats.org/drawingml/2006/main" xmlns:r="http://schemas.openxmlformats.org/officeDocument/2006/relationships" xmlns:mc="http://schemas.openxmlformats.org/markup-compatibility/2006" xmlns:mv="urn:schemas-microsoft-com:mac:vml" xmlns:p="http://schemas.openxmlformats.org/presentationml/2006/main" xmlns:c="http://schemas.openxmlformats.org/drawingml/2006/chart" xmlns:dgm="http://schemas.openxmlformats.org/drawingml/2006/diagram" xmlns:o="urn:schemas-microsoft-com:office:office" xmlns:v="urn:schemas-microsoft-com:vml" xmlns:pvml="urn:schemas-microsoft-com:office:powerpoint" xmlns:com="http://schemas.openxmlformats.org/drawingml/2006/compatibility" xmlns:p14="http://schemas.microsoft.com/office/powerpoint/2010/main" xmlns:p15="http://schemas.microsoft.com/office/powerpoint/2012/main" xmlns:ahyp="http://schemas.microsoft.com/office/drawing/2018/hyperlinkcolor">
   <p:cSld>
     <p:spTree>
       <p:nvGrpSpPr>
-        <p:cNvPr id="347" name="Shape 347"/>
+        <p:cNvPr id="359" name="Shape 359"/>
         <p:cNvGrpSpPr/>
         <p:nvPr/>
       </p:nvGrpSpPr>
@@ -18018,7 +18651,7 @@
       </p:grpSpPr>
       <p:sp>
         <p:nvSpPr>
-          <p:cNvPr id="348" name="Google Shape;348;p24"/>
+          <p:cNvPr id="360" name="Google Shape;360;p26"/>
           <p:cNvSpPr txBox="1"/>
           <p:nvPr>
             <p:ph type="title"/>
@@ -18050,7 +18683,7 @@
             </a:pPr>
             <a:r>
               <a:rPr lang="en"/>
-              <a:t>Java</a:t>
+              <a:t>Java (Development Language)</a:t>
             </a:r>
             <a:endParaRPr/>
           </a:p>
@@ -18058,7 +18691,7 @@
       </p:sp>
       <p:sp>
         <p:nvSpPr>
-          <p:cNvPr id="349" name="Google Shape;349;p24"/>
+          <p:cNvPr id="361" name="Google Shape;361;p26"/>
           <p:cNvSpPr txBox="1"/>
           <p:nvPr>
             <p:ph idx="1" type="body"/>
@@ -18169,7 +18802,7 @@
       </p:sp>
       <p:sp>
         <p:nvSpPr>
-          <p:cNvPr id="350" name="Google Shape;350;p24"/>
+          <p:cNvPr id="362" name="Google Shape;362;p26"/>
           <p:cNvSpPr txBox="1"/>
           <p:nvPr>
             <p:ph idx="2" type="body"/>
@@ -18206,11 +18839,78 @@
             </a:r>
             <a:endParaRPr/>
           </a:p>
+          <a:p>
+            <a:pPr indent="-311150" lvl="0" marL="457200" rtl="0" algn="l">
+              <a:spcBef>
+                <a:spcPts val="0"/>
+              </a:spcBef>
+              <a:spcAft>
+                <a:spcPts val="0"/>
+              </a:spcAft>
+              <a:buSzPts val="1300"/>
+              <a:buChar char="●"/>
+            </a:pPr>
+            <a:r>
+              <a:rPr lang="en"/>
+              <a:t>Lot’s of complicated language</a:t>
+            </a:r>
+            <a:endParaRPr/>
+          </a:p>
+          <a:p>
+            <a:pPr indent="-311150" lvl="0" marL="457200" rtl="0" algn="l">
+              <a:spcBef>
+                <a:spcPts val="0"/>
+              </a:spcBef>
+              <a:spcAft>
+                <a:spcPts val="0"/>
+              </a:spcAft>
+              <a:buSzPts val="1300"/>
+              <a:buChar char="●"/>
+            </a:pPr>
+            <a:r>
+              <a:rPr lang="en"/>
+              <a:t>Relatively steep </a:t>
+            </a:r>
+            <a:r>
+              <a:rPr lang="en"/>
+              <a:t>learning</a:t>
+            </a:r>
+            <a:r>
+              <a:rPr lang="en"/>
+              <a:t> curve</a:t>
+            </a:r>
+            <a:endParaRPr/>
+          </a:p>
+          <a:p>
+            <a:pPr indent="-311150" lvl="0" marL="457200" rtl="0" algn="l">
+              <a:spcBef>
+                <a:spcPts val="0"/>
+              </a:spcBef>
+              <a:spcAft>
+                <a:spcPts val="0"/>
+              </a:spcAft>
+              <a:buSzPts val="1300"/>
+              <a:buChar char="●"/>
+            </a:pPr>
+            <a:r>
+              <a:rPr lang="en"/>
+              <a:t>Garbage collection can lead to </a:t>
+            </a:r>
+            <a:r>
+              <a:rPr lang="en"/>
+              <a:t>inefficiencies</a:t>
+            </a:r>
+            <a:r>
+              <a:rPr lang="en"/>
+              <a:t> due to laziness in programming</a:t>
+            </a:r>
+            <a:endParaRPr/>
+          </a:p>
         </p:txBody>
       </p:sp>
       <p:sp>
         <p:nvSpPr>
-          <p:cNvPr id="351" name="Google Shape;351;p24"/>
+          <p:cNvPr id="363" name="Google Shape;363;p26"/>
           <p:cNvSpPr txBox="1"/>
           <p:nvPr/>
         </p:nvSpPr>
@@ -18252,7 +18952,7 @@
       </p:sp>
       <p:sp>
         <p:nvSpPr>
-          <p:cNvPr id="352" name="Google Shape;352;p24"/>
+          <p:cNvPr id="364" name="Google Shape;364;p26"/>
           <p:cNvSpPr txBox="1"/>
           <p:nvPr/>
         </p:nvSpPr>
@@ -18300,12 +19000,12 @@
 </p:sld>
 </file>
 
-<file path=ppt/slides/slide13.xml><?xml version="1.0" encoding="utf-8"?>
+<file path=ppt/slides/slide15.xml><?xml version="1.0" encoding="utf-8"?>
 <p:sld xmlns:a="http://schemas.openxmlformats.org/drawingml/2006/main" xmlns:r="http://schemas.openxmlformats.org/officeDocument/2006/relationships" xmlns:mc="http://schemas.openxmlformats.org/markup-compatibility/2006" xmlns:mv="urn:schemas-microsoft-com:mac:vml" xmlns:p="http://schemas.openxmlformats.org/presentationml/2006/main" xmlns:c="http://schemas.openxmlformats.org/drawingml/2006/chart" xmlns:dgm="http://schemas.openxmlformats.org/drawingml/2006/diagram" xmlns:o="urn:schemas-microsoft-com:office:office" xmlns:v="urn:schemas-microsoft-com:vml" xmlns:pvml="urn:schemas-microsoft-com:office:powerpoint" xmlns:com="http://schemas.openxmlformats.org/drawingml/2006/compatibility" xmlns:p14="http://schemas.microsoft.com/office/powerpoint/2010/main" xmlns:p15="http://schemas.microsoft.com/office/powerpoint/2012/main" xmlns:ahyp="http://schemas.microsoft.com/office/drawing/2018/hyperlinkcolor">
   <p:cSld>
     <p:spTree>
       <p:nvGrpSpPr>
-        <p:cNvPr id="356" name="Shape 356"/>
+        <p:cNvPr id="368" name="Shape 368"/>
         <p:cNvGrpSpPr/>
         <p:nvPr/>
       </p:nvGrpSpPr>
@@ -18319,7 +19019,7 @@
       </p:grpSpPr>
       <p:sp>
         <p:nvSpPr>
-          <p:cNvPr id="357" name="Google Shape;357;p25"/>
+          <p:cNvPr id="369" name="Google Shape;369;p27"/>
           <p:cNvSpPr txBox="1"/>
           <p:nvPr>
             <p:ph type="title"/>
@@ -18351,7 +19051,7 @@
             </a:pPr>
             <a:r>
               <a:rPr lang="en"/>
-              <a:t>C++</a:t>
+              <a:t>C++ (Development Language)</a:t>
             </a:r>
             <a:endParaRPr/>
           </a:p>
@@ -18359,7 +19059,7 @@
       </p:sp>
       <p:sp>
         <p:nvSpPr>
-          <p:cNvPr id="358" name="Google Shape;358;p25"/>
+          <p:cNvPr id="370" name="Google Shape;370;p27"/>
           <p:cNvSpPr txBox="1"/>
           <p:nvPr>
             <p:ph idx="1" type="body"/>
@@ -18376,7 +19076,7 @@
         </p:spPr>
         <p:txBody>
           <a:bodyPr anchorCtr="0" anchor="t" bIns="91425" lIns="91425" spcFirstLastPara="1" rIns="91425" wrap="square" tIns="91425">
-            <a:normAutofit lnSpcReduction="10000"/>
+            <a:normAutofit/>
           </a:bodyPr>
           <a:lstStyle/>
           <a:p>
@@ -18392,7 +19092,7 @@
             </a:pPr>
             <a:r>
               <a:rPr lang="en"/>
-              <a:t>Easy to get started</a:t>
+              <a:t>Large community and following</a:t>
             </a:r>
             <a:endParaRPr/>
           </a:p>
@@ -18409,7 +19109,7 @@
             </a:pPr>
             <a:r>
               <a:rPr lang="en"/>
-              <a:t>Many libraries of pre-made code</a:t>
+              <a:t>Lots of libraries</a:t>
             </a:r>
             <a:endParaRPr/>
           </a:p>
@@ -18426,7 +19126,7 @@
             </a:pPr>
             <a:r>
               <a:rPr lang="en"/>
-              <a:t>Good documentation and strong community user base to ask questions</a:t>
+              <a:t>Powerful memory management</a:t>
             </a:r>
             <a:endParaRPr/>
           </a:p>
@@ -18443,7 +19143,7 @@
             </a:pPr>
             <a:r>
               <a:rPr lang="en"/>
-              <a:t>Very similar to pseudo-code (resembles human logic well)</a:t>
+              <a:t>Excellent compiler optimization</a:t>
             </a:r>
             <a:endParaRPr/>
           </a:p>
@@ -18460,7 +19160,15 @@
             </a:pPr>
             <a:r>
               <a:rPr lang="en"/>
-              <a:t>Relatively simple to learn</a:t>
+              <a:t>Faster execution of much </a:t>
+            </a:r>
+            <a:r>
+              <a:rPr lang="en"/>
+              <a:t>similar</a:t>
+            </a:r>
+            <a:r>
+              <a:rPr lang="en"/>
+              <a:t> code than Java or Python</a:t>
             </a:r>
             <a:endParaRPr/>
           </a:p>
@@ -18477,24 +19185,7 @@
             </a:pPr>
             <a:r>
               <a:rPr lang="en"/>
-              <a:t>Easy to find jobs</a:t>
-            </a:r>
-            <a:endParaRPr/>
-          </a:p>
-          <a:p>
-            <a:pPr indent="-311150" lvl="0" marL="457200" rtl="0" algn="l">
-              <a:spcBef>
-                <a:spcPts val="0"/>
-              </a:spcBef>
-              <a:spcAft>
-                <a:spcPts val="0"/>
-              </a:spcAft>
-              <a:buSzPts val="1300"/>
-              <a:buChar char="●"/>
-            </a:pPr>
-            <a:r>
-              <a:rPr lang="en"/>
-              <a:t>Useful in many domains</a:t>
+              <a:t>Great complexity/effeciency tradeoff</a:t>
             </a:r>
             <a:endParaRPr/>
           </a:p>
@@ -18517,7 +19208,7 @@
       </p:sp>
       <p:sp>
         <p:nvSpPr>
-          <p:cNvPr id="359" name="Google Shape;359;p25"/>
+          <p:cNvPr id="371" name="Google Shape;371;p27"/>
           <p:cNvSpPr txBox="1"/>
           <p:nvPr>
             <p:ph idx="2" type="body"/>
@@ -18550,7 +19241,7 @@
             </a:pPr>
             <a:r>
               <a:rPr lang="en"/>
-              <a:t>Slow to execute</a:t>
+              <a:t>Overly complicated language</a:t>
             </a:r>
             <a:endParaRPr/>
           </a:p>
@@ -18567,7 +19258,7 @@
             </a:pPr>
             <a:r>
               <a:rPr lang="en"/>
-              <a:t>Does not teach about data types</a:t>
+              <a:t>Relatively difficult to learn, low programming language (closer to machine)</a:t>
             </a:r>
             <a:endParaRPr/>
           </a:p>
@@ -18584,7 +19275,7 @@
             </a:pPr>
             <a:r>
               <a:rPr lang="en"/>
-              <a:t>Harder to pick up lower level computer languages</a:t>
+              <a:t>Difficult to debug</a:t>
             </a:r>
             <a:endParaRPr/>
           </a:p>
@@ -18601,7 +19292,7 @@
             </a:pPr>
             <a:r>
               <a:rPr lang="en"/>
-              <a:t>Harder to debug code due to low barrier to entry of use</a:t>
+              <a:t>Complicated types</a:t>
             </a:r>
             <a:endParaRPr/>
           </a:p>
@@ -18609,7 +19300,7 @@
       </p:sp>
       <p:sp>
         <p:nvSpPr>
-          <p:cNvPr id="360" name="Google Shape;360;p25"/>
+          <p:cNvPr id="372" name="Google Shape;372;p27"/>
           <p:cNvSpPr txBox="1"/>
           <p:nvPr/>
         </p:nvSpPr>
@@ -18651,7 +19342,7 @@
       </p:sp>
       <p:sp>
         <p:nvSpPr>
-          <p:cNvPr id="361" name="Google Shape;361;p25"/>
+          <p:cNvPr id="373" name="Google Shape;373;p27"/>
           <p:cNvSpPr txBox="1"/>
           <p:nvPr/>
         </p:nvSpPr>
@@ -18699,12 +19390,12 @@
 </p:sld>
 </file>
 
-<file path=ppt/slides/slide14.xml><?xml version="1.0" encoding="utf-8"?>
+<file path=ppt/slides/slide16.xml><?xml version="1.0" encoding="utf-8"?>
 <p:sld xmlns:a="http://schemas.openxmlformats.org/drawingml/2006/main" xmlns:r="http://schemas.openxmlformats.org/officeDocument/2006/relationships" xmlns:mc="http://schemas.openxmlformats.org/markup-compatibility/2006" xmlns:mv="urn:schemas-microsoft-com:mac:vml" xmlns:p="http://schemas.openxmlformats.org/presentationml/2006/main" xmlns:c="http://schemas.openxmlformats.org/drawingml/2006/chart" xmlns:dgm="http://schemas.openxmlformats.org/drawingml/2006/diagram" xmlns:o="urn:schemas-microsoft-com:office:office" xmlns:v="urn:schemas-microsoft-com:vml" xmlns:pvml="urn:schemas-microsoft-com:office:powerpoint" xmlns:com="http://schemas.openxmlformats.org/drawingml/2006/compatibility" xmlns:p14="http://schemas.microsoft.com/office/powerpoint/2010/main" xmlns:p15="http://schemas.microsoft.com/office/powerpoint/2012/main" xmlns:ahyp="http://schemas.microsoft.com/office/drawing/2018/hyperlinkcolor">
   <p:cSld>
     <p:spTree>
       <p:nvGrpSpPr>
-        <p:cNvPr id="365" name="Shape 365"/>
+        <p:cNvPr id="377" name="Shape 377"/>
         <p:cNvGrpSpPr/>
         <p:nvPr/>
       </p:nvGrpSpPr>
@@ -18718,7 +19409,7 @@
       </p:grpSpPr>
       <p:sp>
         <p:nvSpPr>
-          <p:cNvPr id="366" name="Google Shape;366;p26"/>
+          <p:cNvPr id="378" name="Google Shape;378;p28"/>
           <p:cNvSpPr txBox="1"/>
           <p:nvPr>
             <p:ph type="title"/>
@@ -18750,7 +19441,7 @@
             </a:pPr>
             <a:r>
               <a:rPr lang="en"/>
-              <a:t>R</a:t>
+              <a:t>R (Statistical Computing Language)</a:t>
             </a:r>
             <a:endParaRPr/>
           </a:p>
@@ -18758,7 +19449,7 @@
       </p:sp>
       <p:sp>
         <p:nvSpPr>
-          <p:cNvPr id="367" name="Google Shape;367;p26"/>
+          <p:cNvPr id="379" name="Google Shape;379;p28"/>
           <p:cNvSpPr txBox="1"/>
           <p:nvPr>
             <p:ph idx="1" type="body"/>
@@ -18775,7 +19466,7 @@
         </p:spPr>
         <p:txBody>
           <a:bodyPr anchorCtr="0" anchor="t" bIns="91425" lIns="91425" spcFirstLastPara="1" rIns="91425" wrap="square" tIns="91425">
-            <a:normAutofit lnSpcReduction="10000"/>
+            <a:normAutofit/>
           </a:bodyPr>
           <a:lstStyle/>
           <a:p>
@@ -18791,7 +19482,7 @@
             </a:pPr>
             <a:r>
               <a:rPr lang="en"/>
-              <a:t>Easy to get started</a:t>
+              <a:t>Large community of users</a:t>
             </a:r>
             <a:endParaRPr/>
           </a:p>
@@ -18808,7 +19499,7 @@
             </a:pPr>
             <a:r>
               <a:rPr lang="en"/>
-              <a:t>Many libraries of pre-made code</a:t>
+              <a:t>Many packages and libraries</a:t>
             </a:r>
             <a:endParaRPr/>
           </a:p>
@@ -18825,7 +19516,7 @@
             </a:pPr>
             <a:r>
               <a:rPr lang="en"/>
-              <a:t>Good documentation and strong community user base to ask questions</a:t>
+              <a:t>Excellent graphics and plotting packages compared to other languages</a:t>
             </a:r>
             <a:endParaRPr/>
           </a:p>
@@ -18842,73 +19533,7 @@
             </a:pPr>
             <a:r>
               <a:rPr lang="en"/>
-              <a:t>Very similar to pseudo-code (resembles human logic well)</a:t>
-            </a:r>
-            <a:endParaRPr/>
-          </a:p>
-          <a:p>
-            <a:pPr indent="-311150" lvl="0" marL="457200" rtl="0" algn="l">
-              <a:spcBef>
-                <a:spcPts val="0"/>
-              </a:spcBef>
-              <a:spcAft>
-                <a:spcPts val="0"/>
-              </a:spcAft>
-              <a:buSzPts val="1300"/>
-              <a:buChar char="●"/>
-            </a:pPr>
-            <a:r>
-              <a:rPr lang="en"/>
-              <a:t>Relatively simple to learn</a:t>
-            </a:r>
-            <a:endParaRPr/>
-          </a:p>
-          <a:p>
-            <a:pPr indent="-311150" lvl="0" marL="457200" rtl="0" algn="l">
-              <a:spcBef>
-                <a:spcPts val="0"/>
-              </a:spcBef>
-              <a:spcAft>
-                <a:spcPts val="0"/>
-              </a:spcAft>
-              <a:buSzPts val="1300"/>
-              <a:buChar char="●"/>
-            </a:pPr>
-            <a:r>
-              <a:rPr lang="en"/>
-              <a:t>Easy to find jobs</a:t>
-            </a:r>
-            <a:endParaRPr/>
-          </a:p>
-          <a:p>
-            <a:pPr indent="-311150" lvl="0" marL="457200" rtl="0" algn="l">
-              <a:spcBef>
-                <a:spcPts val="0"/>
-              </a:spcBef>
-              <a:spcAft>
-                <a:spcPts val="0"/>
-              </a:spcAft>
-              <a:buSzPts val="1300"/>
-              <a:buChar char="●"/>
-            </a:pPr>
-            <a:r>
-              <a:rPr lang="en"/>
-              <a:t>Useful in many domains</a:t>
-            </a:r>
-            <a:endParaRPr/>
-          </a:p>
-          <a:p>
-            <a:pPr indent="0" lvl="0" marL="457200" rtl="0" algn="l">
-              <a:spcBef>
-                <a:spcPts val="1200"/>
-              </a:spcBef>
-              <a:spcAft>
-                <a:spcPts val="1200"/>
-              </a:spcAft>
-              <a:buNone/>
-            </a:pPr>
-            <a:r>
-              <a:t/>
+              <a:t>Widely used in Academia for its use in Statistics and Machine Learning</a:t>
             </a:r>
             <a:endParaRPr/>
           </a:p>
@@ -18916,7 +19541,7 @@
       </p:sp>
       <p:sp>
         <p:nvSpPr>
-          <p:cNvPr id="368" name="Google Shape;368;p26"/>
+          <p:cNvPr id="380" name="Google Shape;380;p28"/>
           <p:cNvSpPr txBox="1"/>
           <p:nvPr>
             <p:ph idx="2" type="body"/>
@@ -18949,7 +19574,7 @@
             </a:pPr>
             <a:r>
               <a:rPr lang="en"/>
-              <a:t>Slow to execute</a:t>
+              <a:t>Less efficient with memory than Python</a:t>
             </a:r>
             <a:endParaRPr/>
           </a:p>
@@ -18966,7 +19591,7 @@
             </a:pPr>
             <a:r>
               <a:rPr lang="en"/>
-              <a:t>Does not teach about data types</a:t>
+              <a:t>Relatively complicated to learn</a:t>
             </a:r>
             <a:endParaRPr/>
           </a:p>
@@ -18983,24 +19608,7 @@
             </a:pPr>
             <a:r>
               <a:rPr lang="en"/>
-              <a:t>Harder to pick up lower level computer languages</a:t>
-            </a:r>
-            <a:endParaRPr/>
-          </a:p>
-          <a:p>
-            <a:pPr indent="-311150" lvl="0" marL="457200" rtl="0" algn="l">
-              <a:spcBef>
-                <a:spcPts val="0"/>
-              </a:spcBef>
-              <a:spcAft>
-                <a:spcPts val="0"/>
-              </a:spcAft>
-              <a:buSzPts val="1300"/>
-              <a:buChar char="●"/>
-            </a:pPr>
-            <a:r>
-              <a:rPr lang="en"/>
-              <a:t>Harder to debug code due to low barrier to entry of use</a:t>
+              <a:t>Many packages and R itself are slower than Python and other languages</a:t>
             </a:r>
             <a:endParaRPr/>
           </a:p>
@@ -19008,7 +19616,7 @@
       </p:sp>
       <p:sp>
         <p:nvSpPr>
-          <p:cNvPr id="369" name="Google Shape;369;p26"/>
+          <p:cNvPr id="381" name="Google Shape;381;p28"/>
           <p:cNvSpPr txBox="1"/>
           <p:nvPr/>
         </p:nvSpPr>
@@ -19050,7 +19658,7 @@
       </p:sp>
       <p:sp>
         <p:nvSpPr>
-          <p:cNvPr id="370" name="Google Shape;370;p26"/>
+          <p:cNvPr id="382" name="Google Shape;382;p28"/>
           <p:cNvSpPr txBox="1"/>
           <p:nvPr/>
         </p:nvSpPr>
@@ -19098,12 +19706,12 @@
 </p:sld>
 </file>
 
-<file path=ppt/slides/slide15.xml><?xml version="1.0" encoding="utf-8"?>
+<file path=ppt/slides/slide17.xml><?xml version="1.0" encoding="utf-8"?>
 <p:sld xmlns:a="http://schemas.openxmlformats.org/drawingml/2006/main" xmlns:r="http://schemas.openxmlformats.org/officeDocument/2006/relationships" xmlns:mc="http://schemas.openxmlformats.org/markup-compatibility/2006" xmlns:mv="urn:schemas-microsoft-com:mac:vml" xmlns:p="http://schemas.openxmlformats.org/presentationml/2006/main" xmlns:c="http://schemas.openxmlformats.org/drawingml/2006/chart" xmlns:dgm="http://schemas.openxmlformats.org/drawingml/2006/diagram" xmlns:o="urn:schemas-microsoft-com:office:office" xmlns:v="urn:schemas-microsoft-com:vml" xmlns:pvml="urn:schemas-microsoft-com:office:powerpoint" xmlns:com="http://schemas.openxmlformats.org/drawingml/2006/compatibility" xmlns:p14="http://schemas.microsoft.com/office/powerpoint/2010/main" xmlns:p15="http://schemas.microsoft.com/office/powerpoint/2012/main" xmlns:ahyp="http://schemas.microsoft.com/office/drawing/2018/hyperlinkcolor">
   <p:cSld>
     <p:spTree>
       <p:nvGrpSpPr>
-        <p:cNvPr id="374" name="Shape 374"/>
+        <p:cNvPr id="386" name="Shape 386"/>
         <p:cNvGrpSpPr/>
         <p:nvPr/>
       </p:nvGrpSpPr>
@@ -19117,7 +19725,7 @@
       </p:grpSpPr>
       <p:sp>
         <p:nvSpPr>
-          <p:cNvPr id="375" name="Google Shape;375;p27"/>
+          <p:cNvPr id="387" name="Google Shape;387;p29"/>
           <p:cNvSpPr txBox="1"/>
           <p:nvPr>
             <p:ph type="title"/>
@@ -19149,7 +19757,7 @@
             </a:pPr>
             <a:r>
               <a:rPr lang="en"/>
-              <a:t>SQL</a:t>
+              <a:t>SQL (Database Query Language)</a:t>
             </a:r>
             <a:endParaRPr/>
           </a:p>
@@ -19157,7 +19765,7 @@
       </p:sp>
       <p:sp>
         <p:nvSpPr>
-          <p:cNvPr id="376" name="Google Shape;376;p27"/>
+          <p:cNvPr id="388" name="Google Shape;388;p29"/>
           <p:cNvSpPr txBox="1"/>
           <p:nvPr>
             <p:ph idx="1" type="body"/>
@@ -19174,7 +19782,7 @@
         </p:spPr>
         <p:txBody>
           <a:bodyPr anchorCtr="0" anchor="t" bIns="91425" lIns="91425" spcFirstLastPara="1" rIns="91425" wrap="square" tIns="91425">
-            <a:normAutofit lnSpcReduction="10000"/>
+            <a:normAutofit/>
           </a:bodyPr>
           <a:lstStyle/>
           <a:p>
@@ -19190,7 +19798,7 @@
             </a:pPr>
             <a:r>
               <a:rPr lang="en"/>
-              <a:t>Easy to get started</a:t>
+              <a:t>Fast query processing</a:t>
             </a:r>
             <a:endParaRPr/>
           </a:p>
@@ -19207,7 +19815,15 @@
             </a:pPr>
             <a:r>
               <a:rPr lang="en"/>
-              <a:t>Many libraries of pre-made code</a:t>
+              <a:t>Large </a:t>
+            </a:r>
+            <a:r>
+              <a:rPr lang="en"/>
+              <a:t>user base</a:t>
+            </a:r>
+            <a:r>
+              <a:rPr lang="en"/>
+              <a:t> and documentation</a:t>
             </a:r>
             <a:endParaRPr/>
           </a:p>
@@ -19224,7 +19840,7 @@
             </a:pPr>
             <a:r>
               <a:rPr lang="en"/>
-              <a:t>Good documentation and strong community user base to ask questions</a:t>
+              <a:t>Easy to learn</a:t>
             </a:r>
             <a:endParaRPr/>
           </a:p>
@@ -19241,73 +19857,7 @@
             </a:pPr>
             <a:r>
               <a:rPr lang="en"/>
-              <a:t>Very similar to pseudo-code (resembles human logic well)</a:t>
-            </a:r>
-            <a:endParaRPr/>
-          </a:p>
-          <a:p>
-            <a:pPr indent="-311150" lvl="0" marL="457200" rtl="0" algn="l">
-              <a:spcBef>
-                <a:spcPts val="0"/>
-              </a:spcBef>
-              <a:spcAft>
-                <a:spcPts val="0"/>
-              </a:spcAft>
-              <a:buSzPts val="1300"/>
-              <a:buChar char="●"/>
-            </a:pPr>
-            <a:r>
-              <a:rPr lang="en"/>
-              <a:t>Relatively simple to learn</a:t>
-            </a:r>
-            <a:endParaRPr/>
-          </a:p>
-          <a:p>
-            <a:pPr indent="-311150" lvl="0" marL="457200" rtl="0" algn="l">
-              <a:spcBef>
-                <a:spcPts val="0"/>
-              </a:spcBef>
-              <a:spcAft>
-                <a:spcPts val="0"/>
-              </a:spcAft>
-              <a:buSzPts val="1300"/>
-              <a:buChar char="●"/>
-            </a:pPr>
-            <a:r>
-              <a:rPr lang="en"/>
-              <a:t>Easy to find jobs</a:t>
-            </a:r>
-            <a:endParaRPr/>
-          </a:p>
-          <a:p>
-            <a:pPr indent="-311150" lvl="0" marL="457200" rtl="0" algn="l">
-              <a:spcBef>
-                <a:spcPts val="0"/>
-              </a:spcBef>
-              <a:spcAft>
-                <a:spcPts val="0"/>
-              </a:spcAft>
-              <a:buSzPts val="1300"/>
-              <a:buChar char="●"/>
-            </a:pPr>
-            <a:r>
-              <a:rPr lang="en"/>
-              <a:t>Useful in many domains</a:t>
-            </a:r>
-            <a:endParaRPr/>
-          </a:p>
-          <a:p>
-            <a:pPr indent="0" lvl="0" marL="457200" rtl="0" algn="l">
-              <a:spcBef>
-                <a:spcPts val="1200"/>
-              </a:spcBef>
-              <a:spcAft>
-                <a:spcPts val="1200"/>
-              </a:spcAft>
-              <a:buNone/>
-            </a:pPr>
-            <a:r>
-              <a:t/>
+              <a:t>Very few coding skills required, mostly basic commands</a:t>
             </a:r>
             <a:endParaRPr/>
           </a:p>
@@ -19315,7 +19865,7 @@
       </p:sp>
       <p:sp>
         <p:nvSpPr>
-          <p:cNvPr id="377" name="Google Shape;377;p27"/>
+          <p:cNvPr id="389" name="Google Shape;389;p29"/>
           <p:cNvSpPr txBox="1"/>
           <p:nvPr>
             <p:ph idx="2" type="body"/>
@@ -19348,7 +19898,7 @@
             </a:pPr>
             <a:r>
               <a:rPr lang="en"/>
-              <a:t>Slow to execute</a:t>
+              <a:t>Can sometimes only be accessed through complex interfaces (often only in Industry settings)</a:t>
             </a:r>
             <a:endParaRPr/>
           </a:p>
@@ -19365,41 +19915,7 @@
             </a:pPr>
             <a:r>
               <a:rPr lang="en"/>
-              <a:t>Does not teach about data types</a:t>
-            </a:r>
-            <a:endParaRPr/>
-          </a:p>
-          <a:p>
-            <a:pPr indent="-311150" lvl="0" marL="457200" rtl="0" algn="l">
-              <a:spcBef>
-                <a:spcPts val="0"/>
-              </a:spcBef>
-              <a:spcAft>
-                <a:spcPts val="0"/>
-              </a:spcAft>
-              <a:buSzPts val="1300"/>
-              <a:buChar char="●"/>
-            </a:pPr>
-            <a:r>
-              <a:rPr lang="en"/>
-              <a:t>Harder to pick up lower level computer languages</a:t>
-            </a:r>
-            <a:endParaRPr/>
-          </a:p>
-          <a:p>
-            <a:pPr indent="-311150" lvl="0" marL="457200" rtl="0" algn="l">
-              <a:spcBef>
-                <a:spcPts val="0"/>
-              </a:spcBef>
-              <a:spcAft>
-                <a:spcPts val="0"/>
-              </a:spcAft>
-              <a:buSzPts val="1300"/>
-              <a:buChar char="●"/>
-            </a:pPr>
-            <a:r>
-              <a:rPr lang="en"/>
-              <a:t>Harder to debug code due to low barrier to entry of use</a:t>
+              <a:t>Sometimes not given complete control of all databases (often in Industry)</a:t>
             </a:r>
             <a:endParaRPr/>
           </a:p>
@@ -19407,7 +19923,7 @@
       </p:sp>
       <p:sp>
         <p:nvSpPr>
-          <p:cNvPr id="378" name="Google Shape;378;p27"/>
+          <p:cNvPr id="390" name="Google Shape;390;p29"/>
           <p:cNvSpPr txBox="1"/>
           <p:nvPr/>
         </p:nvSpPr>
@@ -19449,7 +19965,7 @@
       </p:sp>
       <p:sp>
         <p:nvSpPr>
-          <p:cNvPr id="379" name="Google Shape;379;p27"/>
+          <p:cNvPr id="391" name="Google Shape;391;p29"/>
           <p:cNvSpPr txBox="1"/>
           <p:nvPr/>
         </p:nvSpPr>
@@ -19497,12 +20013,12 @@
 </p:sld>
 </file>
 
-<file path=ppt/slides/slide16.xml><?xml version="1.0" encoding="utf-8"?>
+<file path=ppt/slides/slide18.xml><?xml version="1.0" encoding="utf-8"?>
 <p:sld xmlns:a="http://schemas.openxmlformats.org/drawingml/2006/main" xmlns:r="http://schemas.openxmlformats.org/officeDocument/2006/relationships" xmlns:mc="http://schemas.openxmlformats.org/markup-compatibility/2006" xmlns:mv="urn:schemas-microsoft-com:mac:vml" xmlns:p="http://schemas.openxmlformats.org/presentationml/2006/main" xmlns:c="http://schemas.openxmlformats.org/drawingml/2006/chart" xmlns:dgm="http://schemas.openxmlformats.org/drawingml/2006/diagram" xmlns:o="urn:schemas-microsoft-com:office:office" xmlns:v="urn:schemas-microsoft-com:vml" xmlns:pvml="urn:schemas-microsoft-com:office:powerpoint" xmlns:com="http://schemas.openxmlformats.org/drawingml/2006/compatibility" xmlns:p14="http://schemas.microsoft.com/office/powerpoint/2010/main" xmlns:p15="http://schemas.microsoft.com/office/powerpoint/2012/main" xmlns:ahyp="http://schemas.microsoft.com/office/drawing/2018/hyperlinkcolor">
   <p:cSld>
     <p:spTree>
       <p:nvGrpSpPr>
-        <p:cNvPr id="383" name="Shape 383"/>
+        <p:cNvPr id="395" name="Shape 395"/>
         <p:cNvGrpSpPr/>
         <p:nvPr/>
       </p:nvGrpSpPr>
@@ -19516,7 +20032,7 @@
       </p:grpSpPr>
       <p:sp>
         <p:nvSpPr>
-          <p:cNvPr id="384" name="Google Shape;384;p28"/>
+          <p:cNvPr id="396" name="Google Shape;396;p30"/>
           <p:cNvSpPr txBox="1"/>
           <p:nvPr>
             <p:ph type="title"/>
@@ -19548,7 +20064,7 @@
             </a:pPr>
             <a:r>
               <a:rPr lang="en"/>
-              <a:t>Matlab</a:t>
+              <a:t>SAS (Statistical Analysis Language)</a:t>
             </a:r>
             <a:endParaRPr/>
           </a:p>
@@ -19556,7 +20072,7 @@
       </p:sp>
       <p:sp>
         <p:nvSpPr>
-          <p:cNvPr id="385" name="Google Shape;385;p28"/>
+          <p:cNvPr id="397" name="Google Shape;397;p30"/>
           <p:cNvSpPr txBox="1"/>
           <p:nvPr>
             <p:ph idx="1" type="body"/>
@@ -19573,7 +20089,7 @@
         </p:spPr>
         <p:txBody>
           <a:bodyPr anchorCtr="0" anchor="t" bIns="91425" lIns="91425" spcFirstLastPara="1" rIns="91425" wrap="square" tIns="91425">
-            <a:normAutofit lnSpcReduction="10000"/>
+            <a:normAutofit/>
           </a:bodyPr>
           <a:lstStyle/>
           <a:p>
@@ -19589,7 +20105,7 @@
             </a:pPr>
             <a:r>
               <a:rPr lang="en"/>
-              <a:t>Easy to get started</a:t>
+              <a:t>Great debugging errors</a:t>
             </a:r>
             <a:endParaRPr/>
           </a:p>
@@ -19606,7 +20122,7 @@
             </a:pPr>
             <a:r>
               <a:rPr lang="en"/>
-              <a:t>Many libraries of pre-made code</a:t>
+              <a:t>Incredible with large databases</a:t>
             </a:r>
             <a:endParaRPr/>
           </a:p>
@@ -19623,7 +20139,7 @@
             </a:pPr>
             <a:r>
               <a:rPr lang="en"/>
-              <a:t>Good documentation and strong community user base to ask questions</a:t>
+              <a:t>Fairly easy to learn</a:t>
             </a:r>
             <a:endParaRPr/>
           </a:p>
@@ -19640,73 +20156,7 @@
             </a:pPr>
             <a:r>
               <a:rPr lang="en"/>
-              <a:t>Very similar to pseudo-code (resembles human logic well)</a:t>
-            </a:r>
-            <a:endParaRPr/>
-          </a:p>
-          <a:p>
-            <a:pPr indent="-311150" lvl="0" marL="457200" rtl="0" algn="l">
-              <a:spcBef>
-                <a:spcPts val="0"/>
-              </a:spcBef>
-              <a:spcAft>
-                <a:spcPts val="0"/>
-              </a:spcAft>
-              <a:buSzPts val="1300"/>
-              <a:buChar char="●"/>
-            </a:pPr>
-            <a:r>
-              <a:rPr lang="en"/>
-              <a:t>Relatively simple to learn</a:t>
-            </a:r>
-            <a:endParaRPr/>
-          </a:p>
-          <a:p>
-            <a:pPr indent="-311150" lvl="0" marL="457200" rtl="0" algn="l">
-              <a:spcBef>
-                <a:spcPts val="0"/>
-              </a:spcBef>
-              <a:spcAft>
-                <a:spcPts val="0"/>
-              </a:spcAft>
-              <a:buSzPts val="1300"/>
-              <a:buChar char="●"/>
-            </a:pPr>
-            <a:r>
-              <a:rPr lang="en"/>
-              <a:t>Easy to find jobs</a:t>
-            </a:r>
-            <a:endParaRPr/>
-          </a:p>
-          <a:p>
-            <a:pPr indent="-311150" lvl="0" marL="457200" rtl="0" algn="l">
-              <a:spcBef>
-                <a:spcPts val="0"/>
-              </a:spcBef>
-              <a:spcAft>
-                <a:spcPts val="0"/>
-              </a:spcAft>
-              <a:buSzPts val="1300"/>
-              <a:buChar char="●"/>
-            </a:pPr>
-            <a:r>
-              <a:rPr lang="en"/>
-              <a:t>Useful in many domains</a:t>
-            </a:r>
-            <a:endParaRPr/>
-          </a:p>
-          <a:p>
-            <a:pPr indent="0" lvl="0" marL="457200" rtl="0" algn="l">
-              <a:spcBef>
-                <a:spcPts val="1200"/>
-              </a:spcBef>
-              <a:spcAft>
-                <a:spcPts val="1200"/>
-              </a:spcAft>
-              <a:buNone/>
-            </a:pPr>
-            <a:r>
-              <a:t/>
+              <a:t>Portable with languages like SQL</a:t>
             </a:r>
             <a:endParaRPr/>
           </a:p>
@@ -19714,7 +20164,7 @@
       </p:sp>
       <p:sp>
         <p:nvSpPr>
-          <p:cNvPr id="386" name="Google Shape;386;p28"/>
+          <p:cNvPr id="398" name="Google Shape;398;p30"/>
           <p:cNvSpPr txBox="1"/>
           <p:nvPr>
             <p:ph idx="2" type="body"/>
@@ -19747,7 +20197,7 @@
             </a:pPr>
             <a:r>
               <a:rPr lang="en"/>
-              <a:t>Slow to execute</a:t>
+              <a:t>Cost</a:t>
             </a:r>
             <a:endParaRPr/>
           </a:p>
@@ -19764,7 +20214,7 @@
             </a:pPr>
             <a:r>
               <a:rPr lang="en"/>
-              <a:t>Does not teach about data types</a:t>
+              <a:t>Not open source (need license)</a:t>
             </a:r>
             <a:endParaRPr/>
           </a:p>
@@ -19781,7 +20231,7 @@
             </a:pPr>
             <a:r>
               <a:rPr lang="en"/>
-              <a:t>Harder to pick up lower level computer languages</a:t>
+              <a:t>Poor graphical representation</a:t>
             </a:r>
             <a:endParaRPr/>
           </a:p>
@@ -19798,7 +20248,7 @@
             </a:pPr>
             <a:r>
               <a:rPr lang="en"/>
-              <a:t>Harder to debug code due to low barrier to entry of use</a:t>
+              <a:t>Requires more lines of code than Python and R for some operations</a:t>
             </a:r>
             <a:endParaRPr/>
           </a:p>
@@ -19806,7 +20256,7 @@
       </p:sp>
       <p:sp>
         <p:nvSpPr>
-          <p:cNvPr id="387" name="Google Shape;387;p28"/>
+          <p:cNvPr id="399" name="Google Shape;399;p30"/>
           <p:cNvSpPr txBox="1"/>
           <p:nvPr/>
         </p:nvSpPr>
@@ -19848,7 +20298,7 @@
       </p:sp>
       <p:sp>
         <p:nvSpPr>
-          <p:cNvPr id="388" name="Google Shape;388;p28"/>
+          <p:cNvPr id="400" name="Google Shape;400;p30"/>
           <p:cNvSpPr txBox="1"/>
           <p:nvPr/>
         </p:nvSpPr>
@@ -19896,12 +20346,12 @@
 </p:sld>
 </file>
 
-<file path=ppt/slides/slide17.xml><?xml version="1.0" encoding="utf-8"?>
+<file path=ppt/slides/slide19.xml><?xml version="1.0" encoding="utf-8"?>
 <p:sld xmlns:a="http://schemas.openxmlformats.org/drawingml/2006/main" xmlns:r="http://schemas.openxmlformats.org/officeDocument/2006/relationships" xmlns:mc="http://schemas.openxmlformats.org/markup-compatibility/2006" xmlns:mv="urn:schemas-microsoft-com:mac:vml" xmlns:p="http://schemas.openxmlformats.org/presentationml/2006/main" xmlns:c="http://schemas.openxmlformats.org/drawingml/2006/chart" xmlns:dgm="http://schemas.openxmlformats.org/drawingml/2006/diagram" xmlns:o="urn:schemas-microsoft-com:office:office" xmlns:v="urn:schemas-microsoft-com:vml" xmlns:pvml="urn:schemas-microsoft-com:office:powerpoint" xmlns:com="http://schemas.openxmlformats.org/drawingml/2006/compatibility" xmlns:p14="http://schemas.microsoft.com/office/powerpoint/2010/main" xmlns:p15="http://schemas.microsoft.com/office/powerpoint/2012/main" xmlns:ahyp="http://schemas.microsoft.com/office/drawing/2018/hyperlinkcolor">
   <p:cSld>
     <p:spTree>
       <p:nvGrpSpPr>
-        <p:cNvPr id="392" name="Shape 392"/>
+        <p:cNvPr id="404" name="Shape 404"/>
         <p:cNvGrpSpPr/>
         <p:nvPr/>
       </p:nvGrpSpPr>
@@ -19915,7 +20365,7 @@
       </p:grpSpPr>
       <p:sp>
         <p:nvSpPr>
-          <p:cNvPr id="393" name="Google Shape;393;p29"/>
+          <p:cNvPr id="405" name="Google Shape;405;p31"/>
           <p:cNvSpPr txBox="1"/>
           <p:nvPr>
             <p:ph type="title"/>
@@ -19947,7 +20397,7 @@
             </a:pPr>
             <a:r>
               <a:rPr lang="en"/>
-              <a:t>SAS</a:t>
+              <a:t>Stata (Statistical Analysis Package)</a:t>
             </a:r>
             <a:endParaRPr/>
           </a:p>
@@ -19955,7 +20405,7 @@
       </p:sp>
       <p:sp>
         <p:nvSpPr>
-          <p:cNvPr id="394" name="Google Shape;394;p29"/>
+          <p:cNvPr id="406" name="Google Shape;406;p31"/>
           <p:cNvSpPr txBox="1"/>
           <p:nvPr>
             <p:ph idx="1" type="body"/>
@@ -19972,7 +20422,7 @@
         </p:spPr>
         <p:txBody>
           <a:bodyPr anchorCtr="0" anchor="t" bIns="91425" lIns="91425" spcFirstLastPara="1" rIns="91425" wrap="square" tIns="91425">
-            <a:normAutofit lnSpcReduction="10000"/>
+            <a:normAutofit/>
           </a:bodyPr>
           <a:lstStyle/>
           <a:p>
@@ -19988,7 +20438,7 @@
             </a:pPr>
             <a:r>
               <a:rPr lang="en"/>
-              <a:t>Easy to get started</a:t>
+              <a:t>Easy to use</a:t>
             </a:r>
             <a:endParaRPr/>
           </a:p>
@@ -20005,7 +20455,7 @@
             </a:pPr>
             <a:r>
               <a:rPr lang="en"/>
-              <a:t>Many libraries of pre-made code</a:t>
+              <a:t>Paid professionals answer questions on Stata’s userboard (purchase of Stata required for access)</a:t>
             </a:r>
             <a:endParaRPr/>
           </a:p>
@@ -20022,90 +20472,7 @@
             </a:pPr>
             <a:r>
               <a:rPr lang="en"/>
-              <a:t>Good documentation and strong community user base to ask questions</a:t>
-            </a:r>
-            <a:endParaRPr/>
-          </a:p>
-          <a:p>
-            <a:pPr indent="-311150" lvl="0" marL="457200" rtl="0" algn="l">
-              <a:spcBef>
-                <a:spcPts val="0"/>
-              </a:spcBef>
-              <a:spcAft>
-                <a:spcPts val="0"/>
-              </a:spcAft>
-              <a:buSzPts val="1300"/>
-              <a:buChar char="●"/>
-            </a:pPr>
-            <a:r>
-              <a:rPr lang="en"/>
-              <a:t>Very similar to pseudo-code (resembles human logic well)</a:t>
-            </a:r>
-            <a:endParaRPr/>
-          </a:p>
-          <a:p>
-            <a:pPr indent="-311150" lvl="0" marL="457200" rtl="0" algn="l">
-              <a:spcBef>
-                <a:spcPts val="0"/>
-              </a:spcBef>
-              <a:spcAft>
-                <a:spcPts val="0"/>
-              </a:spcAft>
-              <a:buSzPts val="1300"/>
-              <a:buChar char="●"/>
-            </a:pPr>
-            <a:r>
-              <a:rPr lang="en"/>
-              <a:t>Relatively simple to learn</a:t>
-            </a:r>
-            <a:endParaRPr/>
-          </a:p>
-          <a:p>
-            <a:pPr indent="-311150" lvl="0" marL="457200" rtl="0" algn="l">
-              <a:spcBef>
-                <a:spcPts val="0"/>
-              </a:spcBef>
-              <a:spcAft>
-                <a:spcPts val="0"/>
-              </a:spcAft>
-              <a:buSzPts val="1300"/>
-              <a:buChar char="●"/>
-            </a:pPr>
-            <a:r>
-              <a:rPr lang="en"/>
-              <a:t>Easy to find jobs</a:t>
-            </a:r>
-            <a:endParaRPr/>
-          </a:p>
-          <a:p>
-            <a:pPr indent="-311150" lvl="0" marL="457200" rtl="0" algn="l">
-              <a:spcBef>
-                <a:spcPts val="0"/>
-              </a:spcBef>
-              <a:spcAft>
-                <a:spcPts val="0"/>
-              </a:spcAft>
-              <a:buSzPts val="1300"/>
-              <a:buChar char="●"/>
-            </a:pPr>
-            <a:r>
-              <a:rPr lang="en"/>
-              <a:t>Useful in many domains</a:t>
-            </a:r>
-            <a:endParaRPr/>
-          </a:p>
-          <a:p>
-            <a:pPr indent="0" lvl="0" marL="457200" rtl="0" algn="l">
-              <a:spcBef>
-                <a:spcPts val="1200"/>
-              </a:spcBef>
-              <a:spcAft>
-                <a:spcPts val="1200"/>
-              </a:spcAft>
-              <a:buNone/>
-            </a:pPr>
-            <a:r>
-              <a:t/>
+              <a:t>Some operations easier than Python/R</a:t>
             </a:r>
             <a:endParaRPr/>
           </a:p>
@@ -20113,7 +20480,7 @@
       </p:sp>
       <p:sp>
         <p:nvSpPr>
-          <p:cNvPr id="395" name="Google Shape;395;p29"/>
+          <p:cNvPr id="407" name="Google Shape;407;p31"/>
           <p:cNvSpPr txBox="1"/>
           <p:nvPr>
             <p:ph idx="2" type="body"/>
@@ -20146,7 +20513,7 @@
             </a:pPr>
             <a:r>
               <a:rPr lang="en"/>
-              <a:t>Slow to execute</a:t>
+              <a:t>Cost (though cheaper than SAS)</a:t>
             </a:r>
             <a:endParaRPr/>
           </a:p>
@@ -20163,7 +20530,7 @@
             </a:pPr>
             <a:r>
               <a:rPr lang="en"/>
-              <a:t>Does not teach about data types</a:t>
+              <a:t>Memory limitations</a:t>
             </a:r>
             <a:endParaRPr/>
           </a:p>
@@ -20180,7 +20547,7 @@
             </a:pPr>
             <a:r>
               <a:rPr lang="en"/>
-              <a:t>Harder to pick up lower level computer languages</a:t>
+              <a:t>Not a programming language so applications outside of statistical analysis impossible</a:t>
             </a:r>
             <a:endParaRPr/>
           </a:p>
@@ -20197,7 +20564,11 @@
             </a:pPr>
             <a:r>
               <a:rPr lang="en"/>
-              <a:t>Harder to debug code due to low barrier to entry of use</a:t>
+              <a:t>Poor graphical </a:t>
+            </a:r>
+            <a:r>
+              <a:rPr lang="en"/>
+              <a:t>representation</a:t>
             </a:r>
             <a:endParaRPr/>
           </a:p>
@@ -20205,7 +20576,7 @@
       </p:sp>
       <p:sp>
         <p:nvSpPr>
-          <p:cNvPr id="396" name="Google Shape;396;p29"/>
+          <p:cNvPr id="408" name="Google Shape;408;p31"/>
           <p:cNvSpPr txBox="1"/>
           <p:nvPr/>
         </p:nvSpPr>
@@ -20247,805 +20618,7 @@
       </p:sp>
       <p:sp>
         <p:nvSpPr>
-          <p:cNvPr id="397" name="Google Shape;397;p29"/>
-          <p:cNvSpPr txBox="1"/>
-          <p:nvPr/>
-        </p:nvSpPr>
-        <p:spPr>
-          <a:xfrm>
-            <a:off x="1322250" y="1374450"/>
-            <a:ext cx="3420000" cy="461700"/>
-          </a:xfrm>
-          <a:prstGeom prst="rect">
-            <a:avLst/>
-          </a:prstGeom>
-          <a:noFill/>
-          <a:ln>
-            <a:noFill/>
-          </a:ln>
-        </p:spPr>
-        <p:txBody>
-          <a:bodyPr anchorCtr="0" anchor="t" bIns="91425" lIns="91425" spcFirstLastPara="1" rIns="91425" wrap="square" tIns="91425">
-            <a:spAutoFit/>
-          </a:bodyPr>
-          <a:lstStyle/>
-          <a:p>
-            <a:pPr indent="0" lvl="0" marL="0" rtl="0" algn="l">
-              <a:spcBef>
-                <a:spcPts val="0"/>
-              </a:spcBef>
-              <a:spcAft>
-                <a:spcPts val="0"/>
-              </a:spcAft>
-              <a:buNone/>
-            </a:pPr>
-            <a:r>
-              <a:rPr b="1" lang="en" sz="1800"/>
-              <a:t>The Good</a:t>
-            </a:r>
-            <a:endParaRPr b="1" sz="1800"/>
-          </a:p>
-        </p:txBody>
-      </p:sp>
-    </p:spTree>
-  </p:cSld>
-  <p:clrMapOvr>
-    <a:masterClrMapping/>
-  </p:clrMapOvr>
-</p:sld>
-</file>
-
-<file path=ppt/slides/slide18.xml><?xml version="1.0" encoding="utf-8"?>
-<p:sld xmlns:a="http://schemas.openxmlformats.org/drawingml/2006/main" xmlns:r="http://schemas.openxmlformats.org/officeDocument/2006/relationships" xmlns:mc="http://schemas.openxmlformats.org/markup-compatibility/2006" xmlns:mv="urn:schemas-microsoft-com:mac:vml" xmlns:p="http://schemas.openxmlformats.org/presentationml/2006/main" xmlns:c="http://schemas.openxmlformats.org/drawingml/2006/chart" xmlns:dgm="http://schemas.openxmlformats.org/drawingml/2006/diagram" xmlns:o="urn:schemas-microsoft-com:office:office" xmlns:v="urn:schemas-microsoft-com:vml" xmlns:pvml="urn:schemas-microsoft-com:office:powerpoint" xmlns:com="http://schemas.openxmlformats.org/drawingml/2006/compatibility" xmlns:p14="http://schemas.microsoft.com/office/powerpoint/2010/main" xmlns:p15="http://schemas.microsoft.com/office/powerpoint/2012/main" xmlns:ahyp="http://schemas.microsoft.com/office/drawing/2018/hyperlinkcolor">
-  <p:cSld>
-    <p:spTree>
-      <p:nvGrpSpPr>
-        <p:cNvPr id="401" name="Shape 401"/>
-        <p:cNvGrpSpPr/>
-        <p:nvPr/>
-      </p:nvGrpSpPr>
-      <p:grpSpPr>
-        <a:xfrm>
-          <a:off x="0" y="0"/>
-          <a:ext cx="0" cy="0"/>
-          <a:chOff x="0" y="0"/>
-          <a:chExt cx="0" cy="0"/>
-        </a:xfrm>
-      </p:grpSpPr>
-      <p:sp>
-        <p:nvSpPr>
-          <p:cNvPr id="402" name="Google Shape;402;p30"/>
-          <p:cNvSpPr txBox="1"/>
-          <p:nvPr>
-            <p:ph type="title"/>
-          </p:nvPr>
-        </p:nvSpPr>
-        <p:spPr>
-          <a:xfrm>
-            <a:off x="1303800" y="598575"/>
-            <a:ext cx="7030500" cy="999300"/>
-          </a:xfrm>
-          <a:prstGeom prst="rect">
-            <a:avLst/>
-          </a:prstGeom>
-        </p:spPr>
-        <p:txBody>
-          <a:bodyPr anchorCtr="0" anchor="t" bIns="91425" lIns="91425" spcFirstLastPara="1" rIns="91425" wrap="square" tIns="91425">
-            <a:normAutofit/>
-          </a:bodyPr>
-          <a:lstStyle/>
-          <a:p>
-            <a:pPr indent="0" lvl="0" marL="0" rtl="0" algn="l">
-              <a:spcBef>
-                <a:spcPts val="0"/>
-              </a:spcBef>
-              <a:spcAft>
-                <a:spcPts val="0"/>
-              </a:spcAft>
-              <a:buNone/>
-            </a:pPr>
-            <a:r>
-              <a:rPr lang="en"/>
-              <a:t>Stata</a:t>
-            </a:r>
-            <a:endParaRPr/>
-          </a:p>
-        </p:txBody>
-      </p:sp>
-      <p:sp>
-        <p:nvSpPr>
-          <p:cNvPr id="403" name="Google Shape;403;p30"/>
-          <p:cNvSpPr txBox="1"/>
-          <p:nvPr>
-            <p:ph idx="1" type="body"/>
-          </p:nvPr>
-        </p:nvSpPr>
-        <p:spPr>
-          <a:xfrm>
-            <a:off x="1303800" y="1990050"/>
-            <a:ext cx="3430500" cy="2541600"/>
-          </a:xfrm>
-          <a:prstGeom prst="rect">
-            <a:avLst/>
-          </a:prstGeom>
-        </p:spPr>
-        <p:txBody>
-          <a:bodyPr anchorCtr="0" anchor="t" bIns="91425" lIns="91425" spcFirstLastPara="1" rIns="91425" wrap="square" tIns="91425">
-            <a:normAutofit lnSpcReduction="10000"/>
-          </a:bodyPr>
-          <a:lstStyle/>
-          <a:p>
-            <a:pPr indent="-311150" lvl="0" marL="457200" rtl="0" algn="l">
-              <a:spcBef>
-                <a:spcPts val="0"/>
-              </a:spcBef>
-              <a:spcAft>
-                <a:spcPts val="0"/>
-              </a:spcAft>
-              <a:buSzPts val="1300"/>
-              <a:buChar char="●"/>
-            </a:pPr>
-            <a:r>
-              <a:rPr lang="en"/>
-              <a:t>Easy to get started</a:t>
-            </a:r>
-            <a:endParaRPr/>
-          </a:p>
-          <a:p>
-            <a:pPr indent="-311150" lvl="0" marL="457200" rtl="0" algn="l">
-              <a:spcBef>
-                <a:spcPts val="0"/>
-              </a:spcBef>
-              <a:spcAft>
-                <a:spcPts val="0"/>
-              </a:spcAft>
-              <a:buSzPts val="1300"/>
-              <a:buChar char="●"/>
-            </a:pPr>
-            <a:r>
-              <a:rPr lang="en"/>
-              <a:t>Many libraries of pre-made code</a:t>
-            </a:r>
-            <a:endParaRPr/>
-          </a:p>
-          <a:p>
-            <a:pPr indent="-311150" lvl="0" marL="457200" rtl="0" algn="l">
-              <a:spcBef>
-                <a:spcPts val="0"/>
-              </a:spcBef>
-              <a:spcAft>
-                <a:spcPts val="0"/>
-              </a:spcAft>
-              <a:buSzPts val="1300"/>
-              <a:buChar char="●"/>
-            </a:pPr>
-            <a:r>
-              <a:rPr lang="en"/>
-              <a:t>Good documentation and strong community user base to ask questions</a:t>
-            </a:r>
-            <a:endParaRPr/>
-          </a:p>
-          <a:p>
-            <a:pPr indent="-311150" lvl="0" marL="457200" rtl="0" algn="l">
-              <a:spcBef>
-                <a:spcPts val="0"/>
-              </a:spcBef>
-              <a:spcAft>
-                <a:spcPts val="0"/>
-              </a:spcAft>
-              <a:buSzPts val="1300"/>
-              <a:buChar char="●"/>
-            </a:pPr>
-            <a:r>
-              <a:rPr lang="en"/>
-              <a:t>Very similar to pseudo-code (resembles human logic well)</a:t>
-            </a:r>
-            <a:endParaRPr/>
-          </a:p>
-          <a:p>
-            <a:pPr indent="-311150" lvl="0" marL="457200" rtl="0" algn="l">
-              <a:spcBef>
-                <a:spcPts val="0"/>
-              </a:spcBef>
-              <a:spcAft>
-                <a:spcPts val="0"/>
-              </a:spcAft>
-              <a:buSzPts val="1300"/>
-              <a:buChar char="●"/>
-            </a:pPr>
-            <a:r>
-              <a:rPr lang="en"/>
-              <a:t>Relatively simple to learn</a:t>
-            </a:r>
-            <a:endParaRPr/>
-          </a:p>
-          <a:p>
-            <a:pPr indent="-311150" lvl="0" marL="457200" rtl="0" algn="l">
-              <a:spcBef>
-                <a:spcPts val="0"/>
-              </a:spcBef>
-              <a:spcAft>
-                <a:spcPts val="0"/>
-              </a:spcAft>
-              <a:buSzPts val="1300"/>
-              <a:buChar char="●"/>
-            </a:pPr>
-            <a:r>
-              <a:rPr lang="en"/>
-              <a:t>Easy to find jobs</a:t>
-            </a:r>
-            <a:endParaRPr/>
-          </a:p>
-          <a:p>
-            <a:pPr indent="-311150" lvl="0" marL="457200" rtl="0" algn="l">
-              <a:spcBef>
-                <a:spcPts val="0"/>
-              </a:spcBef>
-              <a:spcAft>
-                <a:spcPts val="0"/>
-              </a:spcAft>
-              <a:buSzPts val="1300"/>
-              <a:buChar char="●"/>
-            </a:pPr>
-            <a:r>
-              <a:rPr lang="en"/>
-              <a:t>Useful in many domains</a:t>
-            </a:r>
-            <a:endParaRPr/>
-          </a:p>
-          <a:p>
-            <a:pPr indent="0" lvl="0" marL="457200" rtl="0" algn="l">
-              <a:spcBef>
-                <a:spcPts val="1200"/>
-              </a:spcBef>
-              <a:spcAft>
-                <a:spcPts val="1200"/>
-              </a:spcAft>
-              <a:buNone/>
-            </a:pPr>
-            <a:r>
-              <a:t/>
-            </a:r>
-            <a:endParaRPr/>
-          </a:p>
-        </p:txBody>
-      </p:sp>
-      <p:sp>
-        <p:nvSpPr>
-          <p:cNvPr id="404" name="Google Shape;404;p30"/>
-          <p:cNvSpPr txBox="1"/>
-          <p:nvPr>
-            <p:ph idx="2" type="body"/>
-          </p:nvPr>
-        </p:nvSpPr>
-        <p:spPr>
-          <a:xfrm>
-            <a:off x="4903650" y="1990050"/>
-            <a:ext cx="3430500" cy="2541600"/>
-          </a:xfrm>
-          <a:prstGeom prst="rect">
-            <a:avLst/>
-          </a:prstGeom>
-        </p:spPr>
-        <p:txBody>
-          <a:bodyPr anchorCtr="0" anchor="t" bIns="91425" lIns="91425" spcFirstLastPara="1" rIns="91425" wrap="square" tIns="91425">
-            <a:normAutofit/>
-          </a:bodyPr>
-          <a:lstStyle/>
-          <a:p>
-            <a:pPr indent="-311150" lvl="0" marL="457200" rtl="0" algn="l">
-              <a:spcBef>
-                <a:spcPts val="0"/>
-              </a:spcBef>
-              <a:spcAft>
-                <a:spcPts val="0"/>
-              </a:spcAft>
-              <a:buSzPts val="1300"/>
-              <a:buChar char="●"/>
-            </a:pPr>
-            <a:r>
-              <a:rPr lang="en"/>
-              <a:t>Slow to execute</a:t>
-            </a:r>
-            <a:endParaRPr/>
-          </a:p>
-          <a:p>
-            <a:pPr indent="-311150" lvl="0" marL="457200" rtl="0" algn="l">
-              <a:spcBef>
-                <a:spcPts val="0"/>
-              </a:spcBef>
-              <a:spcAft>
-                <a:spcPts val="0"/>
-              </a:spcAft>
-              <a:buSzPts val="1300"/>
-              <a:buChar char="●"/>
-            </a:pPr>
-            <a:r>
-              <a:rPr lang="en"/>
-              <a:t>Does not teach about data types</a:t>
-            </a:r>
-            <a:endParaRPr/>
-          </a:p>
-          <a:p>
-            <a:pPr indent="-311150" lvl="0" marL="457200" rtl="0" algn="l">
-              <a:spcBef>
-                <a:spcPts val="0"/>
-              </a:spcBef>
-              <a:spcAft>
-                <a:spcPts val="0"/>
-              </a:spcAft>
-              <a:buSzPts val="1300"/>
-              <a:buChar char="●"/>
-            </a:pPr>
-            <a:r>
-              <a:rPr lang="en"/>
-              <a:t>Harder to pick up lower level computer languages</a:t>
-            </a:r>
-            <a:endParaRPr/>
-          </a:p>
-          <a:p>
-            <a:pPr indent="-311150" lvl="0" marL="457200" rtl="0" algn="l">
-              <a:spcBef>
-                <a:spcPts val="0"/>
-              </a:spcBef>
-              <a:spcAft>
-                <a:spcPts val="0"/>
-              </a:spcAft>
-              <a:buSzPts val="1300"/>
-              <a:buChar char="●"/>
-            </a:pPr>
-            <a:r>
-              <a:rPr lang="en"/>
-              <a:t>Harder to debug code due to low barrier to entry of use</a:t>
-            </a:r>
-            <a:endParaRPr/>
-          </a:p>
-        </p:txBody>
-      </p:sp>
-      <p:sp>
-        <p:nvSpPr>
-          <p:cNvPr id="405" name="Google Shape;405;p30"/>
-          <p:cNvSpPr txBox="1"/>
-          <p:nvPr/>
-        </p:nvSpPr>
-        <p:spPr>
-          <a:xfrm>
-            <a:off x="4903650" y="1374450"/>
-            <a:ext cx="3420000" cy="461700"/>
-          </a:xfrm>
-          <a:prstGeom prst="rect">
-            <a:avLst/>
-          </a:prstGeom>
-          <a:noFill/>
-          <a:ln>
-            <a:noFill/>
-          </a:ln>
-        </p:spPr>
-        <p:txBody>
-          <a:bodyPr anchorCtr="0" anchor="t" bIns="91425" lIns="91425" spcFirstLastPara="1" rIns="91425" wrap="square" tIns="91425">
-            <a:spAutoFit/>
-          </a:bodyPr>
-          <a:lstStyle/>
-          <a:p>
-            <a:pPr indent="0" lvl="0" marL="0" rtl="0" algn="l">
-              <a:spcBef>
-                <a:spcPts val="0"/>
-              </a:spcBef>
-              <a:spcAft>
-                <a:spcPts val="0"/>
-              </a:spcAft>
-              <a:buNone/>
-            </a:pPr>
-            <a:r>
-              <a:rPr b="1" lang="en" sz="1800"/>
-              <a:t>The Bad</a:t>
-            </a:r>
-            <a:endParaRPr b="1" sz="1800"/>
-          </a:p>
-        </p:txBody>
-      </p:sp>
-      <p:sp>
-        <p:nvSpPr>
-          <p:cNvPr id="406" name="Google Shape;406;p30"/>
-          <p:cNvSpPr txBox="1"/>
-          <p:nvPr/>
-        </p:nvSpPr>
-        <p:spPr>
-          <a:xfrm>
-            <a:off x="1322250" y="1374450"/>
-            <a:ext cx="3420000" cy="461700"/>
-          </a:xfrm>
-          <a:prstGeom prst="rect">
-            <a:avLst/>
-          </a:prstGeom>
-          <a:noFill/>
-          <a:ln>
-            <a:noFill/>
-          </a:ln>
-        </p:spPr>
-        <p:txBody>
-          <a:bodyPr anchorCtr="0" anchor="t" bIns="91425" lIns="91425" spcFirstLastPara="1" rIns="91425" wrap="square" tIns="91425">
-            <a:spAutoFit/>
-          </a:bodyPr>
-          <a:lstStyle/>
-          <a:p>
-            <a:pPr indent="0" lvl="0" marL="0" rtl="0" algn="l">
-              <a:spcBef>
-                <a:spcPts val="0"/>
-              </a:spcBef>
-              <a:spcAft>
-                <a:spcPts val="0"/>
-              </a:spcAft>
-              <a:buNone/>
-            </a:pPr>
-            <a:r>
-              <a:rPr b="1" lang="en" sz="1800"/>
-              <a:t>The Good</a:t>
-            </a:r>
-            <a:endParaRPr b="1" sz="1800"/>
-          </a:p>
-        </p:txBody>
-      </p:sp>
-    </p:spTree>
-  </p:cSld>
-  <p:clrMapOvr>
-    <a:masterClrMapping/>
-  </p:clrMapOvr>
-</p:sld>
-</file>
-
-<file path=ppt/slides/slide19.xml><?xml version="1.0" encoding="utf-8"?>
-<p:sld xmlns:a="http://schemas.openxmlformats.org/drawingml/2006/main" xmlns:r="http://schemas.openxmlformats.org/officeDocument/2006/relationships" xmlns:mc="http://schemas.openxmlformats.org/markup-compatibility/2006" xmlns:mv="urn:schemas-microsoft-com:mac:vml" xmlns:p="http://schemas.openxmlformats.org/presentationml/2006/main" xmlns:c="http://schemas.openxmlformats.org/drawingml/2006/chart" xmlns:dgm="http://schemas.openxmlformats.org/drawingml/2006/diagram" xmlns:o="urn:schemas-microsoft-com:office:office" xmlns:v="urn:schemas-microsoft-com:vml" xmlns:pvml="urn:schemas-microsoft-com:office:powerpoint" xmlns:com="http://schemas.openxmlformats.org/drawingml/2006/compatibility" xmlns:p14="http://schemas.microsoft.com/office/powerpoint/2010/main" xmlns:p15="http://schemas.microsoft.com/office/powerpoint/2012/main" xmlns:ahyp="http://schemas.microsoft.com/office/drawing/2018/hyperlinkcolor">
-  <p:cSld>
-    <p:spTree>
-      <p:nvGrpSpPr>
-        <p:cNvPr id="410" name="Shape 410"/>
-        <p:cNvGrpSpPr/>
-        <p:nvPr/>
-      </p:nvGrpSpPr>
-      <p:grpSpPr>
-        <a:xfrm>
-          <a:off x="0" y="0"/>
-          <a:ext cx="0" cy="0"/>
-          <a:chOff x="0" y="0"/>
-          <a:chExt cx="0" cy="0"/>
-        </a:xfrm>
-      </p:grpSpPr>
-      <p:sp>
-        <p:nvSpPr>
-          <p:cNvPr id="411" name="Google Shape;411;p31"/>
-          <p:cNvSpPr txBox="1"/>
-          <p:nvPr>
-            <p:ph type="title"/>
-          </p:nvPr>
-        </p:nvSpPr>
-        <p:spPr>
-          <a:xfrm>
-            <a:off x="1303800" y="598575"/>
-            <a:ext cx="7030500" cy="999300"/>
-          </a:xfrm>
-          <a:prstGeom prst="rect">
-            <a:avLst/>
-          </a:prstGeom>
-        </p:spPr>
-        <p:txBody>
-          <a:bodyPr anchorCtr="0" anchor="t" bIns="91425" lIns="91425" spcFirstLastPara="1" rIns="91425" wrap="square" tIns="91425">
-            <a:normAutofit/>
-          </a:bodyPr>
-          <a:lstStyle/>
-          <a:p>
-            <a:pPr indent="0" lvl="0" marL="0" rtl="0" algn="l">
-              <a:spcBef>
-                <a:spcPts val="0"/>
-              </a:spcBef>
-              <a:spcAft>
-                <a:spcPts val="0"/>
-              </a:spcAft>
-              <a:buNone/>
-            </a:pPr>
-            <a:r>
-              <a:rPr lang="en"/>
-              <a:t>HTML  (Technically Not a Language)</a:t>
-            </a:r>
-            <a:endParaRPr/>
-          </a:p>
-        </p:txBody>
-      </p:sp>
-      <p:sp>
-        <p:nvSpPr>
-          <p:cNvPr id="412" name="Google Shape;412;p31"/>
-          <p:cNvSpPr txBox="1"/>
-          <p:nvPr>
-            <p:ph idx="1" type="body"/>
-          </p:nvPr>
-        </p:nvSpPr>
-        <p:spPr>
-          <a:xfrm>
-            <a:off x="1303800" y="1990050"/>
-            <a:ext cx="3430500" cy="2541600"/>
-          </a:xfrm>
-          <a:prstGeom prst="rect">
-            <a:avLst/>
-          </a:prstGeom>
-        </p:spPr>
-        <p:txBody>
-          <a:bodyPr anchorCtr="0" anchor="t" bIns="91425" lIns="91425" spcFirstLastPara="1" rIns="91425" wrap="square" tIns="91425">
-            <a:normAutofit lnSpcReduction="10000"/>
-          </a:bodyPr>
-          <a:lstStyle/>
-          <a:p>
-            <a:pPr indent="-311150" lvl="0" marL="457200" rtl="0" algn="l">
-              <a:spcBef>
-                <a:spcPts val="0"/>
-              </a:spcBef>
-              <a:spcAft>
-                <a:spcPts val="0"/>
-              </a:spcAft>
-              <a:buSzPts val="1300"/>
-              <a:buChar char="●"/>
-            </a:pPr>
-            <a:r>
-              <a:rPr lang="en"/>
-              <a:t>Easy to get started</a:t>
-            </a:r>
-            <a:endParaRPr/>
-          </a:p>
-          <a:p>
-            <a:pPr indent="-311150" lvl="0" marL="457200" rtl="0" algn="l">
-              <a:spcBef>
-                <a:spcPts val="0"/>
-              </a:spcBef>
-              <a:spcAft>
-                <a:spcPts val="0"/>
-              </a:spcAft>
-              <a:buSzPts val="1300"/>
-              <a:buChar char="●"/>
-            </a:pPr>
-            <a:r>
-              <a:rPr lang="en"/>
-              <a:t>Many libraries of pre-made code</a:t>
-            </a:r>
-            <a:endParaRPr/>
-          </a:p>
-          <a:p>
-            <a:pPr indent="-311150" lvl="0" marL="457200" rtl="0" algn="l">
-              <a:spcBef>
-                <a:spcPts val="0"/>
-              </a:spcBef>
-              <a:spcAft>
-                <a:spcPts val="0"/>
-              </a:spcAft>
-              <a:buSzPts val="1300"/>
-              <a:buChar char="●"/>
-            </a:pPr>
-            <a:r>
-              <a:rPr lang="en"/>
-              <a:t>Good documentation and strong community user base to ask questions</a:t>
-            </a:r>
-            <a:endParaRPr/>
-          </a:p>
-          <a:p>
-            <a:pPr indent="-311150" lvl="0" marL="457200" rtl="0" algn="l">
-              <a:spcBef>
-                <a:spcPts val="0"/>
-              </a:spcBef>
-              <a:spcAft>
-                <a:spcPts val="0"/>
-              </a:spcAft>
-              <a:buSzPts val="1300"/>
-              <a:buChar char="●"/>
-            </a:pPr>
-            <a:r>
-              <a:rPr lang="en"/>
-              <a:t>Very similar to pseudo-code (resembles human logic well)</a:t>
-            </a:r>
-            <a:endParaRPr/>
-          </a:p>
-          <a:p>
-            <a:pPr indent="-311150" lvl="0" marL="457200" rtl="0" algn="l">
-              <a:spcBef>
-                <a:spcPts val="0"/>
-              </a:spcBef>
-              <a:spcAft>
-                <a:spcPts val="0"/>
-              </a:spcAft>
-              <a:buSzPts val="1300"/>
-              <a:buChar char="●"/>
-            </a:pPr>
-            <a:r>
-              <a:rPr lang="en"/>
-              <a:t>Relatively simple to learn</a:t>
-            </a:r>
-            <a:endParaRPr/>
-          </a:p>
-          <a:p>
-            <a:pPr indent="-311150" lvl="0" marL="457200" rtl="0" algn="l">
-              <a:spcBef>
-                <a:spcPts val="0"/>
-              </a:spcBef>
-              <a:spcAft>
-                <a:spcPts val="0"/>
-              </a:spcAft>
-              <a:buSzPts val="1300"/>
-              <a:buChar char="●"/>
-            </a:pPr>
-            <a:r>
-              <a:rPr lang="en"/>
-              <a:t>Easy to find jobs</a:t>
-            </a:r>
-            <a:endParaRPr/>
-          </a:p>
-          <a:p>
-            <a:pPr indent="-311150" lvl="0" marL="457200" rtl="0" algn="l">
-              <a:spcBef>
-                <a:spcPts val="0"/>
-              </a:spcBef>
-              <a:spcAft>
-                <a:spcPts val="0"/>
-              </a:spcAft>
-              <a:buSzPts val="1300"/>
-              <a:buChar char="●"/>
-            </a:pPr>
-            <a:r>
-              <a:rPr lang="en"/>
-              <a:t>Useful in many domains</a:t>
-            </a:r>
-            <a:endParaRPr/>
-          </a:p>
-          <a:p>
-            <a:pPr indent="0" lvl="0" marL="457200" rtl="0" algn="l">
-              <a:spcBef>
-                <a:spcPts val="1200"/>
-              </a:spcBef>
-              <a:spcAft>
-                <a:spcPts val="1200"/>
-              </a:spcAft>
-              <a:buNone/>
-            </a:pPr>
-            <a:r>
-              <a:t/>
-            </a:r>
-            <a:endParaRPr/>
-          </a:p>
-        </p:txBody>
-      </p:sp>
-      <p:sp>
-        <p:nvSpPr>
-          <p:cNvPr id="413" name="Google Shape;413;p31"/>
-          <p:cNvSpPr txBox="1"/>
-          <p:nvPr>
-            <p:ph idx="2" type="body"/>
-          </p:nvPr>
-        </p:nvSpPr>
-        <p:spPr>
-          <a:xfrm>
-            <a:off x="4903650" y="1990050"/>
-            <a:ext cx="3430500" cy="2541600"/>
-          </a:xfrm>
-          <a:prstGeom prst="rect">
-            <a:avLst/>
-          </a:prstGeom>
-        </p:spPr>
-        <p:txBody>
-          <a:bodyPr anchorCtr="0" anchor="t" bIns="91425" lIns="91425" spcFirstLastPara="1" rIns="91425" wrap="square" tIns="91425">
-            <a:normAutofit/>
-          </a:bodyPr>
-          <a:lstStyle/>
-          <a:p>
-            <a:pPr indent="-311150" lvl="0" marL="457200" rtl="0" algn="l">
-              <a:spcBef>
-                <a:spcPts val="0"/>
-              </a:spcBef>
-              <a:spcAft>
-                <a:spcPts val="0"/>
-              </a:spcAft>
-              <a:buSzPts val="1300"/>
-              <a:buChar char="●"/>
-            </a:pPr>
-            <a:r>
-              <a:rPr lang="en"/>
-              <a:t>Slow to execute</a:t>
-            </a:r>
-            <a:endParaRPr/>
-          </a:p>
-          <a:p>
-            <a:pPr indent="-311150" lvl="0" marL="457200" rtl="0" algn="l">
-              <a:spcBef>
-                <a:spcPts val="0"/>
-              </a:spcBef>
-              <a:spcAft>
-                <a:spcPts val="0"/>
-              </a:spcAft>
-              <a:buSzPts val="1300"/>
-              <a:buChar char="●"/>
-            </a:pPr>
-            <a:r>
-              <a:rPr lang="en"/>
-              <a:t>Does not teach about data types</a:t>
-            </a:r>
-            <a:endParaRPr/>
-          </a:p>
-          <a:p>
-            <a:pPr indent="-311150" lvl="0" marL="457200" rtl="0" algn="l">
-              <a:spcBef>
-                <a:spcPts val="0"/>
-              </a:spcBef>
-              <a:spcAft>
-                <a:spcPts val="0"/>
-              </a:spcAft>
-              <a:buSzPts val="1300"/>
-              <a:buChar char="●"/>
-            </a:pPr>
-            <a:r>
-              <a:rPr lang="en"/>
-              <a:t>Harder to pick up lower level computer languages</a:t>
-            </a:r>
-            <a:endParaRPr/>
-          </a:p>
-          <a:p>
-            <a:pPr indent="-311150" lvl="0" marL="457200" rtl="0" algn="l">
-              <a:spcBef>
-                <a:spcPts val="0"/>
-              </a:spcBef>
-              <a:spcAft>
-                <a:spcPts val="0"/>
-              </a:spcAft>
-              <a:buSzPts val="1300"/>
-              <a:buChar char="●"/>
-            </a:pPr>
-            <a:r>
-              <a:rPr lang="en"/>
-              <a:t>Harder to debug code due to low barrier to entry of use</a:t>
-            </a:r>
-            <a:endParaRPr/>
-          </a:p>
-        </p:txBody>
-      </p:sp>
-      <p:sp>
-        <p:nvSpPr>
-          <p:cNvPr id="414" name="Google Shape;414;p31"/>
-          <p:cNvSpPr txBox="1"/>
-          <p:nvPr/>
-        </p:nvSpPr>
-        <p:spPr>
-          <a:xfrm>
-            <a:off x="4903650" y="1374450"/>
-            <a:ext cx="3420000" cy="461700"/>
-          </a:xfrm>
-          <a:prstGeom prst="rect">
-            <a:avLst/>
-          </a:prstGeom>
-          <a:noFill/>
-          <a:ln>
-            <a:noFill/>
-          </a:ln>
-        </p:spPr>
-        <p:txBody>
-          <a:bodyPr anchorCtr="0" anchor="t" bIns="91425" lIns="91425" spcFirstLastPara="1" rIns="91425" wrap="square" tIns="91425">
-            <a:spAutoFit/>
-          </a:bodyPr>
-          <a:lstStyle/>
-          <a:p>
-            <a:pPr indent="0" lvl="0" marL="0" rtl="0" algn="l">
-              <a:spcBef>
-                <a:spcPts val="0"/>
-              </a:spcBef>
-              <a:spcAft>
-                <a:spcPts val="0"/>
-              </a:spcAft>
-              <a:buNone/>
-            </a:pPr>
-            <a:r>
-              <a:rPr b="1" lang="en" sz="1800"/>
-              <a:t>The Bad</a:t>
-            </a:r>
-            <a:endParaRPr b="1" sz="1800"/>
-          </a:p>
-        </p:txBody>
-      </p:sp>
-      <p:sp>
-        <p:nvSpPr>
-          <p:cNvPr id="415" name="Google Shape;415;p31"/>
+          <p:cNvPr id="409" name="Google Shape;409;p31"/>
           <p:cNvSpPr txBox="1"/>
           <p:nvPr/>
         </p:nvSpPr>
@@ -21185,7 +20758,7 @@
             </a:pPr>
             <a:r>
               <a:rPr lang="en"/>
-              <a:t>Programming Languages (Python, R, SQL, SAS, C/C++, Haddop, Java, Matlab, etc.)</a:t>
+              <a:t>Programming Languages (Python, R, SQL, SAS, C/C++, Hadoop, Java, Matlab, etc.)</a:t>
             </a:r>
             <a:endParaRPr/>
           </a:p>
@@ -21525,7 +21098,7 @@
   <p:cSld>
     <p:spTree>
       <p:nvGrpSpPr>
-        <p:cNvPr id="419" name="Shape 419"/>
+        <p:cNvPr id="413" name="Shape 413"/>
         <p:cNvGrpSpPr/>
         <p:nvPr/>
       </p:nvGrpSpPr>
@@ -21539,7 +21112,7 @@
       </p:grpSpPr>
       <p:sp>
         <p:nvSpPr>
-          <p:cNvPr id="420" name="Google Shape;420;p32"/>
+          <p:cNvPr id="414" name="Google Shape;414;p32"/>
           <p:cNvSpPr txBox="1"/>
           <p:nvPr>
             <p:ph type="title"/>
@@ -21571,7 +21144,7 @@
             </a:pPr>
             <a:r>
               <a:rPr lang="en"/>
-              <a:t>Projects Matt and Ben Have Done</a:t>
+              <a:t>HTML  (Markup Language)</a:t>
             </a:r>
             <a:endParaRPr/>
           </a:p>
@@ -21579,7 +21152,7 @@
       </p:sp>
       <p:sp>
         <p:nvSpPr>
-          <p:cNvPr id="421" name="Google Shape;421;p32"/>
+          <p:cNvPr id="415" name="Google Shape;415;p32"/>
           <p:cNvSpPr txBox="1"/>
           <p:nvPr>
             <p:ph idx="1" type="body"/>
@@ -21610,29 +21183,81 @@
               <a:buNone/>
             </a:pPr>
             <a:r>
+              <a:rPr lang="en"/>
+              <a:t>Basic building block of the web</a:t>
+            </a:r>
+            <a:endParaRPr/>
+          </a:p>
+          <a:p>
+            <a:pPr indent="0" lvl="0" marL="0" rtl="0" algn="l">
+              <a:spcBef>
+                <a:spcPts val="1200"/>
+              </a:spcBef>
+              <a:spcAft>
+                <a:spcPts val="0"/>
+              </a:spcAft>
+              <a:buNone/>
+            </a:pPr>
+            <a:r>
+              <a:rPr lang="en"/>
+              <a:t>Defines the meaning and structure of web content</a:t>
+            </a:r>
+            <a:endParaRPr/>
+          </a:p>
+          <a:p>
+            <a:pPr indent="0" lvl="0" marL="0" rtl="0" algn="l">
+              <a:spcBef>
+                <a:spcPts val="1200"/>
+              </a:spcBef>
+              <a:spcAft>
+                <a:spcPts val="0"/>
+              </a:spcAft>
+              <a:buNone/>
+            </a:pPr>
+            <a:r>
+              <a:rPr lang="en"/>
+              <a:t>Used in conjunction with CSS (changes web page’s appearance/presentation) and Javacript (changes web page’s functionality/behavior)</a:t>
+            </a:r>
+            <a:endParaRPr/>
+          </a:p>
+          <a:p>
+            <a:pPr indent="0" lvl="0" marL="0" rtl="0" algn="l">
+              <a:spcBef>
+                <a:spcPts val="1200"/>
+              </a:spcBef>
+              <a:spcAft>
+                <a:spcPts val="0"/>
+              </a:spcAft>
+              <a:buNone/>
+            </a:pPr>
+            <a:r>
+              <a:rPr lang="en"/>
+              <a:t>Can create your own websites!</a:t>
+            </a:r>
+            <a:endParaRPr/>
+          </a:p>
+          <a:p>
+            <a:pPr indent="0" lvl="0" marL="0" rtl="0" algn="l">
+              <a:spcBef>
+                <a:spcPts val="1200"/>
+              </a:spcBef>
+              <a:spcAft>
+                <a:spcPts val="0"/>
+              </a:spcAft>
+              <a:buNone/>
+            </a:pPr>
+            <a:r>
+              <a:rPr lang="en"/>
+              <a:t>Source: </a:t>
+            </a:r>
+            <a:r>
               <a:rPr lang="en" u="sng">
                 <a:solidFill>
                   <a:schemeClr val="hlink"/>
                 </a:solidFill>
                 <a:hlinkClick r:id="rId3"/>
               </a:rPr>
-              <a:t>https://github.com/NolanSmithSolutions/</a:t>
-            </a:r>
-            <a:endParaRPr/>
-          </a:p>
-          <a:p>
-            <a:pPr indent="0" lvl="0" marL="0" rtl="0" algn="l">
-              <a:spcBef>
-                <a:spcPts val="1200"/>
-              </a:spcBef>
-              <a:spcAft>
-                <a:spcPts val="0"/>
-              </a:spcAft>
-              <a:buNone/>
-            </a:pPr>
-            <a:r>
-              <a:rPr lang="en"/>
-              <a:t>Not just our lectures - sometimes we put up non-proprietary projects or stuff we do for fun.</a:t>
+              <a:t>https://developer.mozilla.org/en-US/docs/Web/HTML</a:t>
             </a:r>
             <a:endParaRPr/>
           </a:p>
@@ -21666,7 +21291,7 @@
   <p:cSld>
     <p:spTree>
       <p:nvGrpSpPr>
-        <p:cNvPr id="425" name="Shape 425"/>
+        <p:cNvPr id="419" name="Shape 419"/>
         <p:cNvGrpSpPr/>
         <p:nvPr/>
       </p:nvGrpSpPr>
@@ -21680,7 +21305,7 @@
       </p:grpSpPr>
       <p:sp>
         <p:nvSpPr>
-          <p:cNvPr id="426" name="Google Shape;426;p33"/>
+          <p:cNvPr id="420" name="Google Shape;420;p33"/>
           <p:cNvSpPr txBox="1"/>
           <p:nvPr>
             <p:ph type="title"/>
@@ -21712,6 +21337,148 @@
             </a:pPr>
             <a:r>
               <a:rPr lang="en"/>
+              <a:t>Projects Matt and Ben Have Done</a:t>
+            </a:r>
+            <a:endParaRPr/>
+          </a:p>
+        </p:txBody>
+      </p:sp>
+      <p:sp>
+        <p:nvSpPr>
+          <p:cNvPr id="421" name="Google Shape;421;p33"/>
+          <p:cNvSpPr txBox="1"/>
+          <p:nvPr>
+            <p:ph idx="1" type="body"/>
+          </p:nvPr>
+        </p:nvSpPr>
+        <p:spPr>
+          <a:xfrm>
+            <a:off x="1303800" y="1990050"/>
+            <a:ext cx="7030500" cy="2541600"/>
+          </a:xfrm>
+          <a:prstGeom prst="rect">
+            <a:avLst/>
+          </a:prstGeom>
+        </p:spPr>
+        <p:txBody>
+          <a:bodyPr anchorCtr="0" anchor="t" bIns="91425" lIns="91425" spcFirstLastPara="1" rIns="91425" wrap="square" tIns="91425">
+            <a:normAutofit lnSpcReduction="20000"/>
+          </a:bodyPr>
+          <a:lstStyle/>
+          <a:p>
+            <a:pPr indent="0" lvl="0" marL="0" rtl="0" algn="l">
+              <a:spcBef>
+                <a:spcPts val="0"/>
+              </a:spcBef>
+              <a:spcAft>
+                <a:spcPts val="0"/>
+              </a:spcAft>
+              <a:buNone/>
+            </a:pPr>
+            <a:r>
+              <a:rPr lang="en"/>
+              <a:t>One of the most exciting things we have done with the knowledge we have learned from Data Science is forming our own company and being able to work/learn all over the country.  While Ben and I met in a math course, we stayed in touch long after graduation.  Around the end of 2019 an old professor we used to work for got us in touch with a company looking for Data Scientists and thus we started our own company.  Ultimately, we wanted to give back with the knowledge we have acquired and we are so excited to teach this course!  We hope you can use what we’ve learned to help out in your career!</a:t>
+            </a:r>
+            <a:endParaRPr/>
+          </a:p>
+          <a:p>
+            <a:pPr indent="0" lvl="0" marL="0" rtl="0" algn="l">
+              <a:spcBef>
+                <a:spcPts val="1200"/>
+              </a:spcBef>
+              <a:spcAft>
+                <a:spcPts val="0"/>
+              </a:spcAft>
+              <a:buNone/>
+            </a:pPr>
+            <a:r>
+              <a:rPr lang="en" u="sng">
+                <a:solidFill>
+                  <a:schemeClr val="hlink"/>
+                </a:solidFill>
+                <a:hlinkClick r:id="rId3"/>
+              </a:rPr>
+              <a:t>https://github.com/NolanSmithSolutions/</a:t>
+            </a:r>
+            <a:endParaRPr/>
+          </a:p>
+          <a:p>
+            <a:pPr indent="0" lvl="0" marL="0" rtl="0" algn="l">
+              <a:spcBef>
+                <a:spcPts val="1200"/>
+              </a:spcBef>
+              <a:spcAft>
+                <a:spcPts val="1200"/>
+              </a:spcAft>
+              <a:buNone/>
+            </a:pPr>
+            <a:r>
+              <a:rPr lang="en"/>
+              <a:t>The link above not only contains our lectures - sometimes we put up non-proprietary projects or stuff we do for fun.</a:t>
+            </a:r>
+            <a:endParaRPr/>
+          </a:p>
+        </p:txBody>
+      </p:sp>
+    </p:spTree>
+  </p:cSld>
+  <p:clrMapOvr>
+    <a:masterClrMapping/>
+  </p:clrMapOvr>
+</p:sld>
+</file>
+
+<file path=ppt/slides/slide22.xml><?xml version="1.0" encoding="utf-8"?>
+<p:sld xmlns:a="http://schemas.openxmlformats.org/drawingml/2006/main" xmlns:r="http://schemas.openxmlformats.org/officeDocument/2006/relationships" xmlns:mc="http://schemas.openxmlformats.org/markup-compatibility/2006" xmlns:mv="urn:schemas-microsoft-com:mac:vml" xmlns:p="http://schemas.openxmlformats.org/presentationml/2006/main" xmlns:c="http://schemas.openxmlformats.org/drawingml/2006/chart" xmlns:dgm="http://schemas.openxmlformats.org/drawingml/2006/diagram" xmlns:o="urn:schemas-microsoft-com:office:office" xmlns:v="urn:schemas-microsoft-com:vml" xmlns:pvml="urn:schemas-microsoft-com:office:powerpoint" xmlns:com="http://schemas.openxmlformats.org/drawingml/2006/compatibility" xmlns:p14="http://schemas.microsoft.com/office/powerpoint/2010/main" xmlns:p15="http://schemas.microsoft.com/office/powerpoint/2012/main" xmlns:ahyp="http://schemas.microsoft.com/office/drawing/2018/hyperlinkcolor">
+  <p:cSld>
+    <p:spTree>
+      <p:nvGrpSpPr>
+        <p:cNvPr id="425" name="Shape 425"/>
+        <p:cNvGrpSpPr/>
+        <p:nvPr/>
+      </p:nvGrpSpPr>
+      <p:grpSpPr>
+        <a:xfrm>
+          <a:off x="0" y="0"/>
+          <a:ext cx="0" cy="0"/>
+          <a:chOff x="0" y="0"/>
+          <a:chExt cx="0" cy="0"/>
+        </a:xfrm>
+      </p:grpSpPr>
+      <p:sp>
+        <p:nvSpPr>
+          <p:cNvPr id="426" name="Google Shape;426;p34"/>
+          <p:cNvSpPr txBox="1"/>
+          <p:nvPr>
+            <p:ph type="title"/>
+          </p:nvPr>
+        </p:nvSpPr>
+        <p:spPr>
+          <a:xfrm>
+            <a:off x="1303800" y="598575"/>
+            <a:ext cx="7030500" cy="999300"/>
+          </a:xfrm>
+          <a:prstGeom prst="rect">
+            <a:avLst/>
+          </a:prstGeom>
+        </p:spPr>
+        <p:txBody>
+          <a:bodyPr anchorCtr="0" anchor="t" bIns="91425" lIns="91425" spcFirstLastPara="1" rIns="91425" wrap="square" tIns="91425">
+            <a:normAutofit/>
+          </a:bodyPr>
+          <a:lstStyle/>
+          <a:p>
+            <a:pPr indent="0" lvl="0" marL="0" rtl="0" algn="l">
+              <a:spcBef>
+                <a:spcPts val="0"/>
+              </a:spcBef>
+              <a:spcAft>
+                <a:spcPts val="0"/>
+              </a:spcAft>
+              <a:buNone/>
+            </a:pPr>
+            <a:r>
+              <a:rPr lang="en"/>
               <a:t>Predictive Financial Model</a:t>
             </a:r>
             <a:endParaRPr/>
@@ -21720,7 +21487,7 @@
       </p:sp>
       <p:pic>
         <p:nvPicPr>
-          <p:cNvPr id="427" name="Google Shape;427;p33"/>
+          <p:cNvPr id="427" name="Google Shape;427;p34"/>
           <p:cNvPicPr preferRelativeResize="0"/>
           <p:nvPr/>
         </p:nvPicPr>
@@ -21754,7 +21521,7 @@
 </p:sld>
 </file>
 
-<file path=ppt/slides/slide22.xml><?xml version="1.0" encoding="utf-8"?>
+<file path=ppt/slides/slide23.xml><?xml version="1.0" encoding="utf-8"?>
 <p:sld xmlns:a="http://schemas.openxmlformats.org/drawingml/2006/main" xmlns:r="http://schemas.openxmlformats.org/officeDocument/2006/relationships" xmlns:mc="http://schemas.openxmlformats.org/markup-compatibility/2006" xmlns:mv="urn:schemas-microsoft-com:mac:vml" xmlns:p="http://schemas.openxmlformats.org/presentationml/2006/main" xmlns:c="http://schemas.openxmlformats.org/drawingml/2006/chart" xmlns:dgm="http://schemas.openxmlformats.org/drawingml/2006/diagram" xmlns:o="urn:schemas-microsoft-com:office:office" xmlns:v="urn:schemas-microsoft-com:vml" xmlns:pvml="urn:schemas-microsoft-com:office:powerpoint" xmlns:com="http://schemas.openxmlformats.org/drawingml/2006/compatibility" xmlns:p14="http://schemas.microsoft.com/office/powerpoint/2010/main" xmlns:p15="http://schemas.microsoft.com/office/powerpoint/2012/main" xmlns:ahyp="http://schemas.microsoft.com/office/drawing/2018/hyperlinkcolor">
   <p:cSld>
     <p:spTree>
@@ -21773,7 +21540,7 @@
       </p:grpSpPr>
       <p:sp>
         <p:nvSpPr>
-          <p:cNvPr id="432" name="Google Shape;432;p34"/>
+          <p:cNvPr id="432" name="Google Shape;432;p35"/>
           <p:cNvSpPr txBox="1"/>
           <p:nvPr>
             <p:ph type="title"/>
@@ -21813,7 +21580,7 @@
       </p:sp>
       <p:pic>
         <p:nvPicPr>
-          <p:cNvPr id="433" name="Google Shape;433;p34"/>
+          <p:cNvPr id="433" name="Google Shape;433;p35"/>
           <p:cNvPicPr preferRelativeResize="0"/>
           <p:nvPr/>
         </p:nvPicPr>
@@ -21847,7 +21614,7 @@
 </p:sld>
 </file>
 
-<file path=ppt/slides/slide23.xml><?xml version="1.0" encoding="utf-8"?>
+<file path=ppt/slides/slide24.xml><?xml version="1.0" encoding="utf-8"?>
 <p:sld xmlns:a="http://schemas.openxmlformats.org/drawingml/2006/main" xmlns:r="http://schemas.openxmlformats.org/officeDocument/2006/relationships" xmlns:mc="http://schemas.openxmlformats.org/markup-compatibility/2006" xmlns:mv="urn:schemas-microsoft-com:mac:vml" xmlns:p="http://schemas.openxmlformats.org/presentationml/2006/main" xmlns:c="http://schemas.openxmlformats.org/drawingml/2006/chart" xmlns:dgm="http://schemas.openxmlformats.org/drawingml/2006/diagram" xmlns:o="urn:schemas-microsoft-com:office:office" xmlns:v="urn:schemas-microsoft-com:vml" xmlns:pvml="urn:schemas-microsoft-com:office:powerpoint" xmlns:com="http://schemas.openxmlformats.org/drawingml/2006/compatibility" xmlns:p14="http://schemas.microsoft.com/office/powerpoint/2010/main" xmlns:p15="http://schemas.microsoft.com/office/powerpoint/2012/main" xmlns:ahyp="http://schemas.microsoft.com/office/drawing/2018/hyperlinkcolor">
   <p:cSld>
     <p:spTree>
@@ -21866,7 +21633,7 @@
       </p:grpSpPr>
       <p:sp>
         <p:nvSpPr>
-          <p:cNvPr id="438" name="Google Shape;438;p35"/>
+          <p:cNvPr id="438" name="Google Shape;438;p36"/>
           <p:cNvSpPr txBox="1"/>
           <p:nvPr>
             <p:ph type="title"/>
@@ -21906,7 +21673,7 @@
       </p:sp>
       <p:sp>
         <p:nvSpPr>
-          <p:cNvPr id="439" name="Google Shape;439;p35"/>
+          <p:cNvPr id="439" name="Google Shape;439;p36"/>
           <p:cNvSpPr txBox="1"/>
           <p:nvPr>
             <p:ph idx="1" type="body"/>
@@ -22374,7 +22141,7 @@
             </a:pPr>
             <a:r>
               <a:rPr lang="en"/>
-              <a:t>Computer Science Lower Levels</a:t>
+              <a:t>Course Notes</a:t>
             </a:r>
             <a:endParaRPr/>
           </a:p>
@@ -22390,8 +22157,8 @@
         </p:nvSpPr>
         <p:spPr>
           <a:xfrm>
-            <a:off x="1303800" y="1314300"/>
-            <a:ext cx="7030500" cy="3217500"/>
+            <a:off x="1303800" y="1990050"/>
+            <a:ext cx="7030500" cy="2541600"/>
           </a:xfrm>
           <a:prstGeom prst="rect">
             <a:avLst/>
@@ -22399,7 +22166,7 @@
         </p:spPr>
         <p:txBody>
           <a:bodyPr anchorCtr="0" anchor="t" bIns="91425" lIns="91425" spcFirstLastPara="1" rIns="91425" wrap="square" tIns="91425">
-            <a:normAutofit lnSpcReduction="20000"/>
+            <a:normAutofit/>
           </a:bodyPr>
           <a:lstStyle/>
           <a:p>
@@ -22415,7 +22182,7 @@
             </a:pPr>
             <a:r>
               <a:rPr lang="en"/>
-              <a:t>1st - Introductory Computer Programming</a:t>
+              <a:t>Number or Question Mark before title denotes when to take it relative to others</a:t>
             </a:r>
             <a:endParaRPr/>
           </a:p>
@@ -22432,7 +22199,24 @@
             </a:pPr>
             <a:r>
               <a:rPr lang="en"/>
-              <a:t>Often in Python</a:t>
+              <a:t>“?” denotes you should take it anytime after the numbered courses but based on personal preference</a:t>
+            </a:r>
+            <a:endParaRPr/>
+          </a:p>
+          <a:p>
+            <a:pPr indent="-311150" lvl="0" marL="457200" rtl="0" algn="l">
+              <a:spcBef>
+                <a:spcPts val="0"/>
+              </a:spcBef>
+              <a:spcAft>
+                <a:spcPts val="0"/>
+              </a:spcAft>
+              <a:buSzPts val="1300"/>
+              <a:buChar char="●"/>
+            </a:pPr>
+            <a:r>
+              <a:rPr lang="en"/>
+              <a:t>Letter after course number denotes how important this course will be likely in your career </a:t>
             </a:r>
             <a:endParaRPr/>
           </a:p>
@@ -22449,16 +22233,7 @@
             </a:pPr>
             <a:r>
               <a:rPr lang="en"/>
-              <a:t>Duke: </a:t>
-            </a:r>
-            <a:r>
-              <a:rPr lang="en" u="sng">
-                <a:solidFill>
-                  <a:schemeClr val="hlink"/>
-                </a:solidFill>
-                <a:hlinkClick r:id="rId3"/>
-              </a:rPr>
-              <a:t>Compsci101</a:t>
+              <a:t>A most important, E least important</a:t>
             </a:r>
             <a:endParaRPr/>
           </a:p>
@@ -22475,12 +22250,12 @@
             </a:pPr>
             <a:r>
               <a:rPr lang="en"/>
-              <a:t>How to write and debug code</a:t>
+              <a:t>Just because a course is needed as a pre-requisite for another course doesn’t mean you will need to use it more than the course that comes after it</a:t>
             </a:r>
             <a:endParaRPr/>
           </a:p>
           <a:p>
-            <a:pPr indent="-298450" lvl="1" marL="914400" rtl="0" algn="l">
+            <a:pPr indent="-298450" lvl="2" marL="1371600" rtl="0" algn="l">
               <a:spcBef>
                 <a:spcPts val="0"/>
               </a:spcBef>
@@ -22488,232 +22263,11 @@
                 <a:spcPts val="0"/>
               </a:spcAft>
               <a:buSzPts val="1100"/>
-              <a:buChar char="○"/>
+              <a:buChar char="■"/>
             </a:pPr>
             <a:r>
               <a:rPr lang="en"/>
-              <a:t>How to manage program </a:t>
-            </a:r>
-            <a:r>
-              <a:rPr lang="en"/>
-              <a:t>complexity</a:t>
-            </a:r>
-            <a:r>
-              <a:rPr lang="en"/>
-              <a:t> and learn basic programming knowldge</a:t>
-            </a:r>
-            <a:endParaRPr/>
-          </a:p>
-          <a:p>
-            <a:pPr indent="-311150" lvl="0" marL="457200" rtl="0" algn="l">
-              <a:spcBef>
-                <a:spcPts val="0"/>
-              </a:spcBef>
-              <a:spcAft>
-                <a:spcPts val="0"/>
-              </a:spcAft>
-              <a:buSzPts val="1300"/>
-              <a:buChar char="●"/>
-            </a:pPr>
-            <a:r>
-              <a:rPr lang="en"/>
-              <a:t>2nd - Data Structures and Algorithms</a:t>
-            </a:r>
-            <a:endParaRPr/>
-          </a:p>
-          <a:p>
-            <a:pPr indent="-298450" lvl="1" marL="914400" rtl="0" algn="l">
-              <a:spcBef>
-                <a:spcPts val="0"/>
-              </a:spcBef>
-              <a:spcAft>
-                <a:spcPts val="0"/>
-              </a:spcAft>
-              <a:buSzPts val="1100"/>
-              <a:buChar char="○"/>
-            </a:pPr>
-            <a:r>
-              <a:rPr lang="en"/>
-              <a:t>Often in Java</a:t>
-            </a:r>
-            <a:endParaRPr/>
-          </a:p>
-          <a:p>
-            <a:pPr indent="-298450" lvl="1" marL="914400" rtl="0" algn="l">
-              <a:spcBef>
-                <a:spcPts val="0"/>
-              </a:spcBef>
-              <a:spcAft>
-                <a:spcPts val="0"/>
-              </a:spcAft>
-              <a:buSzPts val="1100"/>
-              <a:buChar char="○"/>
-            </a:pPr>
-            <a:r>
-              <a:rPr lang="en"/>
-              <a:t>Duke: </a:t>
-            </a:r>
-            <a:r>
-              <a:rPr lang="en" u="sng">
-                <a:solidFill>
-                  <a:schemeClr val="hlink"/>
-                </a:solidFill>
-                <a:hlinkClick r:id="rId4"/>
-              </a:rPr>
-              <a:t>Compsci201</a:t>
-            </a:r>
-            <a:endParaRPr/>
-          </a:p>
-          <a:p>
-            <a:pPr indent="-298450" lvl="1" marL="914400" rtl="0" algn="l">
-              <a:spcBef>
-                <a:spcPts val="0"/>
-              </a:spcBef>
-              <a:spcAft>
-                <a:spcPts val="0"/>
-              </a:spcAft>
-              <a:buSzPts val="1100"/>
-              <a:buChar char="○"/>
-            </a:pPr>
-            <a:r>
-              <a:rPr lang="en"/>
-              <a:t>Deals with tradeoffs in time and memory with structuring data/programs</a:t>
-            </a:r>
-            <a:endParaRPr/>
-          </a:p>
-          <a:p>
-            <a:pPr indent="-298450" lvl="1" marL="914400" rtl="0" algn="l">
-              <a:spcBef>
-                <a:spcPts val="0"/>
-              </a:spcBef>
-              <a:spcAft>
-                <a:spcPts val="0"/>
-              </a:spcAft>
-              <a:buSzPts val="1100"/>
-              <a:buChar char="○"/>
-            </a:pPr>
-            <a:r>
-              <a:rPr lang="en"/>
-              <a:t>How to construct and analyze larger programs</a:t>
-            </a:r>
-            <a:endParaRPr/>
-          </a:p>
-          <a:p>
-            <a:pPr indent="-311150" lvl="0" marL="457200" rtl="0" algn="l">
-              <a:spcBef>
-                <a:spcPts val="0"/>
-              </a:spcBef>
-              <a:spcAft>
-                <a:spcPts val="0"/>
-              </a:spcAft>
-              <a:buSzPts val="1300"/>
-              <a:buChar char="●"/>
-            </a:pPr>
-            <a:r>
-              <a:rPr lang="en"/>
-              <a:t>? - Computer Architecture</a:t>
-            </a:r>
-            <a:endParaRPr/>
-          </a:p>
-          <a:p>
-            <a:pPr indent="-298450" lvl="1" marL="914400" rtl="0" algn="l">
-              <a:spcBef>
-                <a:spcPts val="0"/>
-              </a:spcBef>
-              <a:spcAft>
-                <a:spcPts val="0"/>
-              </a:spcAft>
-              <a:buSzPts val="1100"/>
-              <a:buChar char="○"/>
-            </a:pPr>
-            <a:r>
-              <a:rPr lang="en"/>
-              <a:t>Often in C++</a:t>
-            </a:r>
-            <a:endParaRPr/>
-          </a:p>
-          <a:p>
-            <a:pPr indent="-298450" lvl="1" marL="914400" rtl="0" algn="l">
-              <a:spcBef>
-                <a:spcPts val="0"/>
-              </a:spcBef>
-              <a:spcAft>
-                <a:spcPts val="0"/>
-              </a:spcAft>
-              <a:buSzPts val="1100"/>
-              <a:buChar char="○"/>
-            </a:pPr>
-            <a:r>
-              <a:rPr lang="en"/>
-              <a:t>How machines execute programs</a:t>
-            </a:r>
-            <a:endParaRPr/>
-          </a:p>
-          <a:p>
-            <a:pPr indent="-311150" lvl="0" marL="457200" rtl="0" algn="l">
-              <a:spcBef>
-                <a:spcPts val="0"/>
-              </a:spcBef>
-              <a:spcAft>
-                <a:spcPts val="0"/>
-              </a:spcAft>
-              <a:buSzPts val="1300"/>
-              <a:buChar char="●"/>
-            </a:pPr>
-            <a:r>
-              <a:rPr lang="en"/>
-              <a:t>? - Discrete Mathematics</a:t>
-            </a:r>
-            <a:endParaRPr/>
-          </a:p>
-          <a:p>
-            <a:pPr indent="-298450" lvl="1" marL="914400" rtl="0" algn="l">
-              <a:spcBef>
-                <a:spcPts val="0"/>
-              </a:spcBef>
-              <a:spcAft>
-                <a:spcPts val="0"/>
-              </a:spcAft>
-              <a:buSzPts val="1100"/>
-              <a:buChar char="○"/>
-            </a:pPr>
-            <a:r>
-              <a:rPr lang="en"/>
-              <a:t>Often introduces proofs and introduces math used in higher level CS courses without taking a semester deep dive into such topics in their actual courses</a:t>
-            </a:r>
-            <a:endParaRPr/>
-          </a:p>
-          <a:p>
-            <a:pPr indent="0" lvl="0" marL="0" rtl="0" algn="l">
-              <a:spcBef>
-                <a:spcPts val="1200"/>
-              </a:spcBef>
-              <a:spcAft>
-                <a:spcPts val="1200"/>
-              </a:spcAft>
-              <a:buNone/>
-            </a:pPr>
-            <a:r>
-              <a:rPr lang="en"/>
-              <a:t>Further reading: </a:t>
-            </a:r>
-            <a:r>
-              <a:rPr lang="en" u="sng">
-                <a:solidFill>
-                  <a:schemeClr val="hlink"/>
-                </a:solidFill>
-                <a:hlinkClick r:id="rId5"/>
-              </a:rPr>
-              <a:t>https://www.cs.duke.edu/undergrad/starti</a:t>
-            </a:r>
-            <a:r>
-              <a:rPr lang="en" u="sng">
-                <a:solidFill>
-                  <a:schemeClr val="hlink"/>
-                </a:solidFill>
-                <a:hlinkClick r:id="rId6"/>
-              </a:rPr>
-              <a:t>ng</a:t>
+              <a:t>Ie: Calc 2 is often a pre-requiesite for Calc 3; however Calc 3 is much more likely to be used than Calc 2 in data science work</a:t>
             </a:r>
             <a:endParaRPr/>
           </a:p>
@@ -22778,7 +22332,7 @@
             </a:pPr>
             <a:r>
               <a:rPr lang="en"/>
-              <a:t>Computer Science Upper Levels</a:t>
+              <a:t>Computer Science Lower Levels</a:t>
             </a:r>
             <a:endParaRPr/>
           </a:p>
@@ -22794,8 +22348,8 @@
         </p:nvSpPr>
         <p:spPr>
           <a:xfrm>
-            <a:off x="1303800" y="1990050"/>
-            <a:ext cx="7030500" cy="2541600"/>
+            <a:off x="1303800" y="1314300"/>
+            <a:ext cx="7030500" cy="3217500"/>
           </a:xfrm>
           <a:prstGeom prst="rect">
             <a:avLst/>
@@ -22803,7 +22357,7 @@
         </p:spPr>
         <p:txBody>
           <a:bodyPr anchorCtr="0" anchor="t" bIns="91425" lIns="91425" spcFirstLastPara="1" rIns="91425" wrap="square" tIns="91425">
-            <a:normAutofit/>
+            <a:normAutofit lnSpcReduction="20000"/>
           </a:bodyPr>
           <a:lstStyle/>
           <a:p>
@@ -22819,7 +22373,7 @@
             </a:pPr>
             <a:r>
               <a:rPr lang="en"/>
-              <a:t>? - Artificial Intelligence</a:t>
+              <a:t>1st - Introductory Computer Programming (A)</a:t>
             </a:r>
             <a:endParaRPr/>
           </a:p>
@@ -22836,7 +22390,75 @@
             </a:pPr>
             <a:r>
               <a:rPr lang="en"/>
-              <a:t>Introduction to AI and how machines mathematically construct and “win” games</a:t>
+              <a:t>Often in Python</a:t>
+            </a:r>
+            <a:endParaRPr/>
+          </a:p>
+          <a:p>
+            <a:pPr indent="-298450" lvl="1" marL="914400" rtl="0" algn="l">
+              <a:spcBef>
+                <a:spcPts val="0"/>
+              </a:spcBef>
+              <a:spcAft>
+                <a:spcPts val="0"/>
+              </a:spcAft>
+              <a:buSzPts val="1100"/>
+              <a:buChar char="○"/>
+            </a:pPr>
+            <a:r>
+              <a:rPr lang="en"/>
+              <a:t>Duke: </a:t>
+            </a:r>
+            <a:r>
+              <a:rPr lang="en" u="sng">
+                <a:solidFill>
+                  <a:schemeClr val="hlink"/>
+                </a:solidFill>
+                <a:hlinkClick r:id="rId3"/>
+              </a:rPr>
+              <a:t>Compsci101</a:t>
+            </a:r>
+            <a:endParaRPr/>
+          </a:p>
+          <a:p>
+            <a:pPr indent="-298450" lvl="1" marL="914400" rtl="0" algn="l">
+              <a:spcBef>
+                <a:spcPts val="0"/>
+              </a:spcBef>
+              <a:spcAft>
+                <a:spcPts val="0"/>
+              </a:spcAft>
+              <a:buSzPts val="1100"/>
+              <a:buChar char="○"/>
+            </a:pPr>
+            <a:r>
+              <a:rPr lang="en"/>
+              <a:t>How to write and debug code</a:t>
+            </a:r>
+            <a:endParaRPr/>
+          </a:p>
+          <a:p>
+            <a:pPr indent="-298450" lvl="1" marL="914400" rtl="0" algn="l">
+              <a:spcBef>
+                <a:spcPts val="0"/>
+              </a:spcBef>
+              <a:spcAft>
+                <a:spcPts val="0"/>
+              </a:spcAft>
+              <a:buSzPts val="1100"/>
+              <a:buChar char="○"/>
+            </a:pPr>
+            <a:r>
+              <a:rPr lang="en"/>
+              <a:t>How to manage program </a:t>
+            </a:r>
+            <a:r>
+              <a:rPr lang="en"/>
+              <a:t>complexity</a:t>
+            </a:r>
+            <a:r>
+              <a:rPr lang="en"/>
+              <a:t> and learn basic programming knowldge</a:t>
             </a:r>
             <a:endParaRPr/>
           </a:p>
@@ -22853,7 +22475,7 @@
             </a:pPr>
             <a:r>
               <a:rPr lang="en"/>
-              <a:t>?? - Machine Learning</a:t>
+              <a:t>2nd - Data Structures and Algorithms (A-)</a:t>
             </a:r>
             <a:endParaRPr/>
           </a:p>
@@ -22870,15 +22492,67 @@
             </a:pPr>
             <a:r>
               <a:rPr lang="en"/>
-              <a:t>Introduction to how computers use data and algorithms that </a:t>
-            </a:r>
+              <a:t>Often in Java</a:t>
+            </a:r>
+            <a:endParaRPr/>
+          </a:p>
+          <a:p>
+            <a:pPr indent="-298450" lvl="1" marL="914400" rtl="0" algn="l">
+              <a:spcBef>
+                <a:spcPts val="0"/>
+              </a:spcBef>
+              <a:spcAft>
+                <a:spcPts val="0"/>
+              </a:spcAft>
+              <a:buSzPts val="1100"/>
+              <a:buChar char="○"/>
+            </a:pPr>
             <a:r>
               <a:rPr lang="en"/>
-              <a:t>imitate</a:t>
-            </a:r>
+              <a:t>Duke: </a:t>
+            </a:r>
+            <a:r>
+              <a:rPr lang="en" u="sng">
+                <a:solidFill>
+                  <a:schemeClr val="hlink"/>
+                </a:solidFill>
+                <a:hlinkClick r:id="rId4"/>
+              </a:rPr>
+              <a:t>Compsci201</a:t>
+            </a:r>
+            <a:endParaRPr/>
+          </a:p>
+          <a:p>
+            <a:pPr indent="-298450" lvl="1" marL="914400" rtl="0" algn="l">
+              <a:spcBef>
+                <a:spcPts val="0"/>
+              </a:spcBef>
+              <a:spcAft>
+                <a:spcPts val="0"/>
+              </a:spcAft>
+              <a:buSzPts val="1100"/>
+              <a:buChar char="○"/>
+            </a:pPr>
             <a:r>
               <a:rPr lang="en"/>
-              <a:t> the way humans learn, VERY MATH HEAVY</a:t>
+              <a:t>Deals with tradeoffs in time and memory with structuring data/programs</a:t>
+            </a:r>
+            <a:endParaRPr/>
+          </a:p>
+          <a:p>
+            <a:pPr indent="-298450" lvl="1" marL="914400" rtl="0" algn="l">
+              <a:spcBef>
+                <a:spcPts val="0"/>
+              </a:spcBef>
+              <a:spcAft>
+                <a:spcPts val="0"/>
+              </a:spcAft>
+              <a:buSzPts val="1100"/>
+              <a:buChar char="○"/>
+            </a:pPr>
+            <a:r>
+              <a:rPr lang="en"/>
+              <a:t>How to construct and analyze larger programs</a:t>
             </a:r>
             <a:endParaRPr/>
           </a:p>
@@ -22895,7 +22569,11 @@
             </a:pPr>
             <a:r>
               <a:rPr lang="en"/>
-              <a:t>??? - Natural Language Processing</a:t>
+              <a:t>? - Computer Architecture </a:t>
+            </a:r>
+            <a:r>
+              <a:rPr lang="en"/>
+              <a:t>(C+)</a:t>
             </a:r>
             <a:endParaRPr/>
           </a:p>
@@ -22912,15 +22590,24 @@
             </a:pPr>
             <a:r>
               <a:rPr lang="en"/>
-              <a:t>The study of computing systems which process </a:t>
-            </a:r>
+              <a:t>Often in C++</a:t>
+            </a:r>
+            <a:endParaRPr/>
+          </a:p>
+          <a:p>
+            <a:pPr indent="-298450" lvl="1" marL="914400" rtl="0" algn="l">
+              <a:spcBef>
+                <a:spcPts val="0"/>
+              </a:spcBef>
+              <a:spcAft>
+                <a:spcPts val="0"/>
+              </a:spcAft>
+              <a:buSzPts val="1100"/>
+              <a:buChar char="○"/>
+            </a:pPr>
             <a:r>
               <a:rPr lang="en"/>
-              <a:t>human</a:t>
-            </a:r>
-            <a:r>
-              <a:rPr lang="en"/>
-              <a:t> languages, </a:t>
+              <a:t>How machines execute programs and deal with memory</a:t>
             </a:r>
             <a:endParaRPr/>
           </a:p>
@@ -22937,41 +22624,58 @@
             </a:pPr>
             <a:r>
               <a:rPr lang="en"/>
-              <a:t>? - Databases</a:t>
+              <a:t>? - Discrete Mathematics (B-)</a:t>
             </a:r>
             <a:endParaRPr/>
           </a:p>
           <a:p>
-            <a:pPr indent="-311150" lvl="0" marL="457200" rtl="0" algn="l">
-              <a:spcBef>
-                <a:spcPts val="0"/>
-              </a:spcBef>
-              <a:spcAft>
-                <a:spcPts val="0"/>
-              </a:spcAft>
-              <a:buSzPts val="1300"/>
-              <a:buChar char="●"/>
+            <a:pPr indent="-298450" lvl="1" marL="914400" rtl="0" algn="l">
+              <a:spcBef>
+                <a:spcPts val="0"/>
+              </a:spcBef>
+              <a:spcAft>
+                <a:spcPts val="0"/>
+              </a:spcAft>
+              <a:buSzPts val="1100"/>
+              <a:buChar char="○"/>
             </a:pPr>
             <a:r>
               <a:rPr lang="en"/>
-              <a:t>? - Algorithms</a:t>
+              <a:t>Often introduces proofs and introduces math used in higher level CS courses without taking a semester deep dive into such topics in their actual courses</a:t>
             </a:r>
             <a:endParaRPr/>
           </a:p>
           <a:p>
-            <a:pPr indent="-311150" lvl="0" marL="457200" rtl="0" algn="l">
-              <a:spcBef>
-                <a:spcPts val="0"/>
-              </a:spcBef>
-              <a:spcAft>
-                <a:spcPts val="0"/>
-              </a:spcAft>
-              <a:buSzPts val="1300"/>
-              <a:buChar char="●"/>
+            <a:pPr indent="0" lvl="0" marL="0" rtl="0" algn="l">
+              <a:spcBef>
+                <a:spcPts val="1200"/>
+              </a:spcBef>
+              <a:spcAft>
+                <a:spcPts val="1200"/>
+              </a:spcAft>
+              <a:buNone/>
             </a:pPr>
             <a:r>
               <a:rPr lang="en"/>
-              <a:t>? - Data Mining</a:t>
+              <a:t>Further reading: </a:t>
+            </a:r>
+            <a:r>
+              <a:rPr lang="en" u="sng">
+                <a:solidFill>
+                  <a:schemeClr val="hlink"/>
+                </a:solidFill>
+                <a:hlinkClick r:id="rId5"/>
+              </a:rPr>
+              <a:t>https://www.cs.duke.edu/undergrad/starti</a:t>
+            </a:r>
+            <a:r>
+              <a:rPr lang="en" u="sng">
+                <a:solidFill>
+                  <a:schemeClr val="hlink"/>
+                </a:solidFill>
+                <a:hlinkClick r:id="rId6"/>
+              </a:rPr>
+              <a:t>ng</a:t>
             </a:r>
             <a:endParaRPr/>
           </a:p>
@@ -23036,7 +22740,7 @@
             </a:pPr>
             <a:r>
               <a:rPr lang="en"/>
-              <a:t>Mathematics/Statistics</a:t>
+              <a:t>Computer Science Upper Levels</a:t>
             </a:r>
             <a:endParaRPr/>
           </a:p>
@@ -23061,7 +22765,7 @@
         </p:spPr>
         <p:txBody>
           <a:bodyPr anchorCtr="0" anchor="t" bIns="91425" lIns="91425" spcFirstLastPara="1" rIns="91425" wrap="square" tIns="91425">
-            <a:normAutofit/>
+            <a:normAutofit lnSpcReduction="20000"/>
           </a:bodyPr>
           <a:lstStyle/>
           <a:p>
@@ -23077,7 +22781,24 @@
             </a:pPr>
             <a:r>
               <a:rPr lang="en"/>
-              <a:t>1st - Calculus 1</a:t>
+              <a:t>? - Artificial Intelligence (B-)</a:t>
+            </a:r>
+            <a:endParaRPr/>
+          </a:p>
+          <a:p>
+            <a:pPr indent="-298450" lvl="1" marL="914400" rtl="0" algn="l">
+              <a:spcBef>
+                <a:spcPts val="0"/>
+              </a:spcBef>
+              <a:spcAft>
+                <a:spcPts val="0"/>
+              </a:spcAft>
+              <a:buSzPts val="1100"/>
+              <a:buChar char="○"/>
+            </a:pPr>
+            <a:r>
+              <a:rPr lang="en"/>
+              <a:t>Introduction to AI and how machines mathematically construct and “win” games, MATH HEAVY</a:t>
             </a:r>
             <a:endParaRPr/>
           </a:p>
@@ -23094,7 +22815,7 @@
             </a:pPr>
             <a:r>
               <a:rPr lang="en"/>
-              <a:t>1st - Linear Algebra</a:t>
+              <a:t>? - Databases (B)</a:t>
             </a:r>
             <a:endParaRPr/>
           </a:p>
@@ -23111,7 +22832,7 @@
             </a:pPr>
             <a:r>
               <a:rPr lang="en"/>
-              <a:t>Often helpful to have a proofs course or experience in Math to take before though</a:t>
+              <a:t>How to store, access and file systems for data</a:t>
             </a:r>
             <a:endParaRPr/>
           </a:p>
@@ -23128,7 +22849,24 @@
             </a:pPr>
             <a:r>
               <a:rPr lang="en"/>
-              <a:t>2nd - Calculus 2</a:t>
+              <a:t>? - Algorithms (C)</a:t>
+            </a:r>
+            <a:endParaRPr/>
+          </a:p>
+          <a:p>
+            <a:pPr indent="-298450" lvl="1" marL="914400" rtl="0" algn="l">
+              <a:spcBef>
+                <a:spcPts val="0"/>
+              </a:spcBef>
+              <a:spcAft>
+                <a:spcPts val="0"/>
+              </a:spcAft>
+              <a:buSzPts val="1100"/>
+              <a:buChar char="○"/>
+            </a:pPr>
+            <a:r>
+              <a:rPr lang="en"/>
+              <a:t>How to solve problems more efficiently, MATH HEAVY</a:t>
             </a:r>
             <a:endParaRPr/>
           </a:p>
@@ -23145,7 +22883,41 @@
             </a:pPr>
             <a:r>
               <a:rPr lang="en"/>
-              <a:t>3rd - Calculus 3</a:t>
+              <a:t>?? - Machine Learning (B+)</a:t>
+            </a:r>
+            <a:endParaRPr/>
+          </a:p>
+          <a:p>
+            <a:pPr indent="-298450" lvl="1" marL="914400" rtl="0" algn="l">
+              <a:spcBef>
+                <a:spcPts val="0"/>
+              </a:spcBef>
+              <a:spcAft>
+                <a:spcPts val="0"/>
+              </a:spcAft>
+              <a:buSzPts val="1100"/>
+              <a:buChar char="○"/>
+            </a:pPr>
+            <a:r>
+              <a:rPr lang="en"/>
+              <a:t>How to build models that explain patterns in large amounts of data, VERY MATH HEAVY</a:t>
+            </a:r>
+            <a:endParaRPr/>
+          </a:p>
+          <a:p>
+            <a:pPr indent="-298450" lvl="1" marL="914400" rtl="0" algn="l">
+              <a:spcBef>
+                <a:spcPts val="0"/>
+              </a:spcBef>
+              <a:spcAft>
+                <a:spcPts val="0"/>
+              </a:spcAft>
+              <a:buSzPts val="1100"/>
+              <a:buChar char="○"/>
+            </a:pPr>
+            <a:r>
+              <a:rPr lang="en"/>
+              <a:t>Requires Linear Algebra, Probability, Calc 3, sometimes Advanced Linear Algebra</a:t>
             </a:r>
             <a:endParaRPr/>
           </a:p>
@@ -23162,75 +22934,36 @@
             </a:pPr>
             <a:r>
               <a:rPr lang="en"/>
-              <a:t>4th - Probability Theory</a:t>
+              <a:t>??? - Natural Language Processing </a:t>
+            </a:r>
+            <a:r>
+              <a:rPr lang="en"/>
+              <a:t>(D)</a:t>
             </a:r>
             <a:endParaRPr/>
           </a:p>
           <a:p>
-            <a:pPr indent="-311150" lvl="0" marL="457200" rtl="0" algn="l">
-              <a:spcBef>
-                <a:spcPts val="0"/>
-              </a:spcBef>
-              <a:spcAft>
-                <a:spcPts val="0"/>
-              </a:spcAft>
-              <a:buSzPts val="1300"/>
-              <a:buChar char="●"/>
+            <a:pPr indent="-298450" lvl="1" marL="914400" rtl="0" algn="l">
+              <a:spcBef>
+                <a:spcPts val="0"/>
+              </a:spcBef>
+              <a:spcAft>
+                <a:spcPts val="0"/>
+              </a:spcAft>
+              <a:buSzPts val="1100"/>
+              <a:buChar char="○"/>
             </a:pPr>
             <a:r>
               <a:rPr lang="en"/>
-              <a:t>?? Operations Research</a:t>
-            </a:r>
-            <a:endParaRPr/>
-          </a:p>
-          <a:p>
-            <a:pPr indent="-311150" lvl="0" marL="457200" rtl="0" algn="l">
-              <a:spcBef>
-                <a:spcPts val="0"/>
-              </a:spcBef>
-              <a:spcAft>
-                <a:spcPts val="0"/>
-              </a:spcAft>
-              <a:buSzPts val="1300"/>
-              <a:buChar char="●"/>
-            </a:pPr>
+              <a:t>The study of computing systems which process </a:t>
+            </a:r>
             <a:r>
               <a:rPr lang="en"/>
-              <a:t>?? Statistical Inference</a:t>
-            </a:r>
-            <a:endParaRPr/>
-          </a:p>
-          <a:p>
-            <a:pPr indent="-311150" lvl="0" marL="457200" rtl="0" algn="l">
-              <a:spcBef>
-                <a:spcPts val="0"/>
-              </a:spcBef>
-              <a:spcAft>
-                <a:spcPts val="0"/>
-              </a:spcAft>
-              <a:buSzPts val="1300"/>
-              <a:buChar char="●"/>
-            </a:pPr>
+              <a:t>human</a:t>
+            </a:r>
             <a:r>
               <a:rPr lang="en"/>
-              <a:t>?? Advanced Linear Algebra</a:t>
-            </a:r>
-            <a:endParaRPr/>
-          </a:p>
-          <a:p>
-            <a:pPr indent="-311150" lvl="0" marL="457200" rtl="0" algn="l">
-              <a:spcBef>
-                <a:spcPts val="0"/>
-              </a:spcBef>
-              <a:spcAft>
-                <a:spcPts val="0"/>
-              </a:spcAft>
-              <a:buSzPts val="1300"/>
-              <a:buChar char="●"/>
-            </a:pPr>
-            <a:r>
-              <a:rPr lang="en"/>
-              <a:t>?? Time Series Analysis</a:t>
+              <a:t> languages, take after Machine Learning, VERY MATH HEAVY</a:t>
             </a:r>
             <a:endParaRPr/>
           </a:p>
@@ -23295,7 +23028,7 @@
             </a:pPr>
             <a:r>
               <a:rPr lang="en"/>
-              <a:t>Economics/Finance/Other</a:t>
+              <a:t>Mathematics/Statistics Lower Levels</a:t>
             </a:r>
             <a:endParaRPr/>
           </a:p>
@@ -23320,7 +23053,7 @@
         </p:spPr>
         <p:txBody>
           <a:bodyPr anchorCtr="0" anchor="t" bIns="91425" lIns="91425" spcFirstLastPara="1" rIns="91425" wrap="square" tIns="91425">
-            <a:normAutofit/>
+            <a:normAutofit lnSpcReduction="20000"/>
           </a:bodyPr>
           <a:lstStyle/>
           <a:p>
@@ -23336,7 +23069,7 @@
             </a:pPr>
             <a:r>
               <a:rPr lang="en"/>
-              <a:t>1st - Introductory/Applications of Data Science</a:t>
+              <a:t>1st - Calculus 1 (B+)</a:t>
             </a:r>
             <a:endParaRPr/>
           </a:p>
@@ -23353,7 +23086,7 @@
             </a:pPr>
             <a:r>
               <a:rPr lang="en"/>
-              <a:t>You are Here!</a:t>
+              <a:t>One-variable Calculus</a:t>
             </a:r>
             <a:endParaRPr/>
           </a:p>
@@ -23370,7 +23103,41 @@
             </a:pPr>
             <a:r>
               <a:rPr lang="en"/>
-              <a:t>1st - Introductory Microeconomic Theory</a:t>
+              <a:t>1st - Linear Algebra (A)</a:t>
+            </a:r>
+            <a:endParaRPr/>
+          </a:p>
+          <a:p>
+            <a:pPr indent="-298450" lvl="1" marL="914400" rtl="0" algn="l">
+              <a:spcBef>
+                <a:spcPts val="0"/>
+              </a:spcBef>
+              <a:spcAft>
+                <a:spcPts val="0"/>
+              </a:spcAft>
+              <a:buSzPts val="1100"/>
+              <a:buChar char="○"/>
+            </a:pPr>
+            <a:r>
+              <a:rPr lang="en"/>
+              <a:t>Matrix Algebra, vector spaces and linear equation solving</a:t>
+            </a:r>
+            <a:endParaRPr/>
+          </a:p>
+          <a:p>
+            <a:pPr indent="-298450" lvl="1" marL="914400" rtl="0" algn="l">
+              <a:spcBef>
+                <a:spcPts val="0"/>
+              </a:spcBef>
+              <a:spcAft>
+                <a:spcPts val="0"/>
+              </a:spcAft>
+              <a:buSzPts val="1100"/>
+              <a:buChar char="○"/>
+            </a:pPr>
+            <a:r>
+              <a:rPr lang="en"/>
+              <a:t>Often helpful to have a proofs course or experience in math to take before though</a:t>
             </a:r>
             <a:endParaRPr/>
           </a:p>
@@ -23387,7 +23154,41 @@
             </a:pPr>
             <a:r>
               <a:rPr lang="en"/>
-              <a:t>1st - Introduction to Finance</a:t>
+              <a:t>2nd - Calculus 2 (E)</a:t>
+            </a:r>
+            <a:endParaRPr/>
+          </a:p>
+          <a:p>
+            <a:pPr indent="-298450" lvl="1" marL="914400" rtl="0" algn="l">
+              <a:spcBef>
+                <a:spcPts val="0"/>
+              </a:spcBef>
+              <a:spcAft>
+                <a:spcPts val="0"/>
+              </a:spcAft>
+              <a:buSzPts val="1100"/>
+              <a:buChar char="○"/>
+            </a:pPr>
+            <a:r>
+              <a:rPr lang="en"/>
+              <a:t>Integration applications and series</a:t>
+            </a:r>
+            <a:endParaRPr/>
+          </a:p>
+          <a:p>
+            <a:pPr indent="-298450" lvl="1" marL="914400" rtl="0" algn="l">
+              <a:spcBef>
+                <a:spcPts val="0"/>
+              </a:spcBef>
+              <a:spcAft>
+                <a:spcPts val="0"/>
+              </a:spcAft>
+              <a:buSzPts val="1100"/>
+              <a:buChar char="○"/>
+            </a:pPr>
+            <a:r>
+              <a:rPr lang="en"/>
+              <a:t>Often prerequisite for Calculus 3</a:t>
             </a:r>
             <a:endParaRPr/>
           </a:p>
@@ -23404,7 +23205,24 @@
             </a:pPr>
             <a:r>
               <a:rPr lang="en"/>
-              <a:t>2nd - Introductory Macroeconomic Theory</a:t>
+              <a:t>3rd - Calculus 3 (A-)</a:t>
+            </a:r>
+            <a:endParaRPr/>
+          </a:p>
+          <a:p>
+            <a:pPr indent="-298450" lvl="1" marL="914400" rtl="0" algn="l">
+              <a:spcBef>
+                <a:spcPts val="0"/>
+              </a:spcBef>
+              <a:spcAft>
+                <a:spcPts val="0"/>
+              </a:spcAft>
+              <a:buSzPts val="1100"/>
+              <a:buChar char="○"/>
+            </a:pPr>
+            <a:r>
+              <a:rPr lang="en"/>
+              <a:t>Multi-variable Calculus and vectors</a:t>
             </a:r>
             <a:endParaRPr/>
           </a:p>
@@ -23421,24 +23239,41 @@
             </a:pPr>
             <a:r>
               <a:rPr lang="en"/>
-              <a:t>? - Game Theory</a:t>
+              <a:t>4th - Probability Theory (A)</a:t>
             </a:r>
             <a:endParaRPr/>
           </a:p>
           <a:p>
-            <a:pPr indent="-311150" lvl="0" marL="457200" rtl="0" algn="l">
-              <a:spcBef>
-                <a:spcPts val="0"/>
-              </a:spcBef>
-              <a:spcAft>
-                <a:spcPts val="0"/>
-              </a:spcAft>
-              <a:buSzPts val="1300"/>
-              <a:buChar char="●"/>
+            <a:pPr indent="-298450" lvl="1" marL="914400" rtl="0" algn="l">
+              <a:spcBef>
+                <a:spcPts val="0"/>
+              </a:spcBef>
+              <a:spcAft>
+                <a:spcPts val="0"/>
+              </a:spcAft>
+              <a:buSzPts val="1100"/>
+              <a:buChar char="○"/>
             </a:pPr>
             <a:r>
               <a:rPr lang="en"/>
-              <a:t>? -  Econometrics</a:t>
+              <a:t>Set theory and fundamental uses of mathematics in probability</a:t>
+            </a:r>
+            <a:endParaRPr/>
+          </a:p>
+          <a:p>
+            <a:pPr indent="-298450" lvl="1" marL="914400" rtl="0" algn="l">
+              <a:spcBef>
+                <a:spcPts val="0"/>
+              </a:spcBef>
+              <a:spcAft>
+                <a:spcPts val="0"/>
+              </a:spcAft>
+              <a:buSzPts val="1100"/>
+              <a:buChar char="○"/>
+            </a:pPr>
+            <a:r>
+              <a:rPr lang="en"/>
+              <a:t>Often requires Calculus 3</a:t>
             </a:r>
             <a:endParaRPr/>
           </a:p>
@@ -23453,6 +23288,285 @@
 </file>
 
 <file path=ppt/theme/theme1.xml><?xml version="1.0" encoding="utf-8"?>
+<a:theme xmlns:a="http://schemas.openxmlformats.org/drawingml/2006/main" xmlns:r="http://schemas.openxmlformats.org/officeDocument/2006/relationships" name="Momentum">
+  <a:themeElements>
+    <a:clrScheme name="Momentum">
+      <a:dk1>
+        <a:srgbClr val="C0791B"/>
+      </a:dk1>
+      <a:lt1>
+        <a:srgbClr val="FFFFFF"/>
+      </a:lt1>
+      <a:dk2>
+        <a:srgbClr val="424242"/>
+      </a:dk2>
+      <a:lt2>
+        <a:srgbClr val="8DD8D3"/>
+      </a:lt2>
+      <a:accent1>
+        <a:srgbClr val="0B6374"/>
+      </a:accent1>
+      <a:accent2>
+        <a:srgbClr val="FD5B58"/>
+      </a:accent2>
+      <a:accent3>
+        <a:srgbClr val="599191"/>
+      </a:accent3>
+      <a:accent4>
+        <a:srgbClr val="D7E6A3"/>
+      </a:accent4>
+      <a:accent5>
+        <a:srgbClr val="27278B"/>
+      </a:accent5>
+      <a:accent6>
+        <a:srgbClr val="D558AB"/>
+      </a:accent6>
+      <a:hlink>
+        <a:srgbClr val="27278B"/>
+      </a:hlink>
+      <a:folHlink>
+        <a:srgbClr val="27278B"/>
+      </a:folHlink>
+    </a:clrScheme>
+    <a:fontScheme name="Office">
+      <a:majorFont>
+        <a:latin typeface="Arial"/>
+        <a:ea typeface=""/>
+        <a:cs typeface=""/>
+        <a:font script="Jpan" typeface="ＭＳ Ｐゴシック"/>
+        <a:font script="Hang" typeface="맑은 고딕"/>
+        <a:font script="Hans" typeface="宋体"/>
+        <a:font script="Hant" typeface="新細明體"/>
+        <a:font script="Arab" typeface="Times New Roman"/>
+        <a:font script="Hebr" typeface="Times New Roman"/>
+        <a:font script="Thai" typeface="Angsana New"/>
+        <a:font script="Ethi" typeface="Nyala"/>
+        <a:font script="Beng" typeface="Vrinda"/>
+        <a:font script="Gujr" typeface="Shruti"/>
+        <a:font script="Khmr" typeface="MoolBoran"/>
+        <a:font script="Knda" typeface="Tunga"/>
+        <a:font script="Guru" typeface="Raavi"/>
+        <a:font script="Cans" typeface="Euphemia"/>
+        <a:font script="Cher" typeface="Plantagenet Cherokee"/>
+        <a:font script="Yiii" typeface="Microsoft Yi Baiti"/>
+        <a:font script="Tibt" typeface="Microsoft Himalaya"/>
+        <a:font script="Thaa" typeface="MV Boli"/>
+        <a:font script="Deva" typeface="Mangal"/>
+        <a:font script="Telu" typeface="Gautami"/>
+        <a:font script="Taml" typeface="Latha"/>
+        <a:font script="Syrc" typeface="Estrangelo Edessa"/>
+        <a:font script="Orya" typeface="Kalinga"/>
+        <a:font script="Mlym" typeface="Kartika"/>
+        <a:font script="Laoo" typeface="DokChampa"/>
+        <a:font script="Sinh" typeface="Iskoola Pota"/>
+        <a:font script="Mong" typeface="Mongolian Baiti"/>
+        <a:font script="Viet" typeface="Times New Roman"/>
+        <a:font script="Uigh" typeface="Microsoft Uighur"/>
+        <a:font script="Geor" typeface="Sylfaen"/>
+      </a:majorFont>
+      <a:minorFont>
+        <a:latin typeface="Arial"/>
+        <a:ea typeface=""/>
+        <a:cs typeface=""/>
+        <a:font script="Jpan" typeface="ＭＳ Ｐゴシック"/>
+        <a:font script="Hang" typeface="맑은 고딕"/>
+        <a:font script="Hans" typeface="宋体"/>
+        <a:font script="Hant" typeface="新細明體"/>
+        <a:font script="Arab" typeface="Arial"/>
+        <a:font script="Hebr" typeface="Arial"/>
+        <a:font script="Thai" typeface="Cordia New"/>
+        <a:font script="Ethi" typeface="Nyala"/>
+        <a:font script="Beng" typeface="Vrinda"/>
+        <a:font script="Gujr" typeface="Shruti"/>
+        <a:font script="Khmr" typeface="DaunPenh"/>
+        <a:font script="Knda" typeface="Tunga"/>
+        <a:font script="Guru" typeface="Raavi"/>
+        <a:font script="Cans" typeface="Euphemia"/>
+        <a:font script="Cher" typeface="Plantagenet Cherokee"/>
+        <a:font script="Yiii" typeface="Microsoft Yi Baiti"/>
+        <a:font script="Tibt" typeface="Microsoft Himalaya"/>
+        <a:font script="Thaa" typeface="MV Boli"/>
+        <a:font script="Deva" typeface="Mangal"/>
+        <a:font script="Telu" typeface="Gautami"/>
+        <a:font script="Taml" typeface="Latha"/>
+        <a:font script="Syrc" typeface="Estrangelo Edessa"/>
+        <a:font script="Orya" typeface="Kalinga"/>
+        <a:font script="Mlym" typeface="Kartika"/>
+        <a:font script="Laoo" typeface="DokChampa"/>
+        <a:font script="Sinh" typeface="Iskoola Pota"/>
+        <a:font script="Mong" typeface="Mongolian Baiti"/>
+        <a:font script="Viet" typeface="Arial"/>
+        <a:font script="Uigh" typeface="Microsoft Uighur"/>
+        <a:font script="Geor" typeface="Sylfaen"/>
+      </a:minorFont>
+    </a:fontScheme>
+    <a:fmtScheme name="Office">
+      <a:fillStyleLst>
+        <a:solidFill>
+          <a:schemeClr val="phClr"/>
+        </a:solidFill>
+        <a:gradFill rotWithShape="1">
+          <a:gsLst>
+            <a:gs pos="0">
+              <a:schemeClr val="phClr">
+                <a:tint val="50000"/>
+                <a:satMod val="300000"/>
+              </a:schemeClr>
+            </a:gs>
+            <a:gs pos="35000">
+              <a:schemeClr val="phClr">
+                <a:tint val="37000"/>
+                <a:satMod val="300000"/>
+              </a:schemeClr>
+            </a:gs>
+            <a:gs pos="100000">
+              <a:schemeClr val="phClr">
+                <a:tint val="15000"/>
+                <a:satMod val="350000"/>
+              </a:schemeClr>
+            </a:gs>
+          </a:gsLst>
+          <a:lin ang="16200000" scaled="1"/>
+        </a:gradFill>
+        <a:gradFill rotWithShape="1">
+          <a:gsLst>
+            <a:gs pos="0">
+              <a:schemeClr val="phClr">
+                <a:tint val="100000"/>
+                <a:shade val="100000"/>
+                <a:satMod val="130000"/>
+              </a:schemeClr>
+            </a:gs>
+            <a:gs pos="100000">
+              <a:schemeClr val="phClr">
+                <a:tint val="50000"/>
+                <a:shade val="100000"/>
+                <a:satMod val="350000"/>
+              </a:schemeClr>
+            </a:gs>
+          </a:gsLst>
+          <a:lin ang="16200000" scaled="0"/>
+        </a:gradFill>
+      </a:fillStyleLst>
+      <a:lnStyleLst>
+        <a:ln w="9525" cap="flat" cmpd="sng" algn="ctr">
+          <a:solidFill>
+            <a:schemeClr val="phClr">
+              <a:shade val="95000"/>
+              <a:satMod val="105000"/>
+            </a:schemeClr>
+          </a:solidFill>
+          <a:prstDash val="solid"/>
+        </a:ln>
+        <a:ln w="25400" cap="flat" cmpd="sng" algn="ctr">
+          <a:solidFill>
+            <a:schemeClr val="phClr"/>
+          </a:solidFill>
+          <a:prstDash val="solid"/>
+        </a:ln>
+        <a:ln w="38100" cap="flat" cmpd="sng" algn="ctr">
+          <a:solidFill>
+            <a:schemeClr val="phClr"/>
+          </a:solidFill>
+          <a:prstDash val="solid"/>
+        </a:ln>
+      </a:lnStyleLst>
+      <a:effectStyleLst>
+        <a:effectStyle>
+          <a:effectLst>
+            <a:outerShdw blurRad="40000" dist="20000" dir="5400000" rotWithShape="0">
+              <a:srgbClr val="000000">
+                <a:alpha val="38000"/>
+              </a:srgbClr>
+            </a:outerShdw>
+          </a:effectLst>
+        </a:effectStyle>
+        <a:effectStyle>
+          <a:effectLst>
+            <a:outerShdw blurRad="40000" dist="23000" dir="5400000" rotWithShape="0">
+              <a:srgbClr val="000000">
+                <a:alpha val="35000"/>
+              </a:srgbClr>
+            </a:outerShdw>
+          </a:effectLst>
+        </a:effectStyle>
+        <a:effectStyle>
+          <a:effectLst>
+            <a:outerShdw blurRad="40000" dist="23000" dir="5400000" rotWithShape="0">
+              <a:srgbClr val="000000">
+                <a:alpha val="35000"/>
+              </a:srgbClr>
+            </a:outerShdw>
+          </a:effectLst>
+          <a:scene3d>
+            <a:camera prst="orthographicFront">
+              <a:rot lat="0" lon="0" rev="0"/>
+            </a:camera>
+            <a:lightRig rig="threePt" dir="t">
+              <a:rot lat="0" lon="0" rev="1200000"/>
+            </a:lightRig>
+          </a:scene3d>
+          <a:sp3d>
+            <a:bevelT w="63500" h="25400"/>
+          </a:sp3d>
+        </a:effectStyle>
+      </a:effectStyleLst>
+      <a:bgFillStyleLst>
+        <a:solidFill>
+          <a:schemeClr val="phClr"/>
+        </a:solidFill>
+        <a:gradFill rotWithShape="1">
+          <a:gsLst>
+            <a:gs pos="0">
+              <a:schemeClr val="phClr">
+                <a:tint val="40000"/>
+                <a:satMod val="350000"/>
+              </a:schemeClr>
+            </a:gs>
+            <a:gs pos="40000">
+              <a:schemeClr val="phClr">
+                <a:tint val="45000"/>
+                <a:shade val="99000"/>
+                <a:satMod val="350000"/>
+              </a:schemeClr>
+            </a:gs>
+            <a:gs pos="100000">
+              <a:schemeClr val="phClr">
+                <a:shade val="20000"/>
+                <a:satMod val="255000"/>
+              </a:schemeClr>
+            </a:gs>
+          </a:gsLst>
+          <a:path path="circle">
+            <a:fillToRect l="50000" t="-80000" r="50000" b="180000"/>
+          </a:path>
+        </a:gradFill>
+        <a:gradFill rotWithShape="1">
+          <a:gsLst>
+            <a:gs pos="0">
+              <a:schemeClr val="phClr">
+                <a:tint val="80000"/>
+                <a:satMod val="300000"/>
+              </a:schemeClr>
+            </a:gs>
+            <a:gs pos="100000">
+              <a:schemeClr val="phClr">
+                <a:shade val="30000"/>
+                <a:satMod val="200000"/>
+              </a:schemeClr>
+            </a:gs>
+          </a:gsLst>
+          <a:path path="circle">
+            <a:fillToRect l="50000" t="50000" r="50000" b="50000"/>
+          </a:path>
+        </a:gradFill>
+      </a:bgFillStyleLst>
+    </a:fmtScheme>
+  </a:themeElements>
+</a:theme>
+</file>
+
+<file path=ppt/theme/theme2.xml><?xml version="1.0" encoding="utf-8"?>
 <a:theme xmlns:a="http://schemas.openxmlformats.org/drawingml/2006/main" xmlns:r="http://schemas.openxmlformats.org/officeDocument/2006/relationships">
   <a:themeElements>
     <a:clrScheme name="Default">
@@ -23729,283 +23843,4 @@
     </a:fmtScheme>
   </a:themeElements>
 </a:theme>
-</file>
-
-<file path=ppt/theme/theme2.xml><?xml version="1.0" encoding="utf-8"?>
-<a:theme xmlns:a="http://schemas.openxmlformats.org/drawingml/2006/main" xmlns:r="http://schemas.openxmlformats.org/officeDocument/2006/relationships" name="Momentum">
-  <a:themeElements>
-    <a:clrScheme name="Momentum">
-      <a:dk1>
-        <a:srgbClr val="C0791B"/>
-      </a:dk1>
-      <a:lt1>
-        <a:srgbClr val="FFFFFF"/>
-      </a:lt1>
-      <a:dk2>
-        <a:srgbClr val="424242"/>
-      </a:dk2>
-      <a:lt2>
-        <a:srgbClr val="8DD8D3"/>
-      </a:lt2>
-      <a:accent1>
-        <a:srgbClr val="0B6374"/>
-      </a:accent1>
-      <a:accent2>
-        <a:srgbClr val="FD5B58"/>
-      </a:accent2>
-      <a:accent3>
-        <a:srgbClr val="599191"/>
-      </a:accent3>
-      <a:accent4>
-        <a:srgbClr val="D7E6A3"/>
-      </a:accent4>
-      <a:accent5>
-        <a:srgbClr val="27278B"/>
-      </a:accent5>
-      <a:accent6>
-        <a:srgbClr val="D558AB"/>
-      </a:accent6>
-      <a:hlink>
-        <a:srgbClr val="27278B"/>
-      </a:hlink>
-      <a:folHlink>
-        <a:srgbClr val="27278B"/>
-      </a:folHlink>
-    </a:clrScheme>
-    <a:fontScheme name="Office">
-      <a:majorFont>
-        <a:latin typeface="Arial"/>
-        <a:ea typeface=""/>
-        <a:cs typeface=""/>
-        <a:font script="Jpan" typeface="ＭＳ Ｐゴシック"/>
-        <a:font script="Hang" typeface="맑은 고딕"/>
-        <a:font script="Hans" typeface="宋体"/>
-        <a:font script="Hant" typeface="新細明體"/>
-        <a:font script="Arab" typeface="Times New Roman"/>
-        <a:font script="Hebr" typeface="Times New Roman"/>
-        <a:font script="Thai" typeface="Angsana New"/>
-        <a:font script="Ethi" typeface="Nyala"/>
-        <a:font script="Beng" typeface="Vrinda"/>
-        <a:font script="Gujr" typeface="Shruti"/>
-        <a:font script="Khmr" typeface="MoolBoran"/>
-        <a:font script="Knda" typeface="Tunga"/>
-        <a:font script="Guru" typeface="Raavi"/>
-        <a:font script="Cans" typeface="Euphemia"/>
-        <a:font script="Cher" typeface="Plantagenet Cherokee"/>
-        <a:font script="Yiii" typeface="Microsoft Yi Baiti"/>
-        <a:font script="Tibt" typeface="Microsoft Himalaya"/>
-        <a:font script="Thaa" typeface="MV Boli"/>
-        <a:font script="Deva" typeface="Mangal"/>
-        <a:font script="Telu" typeface="Gautami"/>
-        <a:font script="Taml" typeface="Latha"/>
-        <a:font script="Syrc" typeface="Estrangelo Edessa"/>
-        <a:font script="Orya" typeface="Kalinga"/>
-        <a:font script="Mlym" typeface="Kartika"/>
-        <a:font script="Laoo" typeface="DokChampa"/>
-        <a:font script="Sinh" typeface="Iskoola Pota"/>
-        <a:font script="Mong" typeface="Mongolian Baiti"/>
-        <a:font script="Viet" typeface="Times New Roman"/>
-        <a:font script="Uigh" typeface="Microsoft Uighur"/>
-        <a:font script="Geor" typeface="Sylfaen"/>
-      </a:majorFont>
-      <a:minorFont>
-        <a:latin typeface="Arial"/>
-        <a:ea typeface=""/>
-        <a:cs typeface=""/>
-        <a:font script="Jpan" typeface="ＭＳ Ｐゴシック"/>
-        <a:font script="Hang" typeface="맑은 고딕"/>
-        <a:font script="Hans" typeface="宋体"/>
-        <a:font script="Hant" typeface="新細明體"/>
-        <a:font script="Arab" typeface="Arial"/>
-        <a:font script="Hebr" typeface="Arial"/>
-        <a:font script="Thai" typeface="Cordia New"/>
-        <a:font script="Ethi" typeface="Nyala"/>
-        <a:font script="Beng" typeface="Vrinda"/>
-        <a:font script="Gujr" typeface="Shruti"/>
-        <a:font script="Khmr" typeface="DaunPenh"/>
-        <a:font script="Knda" typeface="Tunga"/>
-        <a:font script="Guru" typeface="Raavi"/>
-        <a:font script="Cans" typeface="Euphemia"/>
-        <a:font script="Cher" typeface="Plantagenet Cherokee"/>
-        <a:font script="Yiii" typeface="Microsoft Yi Baiti"/>
-        <a:font script="Tibt" typeface="Microsoft Himalaya"/>
-        <a:font script="Thaa" typeface="MV Boli"/>
-        <a:font script="Deva" typeface="Mangal"/>
-        <a:font script="Telu" typeface="Gautami"/>
-        <a:font script="Taml" typeface="Latha"/>
-        <a:font script="Syrc" typeface="Estrangelo Edessa"/>
-        <a:font script="Orya" typeface="Kalinga"/>
-        <a:font script="Mlym" typeface="Kartika"/>
-        <a:font script="Laoo" typeface="DokChampa"/>
-        <a:font script="Sinh" typeface="Iskoola Pota"/>
-        <a:font script="Mong" typeface="Mongolian Baiti"/>
-        <a:font script="Viet" typeface="Arial"/>
-        <a:font script="Uigh" typeface="Microsoft Uighur"/>
-        <a:font script="Geor" typeface="Sylfaen"/>
-      </a:minorFont>
-    </a:fontScheme>
-    <a:fmtScheme name="Office">
-      <a:fillStyleLst>
-        <a:solidFill>
-          <a:schemeClr val="phClr"/>
-        </a:solidFill>
-        <a:gradFill rotWithShape="1">
-          <a:gsLst>
-            <a:gs pos="0">
-              <a:schemeClr val="phClr">
-                <a:tint val="50000"/>
-                <a:satMod val="300000"/>
-              </a:schemeClr>
-            </a:gs>
-            <a:gs pos="35000">
-              <a:schemeClr val="phClr">
-                <a:tint val="37000"/>
-                <a:satMod val="300000"/>
-              </a:schemeClr>
-            </a:gs>
-            <a:gs pos="100000">
-              <a:schemeClr val="phClr">
-                <a:tint val="15000"/>
-                <a:satMod val="350000"/>
-              </a:schemeClr>
-            </a:gs>
-          </a:gsLst>
-          <a:lin ang="16200000" scaled="1"/>
-        </a:gradFill>
-        <a:gradFill rotWithShape="1">
-          <a:gsLst>
-            <a:gs pos="0">
-              <a:schemeClr val="phClr">
-                <a:tint val="100000"/>
-                <a:shade val="100000"/>
-                <a:satMod val="130000"/>
-              </a:schemeClr>
-            </a:gs>
-            <a:gs pos="100000">
-              <a:schemeClr val="phClr">
-                <a:tint val="50000"/>
-                <a:shade val="100000"/>
-                <a:satMod val="350000"/>
-              </a:schemeClr>
-            </a:gs>
-          </a:gsLst>
-          <a:lin ang="16200000" scaled="0"/>
-        </a:gradFill>
-      </a:fillStyleLst>
-      <a:lnStyleLst>
-        <a:ln w="9525" cap="flat" cmpd="sng" algn="ctr">
-          <a:solidFill>
-            <a:schemeClr val="phClr">
-              <a:shade val="95000"/>
-              <a:satMod val="105000"/>
-            </a:schemeClr>
-          </a:solidFill>
-          <a:prstDash val="solid"/>
-        </a:ln>
-        <a:ln w="25400" cap="flat" cmpd="sng" algn="ctr">
-          <a:solidFill>
-            <a:schemeClr val="phClr"/>
-          </a:solidFill>
-          <a:prstDash val="solid"/>
-        </a:ln>
-        <a:ln w="38100" cap="flat" cmpd="sng" algn="ctr">
-          <a:solidFill>
-            <a:schemeClr val="phClr"/>
-          </a:solidFill>
-          <a:prstDash val="solid"/>
-        </a:ln>
-      </a:lnStyleLst>
-      <a:effectStyleLst>
-        <a:effectStyle>
-          <a:effectLst>
-            <a:outerShdw blurRad="40000" dist="20000" dir="5400000" rotWithShape="0">
-              <a:srgbClr val="000000">
-                <a:alpha val="38000"/>
-              </a:srgbClr>
-            </a:outerShdw>
-          </a:effectLst>
-        </a:effectStyle>
-        <a:effectStyle>
-          <a:effectLst>
-            <a:outerShdw blurRad="40000" dist="23000" dir="5400000" rotWithShape="0">
-              <a:srgbClr val="000000">
-                <a:alpha val="35000"/>
-              </a:srgbClr>
-            </a:outerShdw>
-          </a:effectLst>
-        </a:effectStyle>
-        <a:effectStyle>
-          <a:effectLst>
-            <a:outerShdw blurRad="40000" dist="23000" dir="5400000" rotWithShape="0">
-              <a:srgbClr val="000000">
-                <a:alpha val="35000"/>
-              </a:srgbClr>
-            </a:outerShdw>
-          </a:effectLst>
-          <a:scene3d>
-            <a:camera prst="orthographicFront">
-              <a:rot lat="0" lon="0" rev="0"/>
-            </a:camera>
-            <a:lightRig rig="threePt" dir="t">
-              <a:rot lat="0" lon="0" rev="1200000"/>
-            </a:lightRig>
-          </a:scene3d>
-          <a:sp3d>
-            <a:bevelT w="63500" h="25400"/>
-          </a:sp3d>
-        </a:effectStyle>
-      </a:effectStyleLst>
-      <a:bgFillStyleLst>
-        <a:solidFill>
-          <a:schemeClr val="phClr"/>
-        </a:solidFill>
-        <a:gradFill rotWithShape="1">
-          <a:gsLst>
-            <a:gs pos="0">
-              <a:schemeClr val="phClr">
-                <a:tint val="40000"/>
-                <a:satMod val="350000"/>
-              </a:schemeClr>
-            </a:gs>
-            <a:gs pos="40000">
-              <a:schemeClr val="phClr">
-                <a:tint val="45000"/>
-                <a:shade val="99000"/>
-                <a:satMod val="350000"/>
-              </a:schemeClr>
-            </a:gs>
-            <a:gs pos="100000">
-              <a:schemeClr val="phClr">
-                <a:shade val="20000"/>
-                <a:satMod val="255000"/>
-              </a:schemeClr>
-            </a:gs>
-          </a:gsLst>
-          <a:path path="circle">
-            <a:fillToRect l="50000" t="-80000" r="50000" b="180000"/>
-          </a:path>
-        </a:gradFill>
-        <a:gradFill rotWithShape="1">
-          <a:gsLst>
-            <a:gs pos="0">
-              <a:schemeClr val="phClr">
-                <a:tint val="80000"/>
-                <a:satMod val="300000"/>
-              </a:schemeClr>
-            </a:gs>
-            <a:gs pos="100000">
-              <a:schemeClr val="phClr">
-                <a:shade val="30000"/>
-                <a:satMod val="200000"/>
-              </a:schemeClr>
-            </a:gs>
-          </a:gsLst>
-          <a:path path="circle">
-            <a:fillToRect l="50000" t="50000" r="50000" b="50000"/>
-          </a:path>
-        </a:gradFill>
-      </a:bgFillStyleLst>
-    </a:fmtScheme>
-  </a:themeElements>
-</a:theme>
 </file>